--- a/Presentations/NEN3610 SKOS-OWL-SHACL.pptx
+++ b/Presentations/NEN3610 SKOS-OWL-SHACL.pptx
@@ -17,6 +17,10 @@
     <p:sldId id="265" r:id="rId11"/>
     <p:sldId id="267" r:id="rId12"/>
     <p:sldId id="266" r:id="rId13"/>
+    <p:sldId id="268" r:id="rId14"/>
+    <p:sldId id="269" r:id="rId15"/>
+    <p:sldId id="271" r:id="rId16"/>
+    <p:sldId id="270" r:id="rId17"/>
   </p:sldIdLst>
   <p:sldSz cx="12192000" cy="6858000"/>
   <p:notesSz cx="6858000" cy="9144000"/>
@@ -254,7 +258,7 @@
           <a:p>
             <a:fld id="{4697C22A-1C99-4004-8458-4C2A2FAB4D26}" type="datetimeFigureOut">
               <a:rPr lang="nl-NL" smtClean="0"/>
-              <a:t>6-10-2017</a:t>
+              <a:t>19-4-2018</a:t>
             </a:fld>
             <a:endParaRPr lang="nl-NL"/>
           </a:p>
@@ -424,7 +428,7 @@
           <a:p>
             <a:fld id="{4697C22A-1C99-4004-8458-4C2A2FAB4D26}" type="datetimeFigureOut">
               <a:rPr lang="nl-NL" smtClean="0"/>
-              <a:t>6-10-2017</a:t>
+              <a:t>19-4-2018</a:t>
             </a:fld>
             <a:endParaRPr lang="nl-NL"/>
           </a:p>
@@ -604,7 +608,7 @@
           <a:p>
             <a:fld id="{4697C22A-1C99-4004-8458-4C2A2FAB4D26}" type="datetimeFigureOut">
               <a:rPr lang="nl-NL" smtClean="0"/>
-              <a:t>6-10-2017</a:t>
+              <a:t>19-4-2018</a:t>
             </a:fld>
             <a:endParaRPr lang="nl-NL"/>
           </a:p>
@@ -774,7 +778,7 @@
           <a:p>
             <a:fld id="{4697C22A-1C99-4004-8458-4C2A2FAB4D26}" type="datetimeFigureOut">
               <a:rPr lang="nl-NL" smtClean="0"/>
-              <a:t>6-10-2017</a:t>
+              <a:t>19-4-2018</a:t>
             </a:fld>
             <a:endParaRPr lang="nl-NL"/>
           </a:p>
@@ -1020,7 +1024,7 @@
           <a:p>
             <a:fld id="{4697C22A-1C99-4004-8458-4C2A2FAB4D26}" type="datetimeFigureOut">
               <a:rPr lang="nl-NL" smtClean="0"/>
-              <a:t>6-10-2017</a:t>
+              <a:t>19-4-2018</a:t>
             </a:fld>
             <a:endParaRPr lang="nl-NL"/>
           </a:p>
@@ -1252,7 +1256,7 @@
           <a:p>
             <a:fld id="{4697C22A-1C99-4004-8458-4C2A2FAB4D26}" type="datetimeFigureOut">
               <a:rPr lang="nl-NL" smtClean="0"/>
-              <a:t>6-10-2017</a:t>
+              <a:t>19-4-2018</a:t>
             </a:fld>
             <a:endParaRPr lang="nl-NL"/>
           </a:p>
@@ -1619,7 +1623,7 @@
           <a:p>
             <a:fld id="{4697C22A-1C99-4004-8458-4C2A2FAB4D26}" type="datetimeFigureOut">
               <a:rPr lang="nl-NL" smtClean="0"/>
-              <a:t>6-10-2017</a:t>
+              <a:t>19-4-2018</a:t>
             </a:fld>
             <a:endParaRPr lang="nl-NL"/>
           </a:p>
@@ -1737,7 +1741,7 @@
           <a:p>
             <a:fld id="{4697C22A-1C99-4004-8458-4C2A2FAB4D26}" type="datetimeFigureOut">
               <a:rPr lang="nl-NL" smtClean="0"/>
-              <a:t>6-10-2017</a:t>
+              <a:t>19-4-2018</a:t>
             </a:fld>
             <a:endParaRPr lang="nl-NL"/>
           </a:p>
@@ -1832,7 +1836,7 @@
           <a:p>
             <a:fld id="{4697C22A-1C99-4004-8458-4C2A2FAB4D26}" type="datetimeFigureOut">
               <a:rPr lang="nl-NL" smtClean="0"/>
-              <a:t>6-10-2017</a:t>
+              <a:t>19-4-2018</a:t>
             </a:fld>
             <a:endParaRPr lang="nl-NL"/>
           </a:p>
@@ -2109,7 +2113,7 @@
           <a:p>
             <a:fld id="{4697C22A-1C99-4004-8458-4C2A2FAB4D26}" type="datetimeFigureOut">
               <a:rPr lang="nl-NL" smtClean="0"/>
-              <a:t>6-10-2017</a:t>
+              <a:t>19-4-2018</a:t>
             </a:fld>
             <a:endParaRPr lang="nl-NL"/>
           </a:p>
@@ -2362,7 +2366,7 @@
           <a:p>
             <a:fld id="{4697C22A-1C99-4004-8458-4C2A2FAB4D26}" type="datetimeFigureOut">
               <a:rPr lang="nl-NL" smtClean="0"/>
-              <a:t>6-10-2017</a:t>
+              <a:t>19-4-2018</a:t>
             </a:fld>
             <a:endParaRPr lang="nl-NL"/>
           </a:p>
@@ -2575,7 +2579,7 @@
           <a:p>
             <a:fld id="{4697C22A-1C99-4004-8458-4C2A2FAB4D26}" type="datetimeFigureOut">
               <a:rPr lang="nl-NL" smtClean="0"/>
-              <a:t>6-10-2017</a:t>
+              <a:t>19-4-2018</a:t>
             </a:fld>
             <a:endParaRPr lang="nl-NL"/>
           </a:p>
@@ -6209,6 +6213,3289 @@
 </p:sld>
 </file>
 
+<file path=ppt/slides/slide13.xml><?xml version="1.0" encoding="utf-8"?>
+<p:sld xmlns:a="http://schemas.openxmlformats.org/drawingml/2006/main" xmlns:r="http://schemas.openxmlformats.org/officeDocument/2006/relationships" xmlns:p="http://schemas.openxmlformats.org/presentationml/2006/main">
+  <p:cSld>
+    <p:spTree>
+      <p:nvGrpSpPr>
+        <p:cNvPr id="1" name=""/>
+        <p:cNvGrpSpPr/>
+        <p:nvPr/>
+      </p:nvGrpSpPr>
+      <p:grpSpPr>
+        <a:xfrm>
+          <a:off x="0" y="0"/>
+          <a:ext cx="0" cy="0"/>
+          <a:chOff x="0" y="0"/>
+          <a:chExt cx="0" cy="0"/>
+        </a:xfrm>
+      </p:grpSpPr>
+      <p:sp>
+        <p:nvSpPr>
+          <p:cNvPr id="6" name="Wolkvormige toelichting 5"/>
+          <p:cNvSpPr/>
+          <p:nvPr/>
+        </p:nvSpPr>
+        <p:spPr>
+          <a:xfrm>
+            <a:off x="4483100" y="457200"/>
+            <a:ext cx="2108200" cy="1028700"/>
+          </a:xfrm>
+          <a:prstGeom prst="cloudCallout">
+            <a:avLst>
+              <a:gd name="adj1" fmla="val -120833"/>
+              <a:gd name="adj2" fmla="val 229167"/>
+            </a:avLst>
+          </a:prstGeom>
+        </p:spPr>
+        <p:style>
+          <a:lnRef idx="1">
+            <a:schemeClr val="accent6"/>
+          </a:lnRef>
+          <a:fillRef idx="2">
+            <a:schemeClr val="accent6"/>
+          </a:fillRef>
+          <a:effectRef idx="1">
+            <a:schemeClr val="accent6"/>
+          </a:effectRef>
+          <a:fontRef idx="minor">
+            <a:schemeClr val="dk1"/>
+          </a:fontRef>
+        </p:style>
+        <p:txBody>
+          <a:bodyPr rtlCol="0" anchor="ctr"/>
+          <a:lstStyle/>
+          <a:p>
+            <a:pPr algn="ctr"/>
+            <a:r>
+              <a:rPr lang="nl-NL" dirty="0" err="1" smtClean="0"/>
+              <a:t>Universe</a:t>
+            </a:r>
+            <a:r>
+              <a:rPr lang="nl-NL" dirty="0" smtClean="0"/>
+              <a:t> of Discourse</a:t>
+            </a:r>
+          </a:p>
+          <a:p>
+            <a:pPr algn="ctr"/>
+            <a:r>
+              <a:rPr lang="nl-NL" dirty="0" smtClean="0"/>
+              <a:t>(</a:t>
+            </a:r>
+            <a:r>
+              <a:rPr lang="nl-NL" dirty="0" err="1" smtClean="0"/>
+              <a:t>UoD</a:t>
+            </a:r>
+            <a:r>
+              <a:rPr lang="nl-NL" dirty="0" smtClean="0"/>
+              <a:t>)</a:t>
+            </a:r>
+            <a:endParaRPr lang="nl-NL" dirty="0"/>
+          </a:p>
+        </p:txBody>
+      </p:sp>
+      <p:sp>
+        <p:nvSpPr>
+          <p:cNvPr id="12" name="Rechthoek 11"/>
+          <p:cNvSpPr/>
+          <p:nvPr/>
+        </p:nvSpPr>
+        <p:spPr>
+          <a:xfrm>
+            <a:off x="4051300" y="1828800"/>
+            <a:ext cx="723900" cy="508000"/>
+          </a:xfrm>
+          <a:prstGeom prst="rect">
+            <a:avLst/>
+          </a:prstGeom>
+          <a:solidFill>
+            <a:schemeClr val="bg1"/>
+          </a:solidFill>
+          <a:ln>
+            <a:solidFill>
+              <a:schemeClr val="bg1"/>
+            </a:solidFill>
+          </a:ln>
+        </p:spPr>
+        <p:style>
+          <a:lnRef idx="2">
+            <a:schemeClr val="accent1">
+              <a:shade val="50000"/>
+            </a:schemeClr>
+          </a:lnRef>
+          <a:fillRef idx="1">
+            <a:schemeClr val="accent1"/>
+          </a:fillRef>
+          <a:effectRef idx="0">
+            <a:schemeClr val="accent1"/>
+          </a:effectRef>
+          <a:fontRef idx="minor">
+            <a:schemeClr val="lt1"/>
+          </a:fontRef>
+        </p:style>
+        <p:txBody>
+          <a:bodyPr rtlCol="0" anchor="ctr"/>
+          <a:lstStyle/>
+          <a:p>
+            <a:pPr algn="ctr"/>
+            <a:endParaRPr lang="nl-NL"/>
+          </a:p>
+        </p:txBody>
+      </p:sp>
+      <p:cxnSp>
+        <p:nvCxnSpPr>
+          <p:cNvPr id="14" name="Rechte verbindingslijn met pijl 13"/>
+          <p:cNvCxnSpPr/>
+          <p:nvPr/>
+        </p:nvCxnSpPr>
+        <p:spPr>
+          <a:xfrm flipV="1">
+            <a:off x="3314700" y="1485900"/>
+            <a:ext cx="1562100" cy="1530594"/>
+          </a:xfrm>
+          <a:prstGeom prst="straightConnector1">
+            <a:avLst/>
+          </a:prstGeom>
+          <a:ln w="19050">
+            <a:tailEnd type="triangle"/>
+          </a:ln>
+        </p:spPr>
+        <p:style>
+          <a:lnRef idx="1">
+            <a:schemeClr val="accent1"/>
+          </a:lnRef>
+          <a:fillRef idx="0">
+            <a:schemeClr val="accent1"/>
+          </a:fillRef>
+          <a:effectRef idx="0">
+            <a:schemeClr val="accent1"/>
+          </a:effectRef>
+          <a:fontRef idx="minor">
+            <a:schemeClr val="tx1"/>
+          </a:fontRef>
+        </p:style>
+      </p:cxnSp>
+      <p:cxnSp>
+        <p:nvCxnSpPr>
+          <p:cNvPr id="16" name="Rechte verbindingslijn met pijl 15"/>
+          <p:cNvCxnSpPr/>
+          <p:nvPr/>
+        </p:nvCxnSpPr>
+        <p:spPr>
+          <a:xfrm flipH="1" flipV="1">
+            <a:off x="6299200" y="1371600"/>
+            <a:ext cx="1416050" cy="1644894"/>
+          </a:xfrm>
+          <a:prstGeom prst="straightConnector1">
+            <a:avLst/>
+          </a:prstGeom>
+          <a:ln w="19050">
+            <a:tailEnd type="triangle"/>
+          </a:ln>
+        </p:spPr>
+        <p:style>
+          <a:lnRef idx="1">
+            <a:schemeClr val="accent1"/>
+          </a:lnRef>
+          <a:fillRef idx="0">
+            <a:schemeClr val="accent1"/>
+          </a:fillRef>
+          <a:effectRef idx="0">
+            <a:schemeClr val="accent1"/>
+          </a:effectRef>
+          <a:fontRef idx="minor">
+            <a:schemeClr val="tx1"/>
+          </a:fontRef>
+        </p:style>
+      </p:cxnSp>
+      <p:sp>
+        <p:nvSpPr>
+          <p:cNvPr id="17" name="Tekstvak 16"/>
+          <p:cNvSpPr txBox="1"/>
+          <p:nvPr/>
+        </p:nvSpPr>
+        <p:spPr>
+          <a:xfrm>
+            <a:off x="3380943" y="1595659"/>
+            <a:ext cx="1257588" cy="307777"/>
+          </a:xfrm>
+          <a:prstGeom prst="rect">
+            <a:avLst/>
+          </a:prstGeom>
+          <a:noFill/>
+        </p:spPr>
+        <p:txBody>
+          <a:bodyPr wrap="none" rtlCol="0">
+            <a:spAutoFit/>
+          </a:bodyPr>
+          <a:lstStyle/>
+          <a:p>
+            <a:r>
+              <a:rPr lang="nl-NL" sz="1400" i="1" dirty="0" smtClean="0"/>
+              <a:t>Een model van</a:t>
+            </a:r>
+            <a:endParaRPr lang="nl-NL" sz="1400" i="1" dirty="0"/>
+          </a:p>
+        </p:txBody>
+      </p:sp>
+      <p:sp>
+        <p:nvSpPr>
+          <p:cNvPr id="18" name="Tekstvak 17"/>
+          <p:cNvSpPr txBox="1"/>
+          <p:nvPr/>
+        </p:nvSpPr>
+        <p:spPr>
+          <a:xfrm>
+            <a:off x="6691241" y="1589630"/>
+            <a:ext cx="1257588" cy="307777"/>
+          </a:xfrm>
+          <a:prstGeom prst="rect">
+            <a:avLst/>
+          </a:prstGeom>
+          <a:noFill/>
+        </p:spPr>
+        <p:txBody>
+          <a:bodyPr wrap="none" rtlCol="0">
+            <a:spAutoFit/>
+          </a:bodyPr>
+          <a:lstStyle/>
+          <a:p>
+            <a:r>
+              <a:rPr lang="nl-NL" sz="1400" i="1" dirty="0" smtClean="0"/>
+              <a:t>Een model van</a:t>
+            </a:r>
+            <a:endParaRPr lang="nl-NL" sz="1400" i="1" dirty="0"/>
+          </a:p>
+        </p:txBody>
+      </p:sp>
+      <p:grpSp>
+        <p:nvGrpSpPr>
+          <p:cNvPr id="11" name="Groep 10"/>
+          <p:cNvGrpSpPr/>
+          <p:nvPr/>
+        </p:nvGrpSpPr>
+        <p:grpSpPr>
+          <a:xfrm>
+            <a:off x="6731000" y="2508495"/>
+            <a:ext cx="1968500" cy="1016000"/>
+            <a:chOff x="6731000" y="2508495"/>
+            <a:chExt cx="1968500" cy="1016000"/>
+          </a:xfrm>
+        </p:grpSpPr>
+        <p:sp>
+          <p:nvSpPr>
+            <p:cNvPr id="8" name="Afgeronde rechthoek 7"/>
+            <p:cNvSpPr/>
+            <p:nvPr/>
+          </p:nvSpPr>
+          <p:spPr>
+            <a:xfrm>
+              <a:off x="6731000" y="2508495"/>
+              <a:ext cx="1968500" cy="1016000"/>
+            </a:xfrm>
+            <a:prstGeom prst="roundRect">
+              <a:avLst/>
+            </a:prstGeom>
+          </p:spPr>
+          <p:style>
+            <a:lnRef idx="1">
+              <a:schemeClr val="accent1"/>
+            </a:lnRef>
+            <a:fillRef idx="2">
+              <a:schemeClr val="accent1"/>
+            </a:fillRef>
+            <a:effectRef idx="1">
+              <a:schemeClr val="accent1"/>
+            </a:effectRef>
+            <a:fontRef idx="minor">
+              <a:schemeClr val="dk1"/>
+            </a:fontRef>
+          </p:style>
+          <p:txBody>
+            <a:bodyPr rtlCol="0" anchor="ctr"/>
+            <a:lstStyle/>
+            <a:p>
+              <a:pPr marL="622300" algn="ctr"/>
+              <a:r>
+                <a:rPr lang="nl-NL" dirty="0" smtClean="0"/>
+                <a:t>RDF</a:t>
+              </a:r>
+            </a:p>
+            <a:p>
+              <a:pPr marL="622300" algn="ctr"/>
+              <a:r>
+                <a:rPr lang="nl-NL" dirty="0" smtClean="0"/>
+                <a:t>model</a:t>
+              </a:r>
+              <a:endParaRPr lang="nl-NL" dirty="0"/>
+            </a:p>
+          </p:txBody>
+        </p:sp>
+        <p:pic>
+          <p:nvPicPr>
+            <p:cNvPr id="10" name="Afbeelding 9"/>
+            <p:cNvPicPr>
+              <a:picLocks noChangeAspect="1"/>
+            </p:cNvPicPr>
+            <p:nvPr/>
+          </p:nvPicPr>
+          <p:blipFill>
+            <a:blip r:embed="rId2" cstate="print">
+              <a:extLst>
+                <a:ext uri="{28A0092B-C50C-407E-A947-70E740481C1C}">
+                  <a14:useLocalDpi xmlns:a14="http://schemas.microsoft.com/office/drawing/2010/main" val="0"/>
+                </a:ext>
+              </a:extLst>
+            </a:blip>
+            <a:stretch>
+              <a:fillRect/>
+            </a:stretch>
+          </p:blipFill>
+          <p:spPr>
+            <a:xfrm>
+              <a:off x="6876845" y="2695942"/>
+              <a:ext cx="587275" cy="641105"/>
+            </a:xfrm>
+            <a:prstGeom prst="rect">
+              <a:avLst/>
+            </a:prstGeom>
+          </p:spPr>
+        </p:pic>
+      </p:grpSp>
+      <p:grpSp>
+        <p:nvGrpSpPr>
+          <p:cNvPr id="5" name="Groep 4"/>
+          <p:cNvGrpSpPr/>
+          <p:nvPr/>
+        </p:nvGrpSpPr>
+        <p:grpSpPr>
+          <a:xfrm>
+            <a:off x="2209800" y="2527789"/>
+            <a:ext cx="1968500" cy="1016000"/>
+            <a:chOff x="1193800" y="1003300"/>
+            <a:chExt cx="1968500" cy="1016000"/>
+          </a:xfrm>
+        </p:grpSpPr>
+        <p:sp>
+          <p:nvSpPr>
+            <p:cNvPr id="3" name="Afgeronde rechthoek 2"/>
+            <p:cNvSpPr/>
+            <p:nvPr/>
+          </p:nvSpPr>
+          <p:spPr>
+            <a:xfrm>
+              <a:off x="1193800" y="1003300"/>
+              <a:ext cx="1968500" cy="1016000"/>
+            </a:xfrm>
+            <a:prstGeom prst="roundRect">
+              <a:avLst/>
+            </a:prstGeom>
+          </p:spPr>
+          <p:style>
+            <a:lnRef idx="1">
+              <a:schemeClr val="accent1"/>
+            </a:lnRef>
+            <a:fillRef idx="2">
+              <a:schemeClr val="accent1"/>
+            </a:fillRef>
+            <a:effectRef idx="1">
+              <a:schemeClr val="accent1"/>
+            </a:effectRef>
+            <a:fontRef idx="minor">
+              <a:schemeClr val="dk1"/>
+            </a:fontRef>
+          </p:style>
+          <p:txBody>
+            <a:bodyPr rtlCol="0" anchor="ctr"/>
+            <a:lstStyle/>
+            <a:p>
+              <a:pPr marL="622300" algn="ctr"/>
+              <a:r>
+                <a:rPr lang="nl-NL" dirty="0" smtClean="0"/>
+                <a:t>UML</a:t>
+              </a:r>
+            </a:p>
+            <a:p>
+              <a:pPr marL="622300" algn="ctr"/>
+              <a:r>
+                <a:rPr lang="nl-NL" dirty="0" smtClean="0"/>
+                <a:t>model</a:t>
+              </a:r>
+              <a:endParaRPr lang="nl-NL" dirty="0"/>
+            </a:p>
+          </p:txBody>
+        </p:sp>
+        <p:pic>
+          <p:nvPicPr>
+            <p:cNvPr id="4" name="Afbeelding 3"/>
+            <p:cNvPicPr>
+              <a:picLocks noChangeAspect="1"/>
+            </p:cNvPicPr>
+            <p:nvPr/>
+          </p:nvPicPr>
+          <p:blipFill rotWithShape="1">
+            <a:blip r:embed="rId3" cstate="print">
+              <a:extLst>
+                <a:ext uri="{28A0092B-C50C-407E-A947-70E740481C1C}">
+                  <a14:useLocalDpi xmlns:a14="http://schemas.microsoft.com/office/drawing/2010/main" val="0"/>
+                </a:ext>
+              </a:extLst>
+            </a:blip>
+            <a:srcRect l="44477"/>
+            <a:stretch/>
+          </p:blipFill>
+          <p:spPr>
+            <a:xfrm>
+              <a:off x="1308100" y="1136895"/>
+              <a:ext cx="571500" cy="748810"/>
+            </a:xfrm>
+            <a:prstGeom prst="rect">
+              <a:avLst/>
+            </a:prstGeom>
+          </p:spPr>
+        </p:pic>
+      </p:grpSp>
+      <p:sp>
+        <p:nvSpPr>
+          <p:cNvPr id="19" name="PIJL-RECHTS 18"/>
+          <p:cNvSpPr/>
+          <p:nvPr/>
+        </p:nvSpPr>
+        <p:spPr>
+          <a:xfrm>
+            <a:off x="4292600" y="2772141"/>
+            <a:ext cx="2298700" cy="527295"/>
+          </a:xfrm>
+          <a:prstGeom prst="rightArrow">
+            <a:avLst/>
+          </a:prstGeom>
+        </p:spPr>
+        <p:style>
+          <a:lnRef idx="2">
+            <a:schemeClr val="accent1">
+              <a:shade val="50000"/>
+            </a:schemeClr>
+          </a:lnRef>
+          <a:fillRef idx="1">
+            <a:schemeClr val="accent1"/>
+          </a:fillRef>
+          <a:effectRef idx="0">
+            <a:schemeClr val="accent1"/>
+          </a:effectRef>
+          <a:fontRef idx="minor">
+            <a:schemeClr val="lt1"/>
+          </a:fontRef>
+        </p:style>
+        <p:txBody>
+          <a:bodyPr rtlCol="0" anchor="ctr"/>
+          <a:lstStyle/>
+          <a:p>
+            <a:pPr algn="ctr"/>
+            <a:r>
+              <a:rPr lang="nl-NL" dirty="0" smtClean="0"/>
+              <a:t>transformatie</a:t>
+            </a:r>
+            <a:endParaRPr lang="nl-NL" dirty="0"/>
+          </a:p>
+        </p:txBody>
+      </p:sp>
+    </p:spTree>
+    <p:extLst>
+      <p:ext uri="{BB962C8B-B14F-4D97-AF65-F5344CB8AC3E}">
+        <p14:creationId xmlns:p14="http://schemas.microsoft.com/office/powerpoint/2010/main" val="581847149"/>
+      </p:ext>
+    </p:extLst>
+  </p:cSld>
+  <p:clrMapOvr>
+    <a:masterClrMapping/>
+  </p:clrMapOvr>
+</p:sld>
+</file>
+
+<file path=ppt/slides/slide14.xml><?xml version="1.0" encoding="utf-8"?>
+<p:sld xmlns:a="http://schemas.openxmlformats.org/drawingml/2006/main" xmlns:r="http://schemas.openxmlformats.org/officeDocument/2006/relationships" xmlns:p="http://schemas.openxmlformats.org/presentationml/2006/main">
+  <p:cSld>
+    <p:spTree>
+      <p:nvGrpSpPr>
+        <p:cNvPr id="1" name=""/>
+        <p:cNvGrpSpPr/>
+        <p:nvPr/>
+      </p:nvGrpSpPr>
+      <p:grpSpPr>
+        <a:xfrm>
+          <a:off x="0" y="0"/>
+          <a:ext cx="0" cy="0"/>
+          <a:chOff x="0" y="0"/>
+          <a:chExt cx="0" cy="0"/>
+        </a:xfrm>
+      </p:grpSpPr>
+      <p:sp>
+        <p:nvSpPr>
+          <p:cNvPr id="6" name="Wolkvormige toelichting 5"/>
+          <p:cNvSpPr/>
+          <p:nvPr/>
+        </p:nvSpPr>
+        <p:spPr>
+          <a:xfrm>
+            <a:off x="2616200" y="482600"/>
+            <a:ext cx="2108200" cy="1028700"/>
+          </a:xfrm>
+          <a:prstGeom prst="cloudCallout">
+            <a:avLst>
+              <a:gd name="adj1" fmla="val -120833"/>
+              <a:gd name="adj2" fmla="val 229167"/>
+            </a:avLst>
+          </a:prstGeom>
+        </p:spPr>
+        <p:style>
+          <a:lnRef idx="1">
+            <a:schemeClr val="accent6"/>
+          </a:lnRef>
+          <a:fillRef idx="2">
+            <a:schemeClr val="accent6"/>
+          </a:fillRef>
+          <a:effectRef idx="1">
+            <a:schemeClr val="accent6"/>
+          </a:effectRef>
+          <a:fontRef idx="minor">
+            <a:schemeClr val="dk1"/>
+          </a:fontRef>
+        </p:style>
+        <p:txBody>
+          <a:bodyPr rtlCol="0" anchor="ctr"/>
+          <a:lstStyle/>
+          <a:p>
+            <a:pPr algn="ctr"/>
+            <a:r>
+              <a:rPr lang="nl-NL" dirty="0" err="1" smtClean="0"/>
+              <a:t>Universe</a:t>
+            </a:r>
+            <a:r>
+              <a:rPr lang="nl-NL" dirty="0" smtClean="0"/>
+              <a:t> of Discourse</a:t>
+            </a:r>
+          </a:p>
+          <a:p>
+            <a:pPr algn="ctr"/>
+            <a:r>
+              <a:rPr lang="nl-NL" dirty="0" smtClean="0"/>
+              <a:t>(</a:t>
+            </a:r>
+            <a:r>
+              <a:rPr lang="nl-NL" dirty="0" err="1" smtClean="0"/>
+              <a:t>UoD</a:t>
+            </a:r>
+            <a:r>
+              <a:rPr lang="nl-NL" dirty="0" smtClean="0"/>
+              <a:t>)</a:t>
+            </a:r>
+            <a:endParaRPr lang="nl-NL" dirty="0"/>
+          </a:p>
+        </p:txBody>
+      </p:sp>
+      <p:sp>
+        <p:nvSpPr>
+          <p:cNvPr id="12" name="Rechthoek 11"/>
+          <p:cNvSpPr/>
+          <p:nvPr/>
+        </p:nvSpPr>
+        <p:spPr>
+          <a:xfrm>
+            <a:off x="2184400" y="1854200"/>
+            <a:ext cx="723900" cy="508000"/>
+          </a:xfrm>
+          <a:prstGeom prst="rect">
+            <a:avLst/>
+          </a:prstGeom>
+          <a:solidFill>
+            <a:schemeClr val="bg1"/>
+          </a:solidFill>
+          <a:ln>
+            <a:solidFill>
+              <a:schemeClr val="bg1"/>
+            </a:solidFill>
+          </a:ln>
+        </p:spPr>
+        <p:style>
+          <a:lnRef idx="2">
+            <a:schemeClr val="accent1">
+              <a:shade val="50000"/>
+            </a:schemeClr>
+          </a:lnRef>
+          <a:fillRef idx="1">
+            <a:schemeClr val="accent1"/>
+          </a:fillRef>
+          <a:effectRef idx="0">
+            <a:schemeClr val="accent1"/>
+          </a:effectRef>
+          <a:fontRef idx="minor">
+            <a:schemeClr val="lt1"/>
+          </a:fontRef>
+        </p:style>
+        <p:txBody>
+          <a:bodyPr rtlCol="0" anchor="ctr"/>
+          <a:lstStyle/>
+          <a:p>
+            <a:pPr algn="ctr"/>
+            <a:endParaRPr lang="nl-NL"/>
+          </a:p>
+        </p:txBody>
+      </p:sp>
+      <p:cxnSp>
+        <p:nvCxnSpPr>
+          <p:cNvPr id="14" name="Rechte verbindingslijn met pijl 13"/>
+          <p:cNvCxnSpPr/>
+          <p:nvPr/>
+        </p:nvCxnSpPr>
+        <p:spPr>
+          <a:xfrm flipV="1">
+            <a:off x="1447800" y="1511300"/>
+            <a:ext cx="1562100" cy="1530594"/>
+          </a:xfrm>
+          <a:prstGeom prst="straightConnector1">
+            <a:avLst/>
+          </a:prstGeom>
+          <a:ln w="19050">
+            <a:tailEnd type="triangle"/>
+          </a:ln>
+        </p:spPr>
+        <p:style>
+          <a:lnRef idx="1">
+            <a:schemeClr val="accent1"/>
+          </a:lnRef>
+          <a:fillRef idx="0">
+            <a:schemeClr val="accent1"/>
+          </a:fillRef>
+          <a:effectRef idx="0">
+            <a:schemeClr val="accent1"/>
+          </a:effectRef>
+          <a:fontRef idx="minor">
+            <a:schemeClr val="tx1"/>
+          </a:fontRef>
+        </p:style>
+      </p:cxnSp>
+      <p:cxnSp>
+        <p:nvCxnSpPr>
+          <p:cNvPr id="16" name="Rechte verbindingslijn met pijl 15"/>
+          <p:cNvCxnSpPr/>
+          <p:nvPr/>
+        </p:nvCxnSpPr>
+        <p:spPr>
+          <a:xfrm flipH="1" flipV="1">
+            <a:off x="4864100" y="1104900"/>
+            <a:ext cx="5561724" cy="1816100"/>
+          </a:xfrm>
+          <a:prstGeom prst="straightConnector1">
+            <a:avLst/>
+          </a:prstGeom>
+          <a:ln w="19050">
+            <a:tailEnd type="triangle"/>
+          </a:ln>
+        </p:spPr>
+        <p:style>
+          <a:lnRef idx="1">
+            <a:schemeClr val="accent1"/>
+          </a:lnRef>
+          <a:fillRef idx="0">
+            <a:schemeClr val="accent1"/>
+          </a:fillRef>
+          <a:effectRef idx="0">
+            <a:schemeClr val="accent1"/>
+          </a:effectRef>
+          <a:fontRef idx="minor">
+            <a:schemeClr val="tx1"/>
+          </a:fontRef>
+        </p:style>
+      </p:cxnSp>
+      <p:sp>
+        <p:nvSpPr>
+          <p:cNvPr id="17" name="Tekstvak 16"/>
+          <p:cNvSpPr txBox="1"/>
+          <p:nvPr/>
+        </p:nvSpPr>
+        <p:spPr>
+          <a:xfrm>
+            <a:off x="1514043" y="1621059"/>
+            <a:ext cx="1257588" cy="307777"/>
+          </a:xfrm>
+          <a:prstGeom prst="rect">
+            <a:avLst/>
+          </a:prstGeom>
+          <a:noFill/>
+        </p:spPr>
+        <p:txBody>
+          <a:bodyPr wrap="none" rtlCol="0">
+            <a:spAutoFit/>
+          </a:bodyPr>
+          <a:lstStyle/>
+          <a:p>
+            <a:r>
+              <a:rPr lang="nl-NL" sz="1400" i="1" dirty="0" smtClean="0"/>
+              <a:t>Een model van</a:t>
+            </a:r>
+            <a:endParaRPr lang="nl-NL" sz="1400" i="1" dirty="0"/>
+          </a:p>
+        </p:txBody>
+      </p:sp>
+      <p:sp>
+        <p:nvSpPr>
+          <p:cNvPr id="18" name="Tekstvak 17"/>
+          <p:cNvSpPr txBox="1"/>
+          <p:nvPr/>
+        </p:nvSpPr>
+        <p:spPr>
+          <a:xfrm>
+            <a:off x="7257091" y="1546423"/>
+            <a:ext cx="1257588" cy="307777"/>
+          </a:xfrm>
+          <a:prstGeom prst="rect">
+            <a:avLst/>
+          </a:prstGeom>
+          <a:noFill/>
+        </p:spPr>
+        <p:txBody>
+          <a:bodyPr wrap="none" rtlCol="0">
+            <a:spAutoFit/>
+          </a:bodyPr>
+          <a:lstStyle/>
+          <a:p>
+            <a:r>
+              <a:rPr lang="nl-NL" sz="1400" i="1" dirty="0" smtClean="0"/>
+              <a:t>Een model van</a:t>
+            </a:r>
+            <a:endParaRPr lang="nl-NL" sz="1400" i="1" dirty="0"/>
+          </a:p>
+        </p:txBody>
+      </p:sp>
+      <p:grpSp>
+        <p:nvGrpSpPr>
+          <p:cNvPr id="5" name="Groep 4"/>
+          <p:cNvGrpSpPr/>
+          <p:nvPr/>
+        </p:nvGrpSpPr>
+        <p:grpSpPr>
+          <a:xfrm>
+            <a:off x="342900" y="2553189"/>
+            <a:ext cx="1968500" cy="1016000"/>
+            <a:chOff x="1193800" y="1003300"/>
+            <a:chExt cx="1968500" cy="1016000"/>
+          </a:xfrm>
+        </p:grpSpPr>
+        <p:sp>
+          <p:nvSpPr>
+            <p:cNvPr id="3" name="Afgeronde rechthoek 2"/>
+            <p:cNvSpPr/>
+            <p:nvPr/>
+          </p:nvSpPr>
+          <p:spPr>
+            <a:xfrm>
+              <a:off x="1193800" y="1003300"/>
+              <a:ext cx="1968500" cy="1016000"/>
+            </a:xfrm>
+            <a:prstGeom prst="roundRect">
+              <a:avLst/>
+            </a:prstGeom>
+          </p:spPr>
+          <p:style>
+            <a:lnRef idx="1">
+              <a:schemeClr val="accent1"/>
+            </a:lnRef>
+            <a:fillRef idx="2">
+              <a:schemeClr val="accent1"/>
+            </a:fillRef>
+            <a:effectRef idx="1">
+              <a:schemeClr val="accent1"/>
+            </a:effectRef>
+            <a:fontRef idx="minor">
+              <a:schemeClr val="dk1"/>
+            </a:fontRef>
+          </p:style>
+          <p:txBody>
+            <a:bodyPr rtlCol="0" anchor="ctr"/>
+            <a:lstStyle/>
+            <a:p>
+              <a:pPr marL="622300" algn="ctr"/>
+              <a:r>
+                <a:rPr lang="nl-NL" dirty="0" smtClean="0"/>
+                <a:t>UML</a:t>
+              </a:r>
+            </a:p>
+            <a:p>
+              <a:pPr marL="622300" algn="ctr"/>
+              <a:r>
+                <a:rPr lang="nl-NL" dirty="0" smtClean="0"/>
+                <a:t>model</a:t>
+              </a:r>
+              <a:endParaRPr lang="nl-NL" dirty="0"/>
+            </a:p>
+          </p:txBody>
+        </p:sp>
+        <p:pic>
+          <p:nvPicPr>
+            <p:cNvPr id="4" name="Afbeelding 3"/>
+            <p:cNvPicPr>
+              <a:picLocks noChangeAspect="1"/>
+            </p:cNvPicPr>
+            <p:nvPr/>
+          </p:nvPicPr>
+          <p:blipFill rotWithShape="1">
+            <a:blip r:embed="rId2" cstate="print">
+              <a:extLst>
+                <a:ext uri="{28A0092B-C50C-407E-A947-70E740481C1C}">
+                  <a14:useLocalDpi xmlns:a14="http://schemas.microsoft.com/office/drawing/2010/main" val="0"/>
+                </a:ext>
+              </a:extLst>
+            </a:blip>
+            <a:srcRect l="44477"/>
+            <a:stretch/>
+          </p:blipFill>
+          <p:spPr>
+            <a:xfrm>
+              <a:off x="1308100" y="1136895"/>
+              <a:ext cx="571500" cy="748810"/>
+            </a:xfrm>
+            <a:prstGeom prst="rect">
+              <a:avLst/>
+            </a:prstGeom>
+          </p:spPr>
+        </p:pic>
+      </p:grpSp>
+      <p:sp>
+        <p:nvSpPr>
+          <p:cNvPr id="19" name="PIJL-RECHTS 18"/>
+          <p:cNvSpPr/>
+          <p:nvPr/>
+        </p:nvSpPr>
+        <p:spPr>
+          <a:xfrm>
+            <a:off x="2425700" y="2797541"/>
+            <a:ext cx="2298700" cy="527295"/>
+          </a:xfrm>
+          <a:prstGeom prst="rightArrow">
+            <a:avLst/>
+          </a:prstGeom>
+        </p:spPr>
+        <p:style>
+          <a:lnRef idx="2">
+            <a:schemeClr val="accent1">
+              <a:shade val="50000"/>
+            </a:schemeClr>
+          </a:lnRef>
+          <a:fillRef idx="1">
+            <a:schemeClr val="accent1"/>
+          </a:fillRef>
+          <a:effectRef idx="0">
+            <a:schemeClr val="accent1"/>
+          </a:effectRef>
+          <a:fontRef idx="minor">
+            <a:schemeClr val="lt1"/>
+          </a:fontRef>
+        </p:style>
+        <p:txBody>
+          <a:bodyPr rtlCol="0" anchor="ctr"/>
+          <a:lstStyle/>
+          <a:p>
+            <a:pPr algn="ctr"/>
+            <a:r>
+              <a:rPr lang="nl-NL" dirty="0" err="1" smtClean="0"/>
+              <a:t>autom</a:t>
+            </a:r>
+            <a:r>
+              <a:rPr lang="nl-NL" dirty="0" smtClean="0"/>
+              <a:t>. transformatie</a:t>
+            </a:r>
+            <a:endParaRPr lang="nl-NL" dirty="0"/>
+          </a:p>
+        </p:txBody>
+      </p:sp>
+      <p:sp>
+        <p:nvSpPr>
+          <p:cNvPr id="22" name="PIJL-RECHTS 21"/>
+          <p:cNvSpPr/>
+          <p:nvPr/>
+        </p:nvSpPr>
+        <p:spPr>
+          <a:xfrm>
+            <a:off x="7019620" y="2778246"/>
+            <a:ext cx="2298700" cy="527295"/>
+          </a:xfrm>
+          <a:prstGeom prst="rightArrow">
+            <a:avLst/>
+          </a:prstGeom>
+        </p:spPr>
+        <p:style>
+          <a:lnRef idx="2">
+            <a:schemeClr val="accent1">
+              <a:shade val="50000"/>
+            </a:schemeClr>
+          </a:lnRef>
+          <a:fillRef idx="1">
+            <a:schemeClr val="accent1"/>
+          </a:fillRef>
+          <a:effectRef idx="0">
+            <a:schemeClr val="accent1"/>
+          </a:effectRef>
+          <a:fontRef idx="minor">
+            <a:schemeClr val="lt1"/>
+          </a:fontRef>
+        </p:style>
+        <p:txBody>
+          <a:bodyPr rtlCol="0" anchor="ctr"/>
+          <a:lstStyle/>
+          <a:p>
+            <a:pPr algn="ctr"/>
+            <a:r>
+              <a:rPr lang="nl-NL" dirty="0" err="1" smtClean="0"/>
+              <a:t>handm</a:t>
+            </a:r>
+            <a:r>
+              <a:rPr lang="nl-NL" dirty="0" smtClean="0"/>
+              <a:t>. aanpassen</a:t>
+            </a:r>
+            <a:endParaRPr lang="nl-NL" dirty="0"/>
+          </a:p>
+        </p:txBody>
+      </p:sp>
+      <p:cxnSp>
+        <p:nvCxnSpPr>
+          <p:cNvPr id="23" name="Rechte verbindingslijn met pijl 22"/>
+          <p:cNvCxnSpPr/>
+          <p:nvPr/>
+        </p:nvCxnSpPr>
+        <p:spPr>
+          <a:xfrm flipH="1" flipV="1">
+            <a:off x="4762500" y="2012950"/>
+            <a:ext cx="980566" cy="1048238"/>
+          </a:xfrm>
+          <a:prstGeom prst="straightConnector1">
+            <a:avLst/>
+          </a:prstGeom>
+          <a:ln w="19050">
+            <a:tailEnd type="triangle"/>
+          </a:ln>
+        </p:spPr>
+        <p:style>
+          <a:lnRef idx="1">
+            <a:schemeClr val="accent1"/>
+          </a:lnRef>
+          <a:fillRef idx="0">
+            <a:schemeClr val="accent1"/>
+          </a:fillRef>
+          <a:effectRef idx="0">
+            <a:schemeClr val="accent1"/>
+          </a:effectRef>
+          <a:fontRef idx="minor">
+            <a:schemeClr val="tx1"/>
+          </a:fontRef>
+        </p:style>
+      </p:cxnSp>
+      <p:grpSp>
+        <p:nvGrpSpPr>
+          <p:cNvPr id="29" name="Groep 28"/>
+          <p:cNvGrpSpPr/>
+          <p:nvPr/>
+        </p:nvGrpSpPr>
+        <p:grpSpPr>
+          <a:xfrm>
+            <a:off x="4656086" y="1746740"/>
+            <a:ext cx="212827" cy="285505"/>
+            <a:chOff x="4114800" y="4349995"/>
+            <a:chExt cx="212827" cy="285505"/>
+          </a:xfrm>
+        </p:grpSpPr>
+        <p:cxnSp>
+          <p:nvCxnSpPr>
+            <p:cNvPr id="25" name="Rechte verbindingslijn 24"/>
+            <p:cNvCxnSpPr/>
+            <p:nvPr/>
+          </p:nvCxnSpPr>
+          <p:spPr>
+            <a:xfrm>
+              <a:off x="4114800" y="4349995"/>
+              <a:ext cx="212827" cy="285505"/>
+            </a:xfrm>
+            <a:prstGeom prst="line">
+              <a:avLst/>
+            </a:prstGeom>
+            <a:ln w="57150">
+              <a:solidFill>
+                <a:srgbClr val="C00000"/>
+              </a:solidFill>
+            </a:ln>
+          </p:spPr>
+          <p:style>
+            <a:lnRef idx="1">
+              <a:schemeClr val="accent1"/>
+            </a:lnRef>
+            <a:fillRef idx="0">
+              <a:schemeClr val="accent1"/>
+            </a:fillRef>
+            <a:effectRef idx="0">
+              <a:schemeClr val="accent1"/>
+            </a:effectRef>
+            <a:fontRef idx="minor">
+              <a:schemeClr val="tx1"/>
+            </a:fontRef>
+          </p:style>
+        </p:cxnSp>
+        <p:cxnSp>
+          <p:nvCxnSpPr>
+            <p:cNvPr id="26" name="Rechte verbindingslijn 25"/>
+            <p:cNvCxnSpPr/>
+            <p:nvPr/>
+          </p:nvCxnSpPr>
+          <p:spPr>
+            <a:xfrm flipH="1">
+              <a:off x="4114800" y="4349995"/>
+              <a:ext cx="212827" cy="285505"/>
+            </a:xfrm>
+            <a:prstGeom prst="line">
+              <a:avLst/>
+            </a:prstGeom>
+            <a:ln w="57150">
+              <a:solidFill>
+                <a:srgbClr val="C00000"/>
+              </a:solidFill>
+            </a:ln>
+          </p:spPr>
+          <p:style>
+            <a:lnRef idx="1">
+              <a:schemeClr val="accent1"/>
+            </a:lnRef>
+            <a:fillRef idx="0">
+              <a:schemeClr val="accent1"/>
+            </a:fillRef>
+            <a:effectRef idx="0">
+              <a:schemeClr val="accent1"/>
+            </a:effectRef>
+            <a:fontRef idx="minor">
+              <a:schemeClr val="tx1"/>
+            </a:fontRef>
+          </p:style>
+        </p:cxnSp>
+      </p:grpSp>
+      <p:sp>
+        <p:nvSpPr>
+          <p:cNvPr id="31" name="Afgeronde rechthoek 30"/>
+          <p:cNvSpPr/>
+          <p:nvPr/>
+        </p:nvSpPr>
+        <p:spPr>
+          <a:xfrm>
+            <a:off x="342900" y="4767019"/>
+            <a:ext cx="1968500" cy="1016000"/>
+          </a:xfrm>
+          <a:prstGeom prst="roundRect">
+            <a:avLst/>
+          </a:prstGeom>
+        </p:spPr>
+        <p:style>
+          <a:lnRef idx="1">
+            <a:schemeClr val="accent3"/>
+          </a:lnRef>
+          <a:fillRef idx="2">
+            <a:schemeClr val="accent3"/>
+          </a:fillRef>
+          <a:effectRef idx="1">
+            <a:schemeClr val="accent3"/>
+          </a:effectRef>
+          <a:fontRef idx="minor">
+            <a:schemeClr val="dk1"/>
+          </a:fontRef>
+        </p:style>
+        <p:txBody>
+          <a:bodyPr rtlCol="0" anchor="ctr"/>
+          <a:lstStyle/>
+          <a:p>
+            <a:pPr marL="533400" algn="ctr"/>
+            <a:r>
+              <a:rPr lang="nl-NL" dirty="0" smtClean="0"/>
+              <a:t>UML NEN3610</a:t>
+            </a:r>
+          </a:p>
+          <a:p>
+            <a:pPr marL="533400" algn="ctr"/>
+            <a:r>
+              <a:rPr lang="nl-NL" dirty="0" smtClean="0"/>
+              <a:t>metamodel</a:t>
+            </a:r>
+            <a:endParaRPr lang="nl-NL" dirty="0"/>
+          </a:p>
+        </p:txBody>
+      </p:sp>
+      <p:pic>
+        <p:nvPicPr>
+          <p:cNvPr id="32" name="Afbeelding 31"/>
+          <p:cNvPicPr>
+            <a:picLocks noChangeAspect="1"/>
+          </p:cNvPicPr>
+          <p:nvPr/>
+        </p:nvPicPr>
+        <p:blipFill rotWithShape="1">
+          <a:blip r:embed="rId2" cstate="print">
+            <a:extLst>
+              <a:ext uri="{28A0092B-C50C-407E-A947-70E740481C1C}">
+                <a14:useLocalDpi xmlns:a14="http://schemas.microsoft.com/office/drawing/2010/main" val="0"/>
+              </a:ext>
+            </a:extLst>
+          </a:blip>
+          <a:srcRect l="44477"/>
+          <a:stretch/>
+        </p:blipFill>
+        <p:spPr>
+          <a:xfrm>
+            <a:off x="457200" y="4900614"/>
+            <a:ext cx="571500" cy="748810"/>
+          </a:xfrm>
+          <a:prstGeom prst="rect">
+            <a:avLst/>
+          </a:prstGeom>
+        </p:spPr>
+      </p:pic>
+      <p:sp>
+        <p:nvSpPr>
+          <p:cNvPr id="34" name="Afgeronde rechthoek 33"/>
+          <p:cNvSpPr/>
+          <p:nvPr/>
+        </p:nvSpPr>
+        <p:spPr>
+          <a:xfrm>
+            <a:off x="6980706" y="4767019"/>
+            <a:ext cx="1968500" cy="1016000"/>
+          </a:xfrm>
+          <a:prstGeom prst="roundRect">
+            <a:avLst/>
+          </a:prstGeom>
+        </p:spPr>
+        <p:style>
+          <a:lnRef idx="1">
+            <a:schemeClr val="accent3"/>
+          </a:lnRef>
+          <a:fillRef idx="2">
+            <a:schemeClr val="accent3"/>
+          </a:fillRef>
+          <a:effectRef idx="1">
+            <a:schemeClr val="accent3"/>
+          </a:effectRef>
+          <a:fontRef idx="minor">
+            <a:schemeClr val="dk1"/>
+          </a:fontRef>
+        </p:style>
+        <p:txBody>
+          <a:bodyPr rtlCol="0" anchor="ctr"/>
+          <a:lstStyle/>
+          <a:p>
+            <a:pPr marL="533400" algn="ctr"/>
+            <a:r>
+              <a:rPr lang="nl-NL" dirty="0" smtClean="0"/>
+              <a:t>RDF</a:t>
+            </a:r>
+          </a:p>
+          <a:p>
+            <a:pPr marL="533400" algn="ctr"/>
+            <a:r>
+              <a:rPr lang="nl-NL" dirty="0" smtClean="0"/>
+              <a:t>NEN3610</a:t>
+            </a:r>
+          </a:p>
+          <a:p>
+            <a:pPr marL="533400" algn="ctr"/>
+            <a:r>
+              <a:rPr lang="nl-NL" dirty="0" smtClean="0"/>
+              <a:t>metamodel</a:t>
+            </a:r>
+            <a:endParaRPr lang="nl-NL" dirty="0"/>
+          </a:p>
+        </p:txBody>
+      </p:sp>
+      <p:pic>
+        <p:nvPicPr>
+          <p:cNvPr id="35" name="Afbeelding 34"/>
+          <p:cNvPicPr>
+            <a:picLocks noChangeAspect="1"/>
+          </p:cNvPicPr>
+          <p:nvPr/>
+        </p:nvPicPr>
+        <p:blipFill>
+          <a:blip r:embed="rId3" cstate="print">
+            <a:extLst>
+              <a:ext uri="{28A0092B-C50C-407E-A947-70E740481C1C}">
+                <a14:useLocalDpi xmlns:a14="http://schemas.microsoft.com/office/drawing/2010/main" val="0"/>
+              </a:ext>
+            </a:extLst>
+          </a:blip>
+          <a:stretch>
+            <a:fillRect/>
+          </a:stretch>
+        </p:blipFill>
+        <p:spPr>
+          <a:xfrm>
+            <a:off x="7126551" y="4954466"/>
+            <a:ext cx="587275" cy="641105"/>
+          </a:xfrm>
+          <a:prstGeom prst="rect">
+            <a:avLst/>
+          </a:prstGeom>
+        </p:spPr>
+      </p:pic>
+      <p:cxnSp>
+        <p:nvCxnSpPr>
+          <p:cNvPr id="36" name="Rechte verbindingslijn met pijl 35"/>
+          <p:cNvCxnSpPr>
+            <a:stCxn id="3" idx="2"/>
+            <a:endCxn id="31" idx="0"/>
+          </p:cNvCxnSpPr>
+          <p:nvPr/>
+        </p:nvCxnSpPr>
+        <p:spPr>
+          <a:xfrm>
+            <a:off x="1327150" y="3569189"/>
+            <a:ext cx="0" cy="1197830"/>
+          </a:xfrm>
+          <a:prstGeom prst="straightConnector1">
+            <a:avLst/>
+          </a:prstGeom>
+          <a:ln w="19050">
+            <a:tailEnd type="triangle"/>
+          </a:ln>
+        </p:spPr>
+        <p:style>
+          <a:lnRef idx="1">
+            <a:schemeClr val="accent1"/>
+          </a:lnRef>
+          <a:fillRef idx="0">
+            <a:schemeClr val="accent1"/>
+          </a:fillRef>
+          <a:effectRef idx="0">
+            <a:schemeClr val="accent1"/>
+          </a:effectRef>
+          <a:fontRef idx="minor">
+            <a:schemeClr val="tx1"/>
+          </a:fontRef>
+        </p:style>
+      </p:cxnSp>
+      <p:cxnSp>
+        <p:nvCxnSpPr>
+          <p:cNvPr id="39" name="Rechte verbindingslijn met pijl 38"/>
+          <p:cNvCxnSpPr/>
+          <p:nvPr/>
+        </p:nvCxnSpPr>
+        <p:spPr>
+          <a:xfrm>
+            <a:off x="5848350" y="3041892"/>
+            <a:ext cx="1408741" cy="1705833"/>
+          </a:xfrm>
+          <a:prstGeom prst="straightConnector1">
+            <a:avLst/>
+          </a:prstGeom>
+          <a:ln w="19050">
+            <a:tailEnd type="triangle"/>
+          </a:ln>
+        </p:spPr>
+        <p:style>
+          <a:lnRef idx="1">
+            <a:schemeClr val="accent1"/>
+          </a:lnRef>
+          <a:fillRef idx="0">
+            <a:schemeClr val="accent1"/>
+          </a:fillRef>
+          <a:effectRef idx="0">
+            <a:schemeClr val="accent1"/>
+          </a:effectRef>
+          <a:fontRef idx="minor">
+            <a:schemeClr val="tx1"/>
+          </a:fontRef>
+        </p:style>
+      </p:cxnSp>
+      <p:cxnSp>
+        <p:nvCxnSpPr>
+          <p:cNvPr id="42" name="Rechte verbindingslijn met pijl 41"/>
+          <p:cNvCxnSpPr/>
+          <p:nvPr/>
+        </p:nvCxnSpPr>
+        <p:spPr>
+          <a:xfrm flipH="1">
+            <a:off x="8724900" y="3061188"/>
+            <a:ext cx="1700925" cy="1686537"/>
+          </a:xfrm>
+          <a:prstGeom prst="straightConnector1">
+            <a:avLst/>
+          </a:prstGeom>
+          <a:ln w="19050">
+            <a:tailEnd type="triangle"/>
+          </a:ln>
+        </p:spPr>
+        <p:style>
+          <a:lnRef idx="1">
+            <a:schemeClr val="accent1"/>
+          </a:lnRef>
+          <a:fillRef idx="0">
+            <a:schemeClr val="accent1"/>
+          </a:fillRef>
+          <a:effectRef idx="0">
+            <a:schemeClr val="accent1"/>
+          </a:effectRef>
+          <a:fontRef idx="minor">
+            <a:schemeClr val="tx1"/>
+          </a:fontRef>
+        </p:style>
+      </p:cxnSp>
+      <p:grpSp>
+        <p:nvGrpSpPr>
+          <p:cNvPr id="15" name="Groep 14"/>
+          <p:cNvGrpSpPr/>
+          <p:nvPr/>
+        </p:nvGrpSpPr>
+        <p:grpSpPr>
+          <a:xfrm>
+            <a:off x="9505340" y="2533893"/>
+            <a:ext cx="1968500" cy="1016000"/>
+            <a:chOff x="6731000" y="2508495"/>
+            <a:chExt cx="1968500" cy="1016000"/>
+          </a:xfrm>
+        </p:grpSpPr>
+        <p:sp>
+          <p:nvSpPr>
+            <p:cNvPr id="20" name="Afgeronde rechthoek 19"/>
+            <p:cNvSpPr/>
+            <p:nvPr/>
+          </p:nvSpPr>
+          <p:spPr>
+            <a:xfrm>
+              <a:off x="6731000" y="2508495"/>
+              <a:ext cx="1968500" cy="1016000"/>
+            </a:xfrm>
+            <a:prstGeom prst="roundRect">
+              <a:avLst/>
+            </a:prstGeom>
+          </p:spPr>
+          <p:style>
+            <a:lnRef idx="1">
+              <a:schemeClr val="accent1"/>
+            </a:lnRef>
+            <a:fillRef idx="2">
+              <a:schemeClr val="accent1"/>
+            </a:fillRef>
+            <a:effectRef idx="1">
+              <a:schemeClr val="accent1"/>
+            </a:effectRef>
+            <a:fontRef idx="minor">
+              <a:schemeClr val="dk1"/>
+            </a:fontRef>
+          </p:style>
+          <p:txBody>
+            <a:bodyPr rtlCol="0" anchor="ctr"/>
+            <a:lstStyle/>
+            <a:p>
+              <a:pPr marL="622300" algn="ctr"/>
+              <a:r>
+                <a:rPr lang="nl-NL" dirty="0" smtClean="0"/>
+                <a:t>RDF</a:t>
+              </a:r>
+            </a:p>
+            <a:p>
+              <a:pPr marL="622300" algn="ctr"/>
+              <a:r>
+                <a:rPr lang="nl-NL" dirty="0" smtClean="0"/>
+                <a:t>model</a:t>
+              </a:r>
+            </a:p>
+            <a:p>
+              <a:pPr marL="622300" algn="ctr"/>
+              <a:r>
+                <a:rPr lang="nl-NL" dirty="0" smtClean="0"/>
+                <a:t>#2</a:t>
+              </a:r>
+              <a:endParaRPr lang="nl-NL" dirty="0"/>
+            </a:p>
+          </p:txBody>
+        </p:sp>
+        <p:pic>
+          <p:nvPicPr>
+            <p:cNvPr id="21" name="Afbeelding 20"/>
+            <p:cNvPicPr>
+              <a:picLocks noChangeAspect="1"/>
+            </p:cNvPicPr>
+            <p:nvPr/>
+          </p:nvPicPr>
+          <p:blipFill>
+            <a:blip r:embed="rId3" cstate="print">
+              <a:extLst>
+                <a:ext uri="{28A0092B-C50C-407E-A947-70E740481C1C}">
+                  <a14:useLocalDpi xmlns:a14="http://schemas.microsoft.com/office/drawing/2010/main" val="0"/>
+                </a:ext>
+              </a:extLst>
+            </a:blip>
+            <a:stretch>
+              <a:fillRect/>
+            </a:stretch>
+          </p:blipFill>
+          <p:spPr>
+            <a:xfrm>
+              <a:off x="6876845" y="2695942"/>
+              <a:ext cx="587275" cy="641105"/>
+            </a:xfrm>
+            <a:prstGeom prst="rect">
+              <a:avLst/>
+            </a:prstGeom>
+          </p:spPr>
+        </p:pic>
+      </p:grpSp>
+      <p:grpSp>
+        <p:nvGrpSpPr>
+          <p:cNvPr id="11" name="Groep 10"/>
+          <p:cNvGrpSpPr/>
+          <p:nvPr/>
+        </p:nvGrpSpPr>
+        <p:grpSpPr>
+          <a:xfrm>
+            <a:off x="4864100" y="2533895"/>
+            <a:ext cx="1968500" cy="1016000"/>
+            <a:chOff x="6731000" y="2508495"/>
+            <a:chExt cx="1968500" cy="1016000"/>
+          </a:xfrm>
+        </p:grpSpPr>
+        <p:sp>
+          <p:nvSpPr>
+            <p:cNvPr id="8" name="Afgeronde rechthoek 7"/>
+            <p:cNvSpPr/>
+            <p:nvPr/>
+          </p:nvSpPr>
+          <p:spPr>
+            <a:xfrm>
+              <a:off x="6731000" y="2508495"/>
+              <a:ext cx="1968500" cy="1016000"/>
+            </a:xfrm>
+            <a:prstGeom prst="roundRect">
+              <a:avLst/>
+            </a:prstGeom>
+          </p:spPr>
+          <p:style>
+            <a:lnRef idx="1">
+              <a:schemeClr val="accent1"/>
+            </a:lnRef>
+            <a:fillRef idx="2">
+              <a:schemeClr val="accent1"/>
+            </a:fillRef>
+            <a:effectRef idx="1">
+              <a:schemeClr val="accent1"/>
+            </a:effectRef>
+            <a:fontRef idx="minor">
+              <a:schemeClr val="dk1"/>
+            </a:fontRef>
+          </p:style>
+          <p:txBody>
+            <a:bodyPr rtlCol="0" anchor="ctr"/>
+            <a:lstStyle/>
+            <a:p>
+              <a:pPr marL="622300" algn="ctr"/>
+              <a:r>
+                <a:rPr lang="nl-NL" dirty="0" smtClean="0"/>
+                <a:t>RDF</a:t>
+              </a:r>
+            </a:p>
+            <a:p>
+              <a:pPr marL="622300" algn="ctr"/>
+              <a:r>
+                <a:rPr lang="nl-NL" dirty="0" smtClean="0"/>
+                <a:t>model</a:t>
+              </a:r>
+            </a:p>
+            <a:p>
+              <a:pPr marL="622300" algn="ctr"/>
+              <a:r>
+                <a:rPr lang="nl-NL" dirty="0" smtClean="0"/>
+                <a:t>#1</a:t>
+              </a:r>
+              <a:endParaRPr lang="nl-NL" dirty="0"/>
+            </a:p>
+          </p:txBody>
+        </p:sp>
+        <p:pic>
+          <p:nvPicPr>
+            <p:cNvPr id="10" name="Afbeelding 9"/>
+            <p:cNvPicPr>
+              <a:picLocks noChangeAspect="1"/>
+            </p:cNvPicPr>
+            <p:nvPr/>
+          </p:nvPicPr>
+          <p:blipFill>
+            <a:blip r:embed="rId3" cstate="print">
+              <a:extLst>
+                <a:ext uri="{28A0092B-C50C-407E-A947-70E740481C1C}">
+                  <a14:useLocalDpi xmlns:a14="http://schemas.microsoft.com/office/drawing/2010/main" val="0"/>
+                </a:ext>
+              </a:extLst>
+            </a:blip>
+            <a:stretch>
+              <a:fillRect/>
+            </a:stretch>
+          </p:blipFill>
+          <p:spPr>
+            <a:xfrm>
+              <a:off x="6876845" y="2695942"/>
+              <a:ext cx="587275" cy="641105"/>
+            </a:xfrm>
+            <a:prstGeom prst="rect">
+              <a:avLst/>
+            </a:prstGeom>
+          </p:spPr>
+        </p:pic>
+      </p:grpSp>
+      <p:sp>
+        <p:nvSpPr>
+          <p:cNvPr id="46" name="Tekstvak 45"/>
+          <p:cNvSpPr txBox="1"/>
+          <p:nvPr/>
+        </p:nvSpPr>
+        <p:spPr>
+          <a:xfrm>
+            <a:off x="1327150" y="3951242"/>
+            <a:ext cx="1060931" cy="307777"/>
+          </a:xfrm>
+          <a:prstGeom prst="rect">
+            <a:avLst/>
+          </a:prstGeom>
+          <a:noFill/>
+        </p:spPr>
+        <p:txBody>
+          <a:bodyPr wrap="none" rtlCol="0">
+            <a:spAutoFit/>
+          </a:bodyPr>
+          <a:lstStyle/>
+          <a:p>
+            <a:r>
+              <a:rPr lang="nl-NL" sz="1400" i="1" dirty="0" smtClean="0"/>
+              <a:t>Voldoet aan</a:t>
+            </a:r>
+            <a:endParaRPr lang="nl-NL" sz="1400" i="1" dirty="0"/>
+          </a:p>
+        </p:txBody>
+      </p:sp>
+      <p:sp>
+        <p:nvSpPr>
+          <p:cNvPr id="47" name="Tekstvak 46"/>
+          <p:cNvSpPr txBox="1"/>
+          <p:nvPr/>
+        </p:nvSpPr>
+        <p:spPr>
+          <a:xfrm>
+            <a:off x="5597220" y="3951242"/>
+            <a:ext cx="1060931" cy="307777"/>
+          </a:xfrm>
+          <a:prstGeom prst="rect">
+            <a:avLst/>
+          </a:prstGeom>
+          <a:noFill/>
+        </p:spPr>
+        <p:txBody>
+          <a:bodyPr wrap="none" rtlCol="0">
+            <a:spAutoFit/>
+          </a:bodyPr>
+          <a:lstStyle/>
+          <a:p>
+            <a:r>
+              <a:rPr lang="nl-NL" sz="1400" i="1" dirty="0" smtClean="0"/>
+              <a:t>Voldoet aan</a:t>
+            </a:r>
+            <a:endParaRPr lang="nl-NL" sz="1400" i="1" dirty="0"/>
+          </a:p>
+        </p:txBody>
+      </p:sp>
+      <p:sp>
+        <p:nvSpPr>
+          <p:cNvPr id="48" name="Tekstvak 47"/>
+          <p:cNvSpPr txBox="1"/>
+          <p:nvPr/>
+        </p:nvSpPr>
+        <p:spPr>
+          <a:xfrm>
+            <a:off x="9414356" y="3955231"/>
+            <a:ext cx="1060931" cy="307777"/>
+          </a:xfrm>
+          <a:prstGeom prst="rect">
+            <a:avLst/>
+          </a:prstGeom>
+          <a:noFill/>
+        </p:spPr>
+        <p:txBody>
+          <a:bodyPr wrap="none" rtlCol="0">
+            <a:spAutoFit/>
+          </a:bodyPr>
+          <a:lstStyle/>
+          <a:p>
+            <a:r>
+              <a:rPr lang="nl-NL" sz="1400" i="1" dirty="0" smtClean="0"/>
+              <a:t>Voldoet aan</a:t>
+            </a:r>
+            <a:endParaRPr lang="nl-NL" sz="1400" i="1" dirty="0"/>
+          </a:p>
+        </p:txBody>
+      </p:sp>
+    </p:spTree>
+    <p:extLst>
+      <p:ext uri="{BB962C8B-B14F-4D97-AF65-F5344CB8AC3E}">
+        <p14:creationId xmlns:p14="http://schemas.microsoft.com/office/powerpoint/2010/main" val="3758562921"/>
+      </p:ext>
+    </p:extLst>
+  </p:cSld>
+  <p:clrMapOvr>
+    <a:masterClrMapping/>
+  </p:clrMapOvr>
+</p:sld>
+</file>
+
+<file path=ppt/slides/slide15.xml><?xml version="1.0" encoding="utf-8"?>
+<p:sld xmlns:a="http://schemas.openxmlformats.org/drawingml/2006/main" xmlns:r="http://schemas.openxmlformats.org/officeDocument/2006/relationships" xmlns:p="http://schemas.openxmlformats.org/presentationml/2006/main">
+  <p:cSld>
+    <p:spTree>
+      <p:nvGrpSpPr>
+        <p:cNvPr id="1" name=""/>
+        <p:cNvGrpSpPr/>
+        <p:nvPr/>
+      </p:nvGrpSpPr>
+      <p:grpSpPr>
+        <a:xfrm>
+          <a:off x="0" y="0"/>
+          <a:ext cx="0" cy="0"/>
+          <a:chOff x="0" y="0"/>
+          <a:chExt cx="0" cy="0"/>
+        </a:xfrm>
+      </p:grpSpPr>
+      <p:cxnSp>
+        <p:nvCxnSpPr>
+          <p:cNvPr id="82" name="Rechte verbindingslijn met pijl 81"/>
+          <p:cNvCxnSpPr/>
+          <p:nvPr/>
+        </p:nvCxnSpPr>
+        <p:spPr>
+          <a:xfrm flipH="1">
+            <a:off x="5544558" y="4287357"/>
+            <a:ext cx="186971" cy="1389543"/>
+          </a:xfrm>
+          <a:prstGeom prst="straightConnector1">
+            <a:avLst/>
+          </a:prstGeom>
+          <a:ln w="19050">
+            <a:tailEnd type="triangle"/>
+          </a:ln>
+        </p:spPr>
+        <p:style>
+          <a:lnRef idx="1">
+            <a:schemeClr val="accent1"/>
+          </a:lnRef>
+          <a:fillRef idx="0">
+            <a:schemeClr val="accent1"/>
+          </a:fillRef>
+          <a:effectRef idx="0">
+            <a:schemeClr val="accent1"/>
+          </a:effectRef>
+          <a:fontRef idx="minor">
+            <a:schemeClr val="tx1"/>
+          </a:fontRef>
+        </p:style>
+      </p:cxnSp>
+      <p:sp>
+        <p:nvSpPr>
+          <p:cNvPr id="72" name="Afgeronde rechthoek 71"/>
+          <p:cNvSpPr/>
+          <p:nvPr/>
+        </p:nvSpPr>
+        <p:spPr>
+          <a:xfrm>
+            <a:off x="4864100" y="3763406"/>
+            <a:ext cx="1968500" cy="1016000"/>
+          </a:xfrm>
+          <a:prstGeom prst="roundRect">
+            <a:avLst/>
+          </a:prstGeom>
+        </p:spPr>
+        <p:style>
+          <a:lnRef idx="1">
+            <a:schemeClr val="accent3"/>
+          </a:lnRef>
+          <a:fillRef idx="2">
+            <a:schemeClr val="accent3"/>
+          </a:fillRef>
+          <a:effectRef idx="1">
+            <a:schemeClr val="accent3"/>
+          </a:effectRef>
+          <a:fontRef idx="minor">
+            <a:schemeClr val="dk1"/>
+          </a:fontRef>
+        </p:style>
+        <p:txBody>
+          <a:bodyPr rtlCol="0" anchor="ctr"/>
+          <a:lstStyle/>
+          <a:p>
+            <a:pPr marL="533400" algn="ctr"/>
+            <a:r>
+              <a:rPr lang="nl-NL" dirty="0" smtClean="0"/>
+              <a:t>RDF</a:t>
+            </a:r>
+          </a:p>
+          <a:p>
+            <a:pPr marL="533400" algn="ctr"/>
+            <a:r>
+              <a:rPr lang="nl-NL" dirty="0" smtClean="0"/>
+              <a:t>NEN3610</a:t>
+            </a:r>
+          </a:p>
+          <a:p>
+            <a:pPr marL="533400" algn="ctr"/>
+            <a:r>
+              <a:rPr lang="nl-NL" dirty="0" smtClean="0"/>
+              <a:t>metamodel</a:t>
+            </a:r>
+            <a:endParaRPr lang="nl-NL" dirty="0"/>
+          </a:p>
+        </p:txBody>
+      </p:sp>
+      <p:cxnSp>
+        <p:nvCxnSpPr>
+          <p:cNvPr id="85" name="Rechte verbindingslijn met pijl 84"/>
+          <p:cNvCxnSpPr/>
+          <p:nvPr/>
+        </p:nvCxnSpPr>
+        <p:spPr>
+          <a:xfrm flipH="1">
+            <a:off x="6508345" y="2785081"/>
+            <a:ext cx="3846936" cy="2984011"/>
+          </a:xfrm>
+          <a:prstGeom prst="straightConnector1">
+            <a:avLst/>
+          </a:prstGeom>
+          <a:ln w="19050">
+            <a:tailEnd type="triangle"/>
+          </a:ln>
+        </p:spPr>
+        <p:style>
+          <a:lnRef idx="1">
+            <a:schemeClr val="accent1"/>
+          </a:lnRef>
+          <a:fillRef idx="0">
+            <a:schemeClr val="accent1"/>
+          </a:fillRef>
+          <a:effectRef idx="0">
+            <a:schemeClr val="accent1"/>
+          </a:effectRef>
+          <a:fontRef idx="minor">
+            <a:schemeClr val="tx1"/>
+          </a:fontRef>
+        </p:style>
+      </p:cxnSp>
+      <p:cxnSp>
+        <p:nvCxnSpPr>
+          <p:cNvPr id="92" name="Rechte verbindingslijn met pijl 91"/>
+          <p:cNvCxnSpPr/>
+          <p:nvPr/>
+        </p:nvCxnSpPr>
+        <p:spPr>
+          <a:xfrm flipH="1">
+            <a:off x="6832600" y="2673594"/>
+            <a:ext cx="3593224" cy="1089812"/>
+          </a:xfrm>
+          <a:prstGeom prst="straightConnector1">
+            <a:avLst/>
+          </a:prstGeom>
+          <a:ln w="19050">
+            <a:tailEnd type="triangle"/>
+          </a:ln>
+        </p:spPr>
+        <p:style>
+          <a:lnRef idx="1">
+            <a:schemeClr val="accent1"/>
+          </a:lnRef>
+          <a:fillRef idx="0">
+            <a:schemeClr val="accent1"/>
+          </a:fillRef>
+          <a:effectRef idx="0">
+            <a:schemeClr val="accent1"/>
+          </a:effectRef>
+          <a:fontRef idx="minor">
+            <a:schemeClr val="tx1"/>
+          </a:fontRef>
+        </p:style>
+      </p:cxnSp>
+      <p:sp>
+        <p:nvSpPr>
+          <p:cNvPr id="6" name="Wolkvormige toelichting 5"/>
+          <p:cNvSpPr/>
+          <p:nvPr/>
+        </p:nvSpPr>
+        <p:spPr>
+          <a:xfrm>
+            <a:off x="2616200" y="114300"/>
+            <a:ext cx="2108200" cy="1028700"/>
+          </a:xfrm>
+          <a:prstGeom prst="cloudCallout">
+            <a:avLst>
+              <a:gd name="adj1" fmla="val -120833"/>
+              <a:gd name="adj2" fmla="val 229167"/>
+            </a:avLst>
+          </a:prstGeom>
+        </p:spPr>
+        <p:style>
+          <a:lnRef idx="1">
+            <a:schemeClr val="accent6"/>
+          </a:lnRef>
+          <a:fillRef idx="2">
+            <a:schemeClr val="accent6"/>
+          </a:fillRef>
+          <a:effectRef idx="1">
+            <a:schemeClr val="accent6"/>
+          </a:effectRef>
+          <a:fontRef idx="minor">
+            <a:schemeClr val="dk1"/>
+          </a:fontRef>
+        </p:style>
+        <p:txBody>
+          <a:bodyPr rtlCol="0" anchor="ctr"/>
+          <a:lstStyle/>
+          <a:p>
+            <a:pPr algn="ctr"/>
+            <a:r>
+              <a:rPr lang="nl-NL" dirty="0" err="1" smtClean="0"/>
+              <a:t>Universe</a:t>
+            </a:r>
+            <a:r>
+              <a:rPr lang="nl-NL" dirty="0" smtClean="0"/>
+              <a:t> of Discourse</a:t>
+            </a:r>
+          </a:p>
+          <a:p>
+            <a:pPr algn="ctr"/>
+            <a:r>
+              <a:rPr lang="nl-NL" dirty="0" smtClean="0"/>
+              <a:t>(</a:t>
+            </a:r>
+            <a:r>
+              <a:rPr lang="nl-NL" dirty="0" err="1" smtClean="0"/>
+              <a:t>UoD</a:t>
+            </a:r>
+            <a:r>
+              <a:rPr lang="nl-NL" dirty="0" smtClean="0"/>
+              <a:t>)</a:t>
+            </a:r>
+            <a:endParaRPr lang="nl-NL" dirty="0"/>
+          </a:p>
+        </p:txBody>
+      </p:sp>
+      <p:sp>
+        <p:nvSpPr>
+          <p:cNvPr id="12" name="Rechthoek 11"/>
+          <p:cNvSpPr/>
+          <p:nvPr/>
+        </p:nvSpPr>
+        <p:spPr>
+          <a:xfrm>
+            <a:off x="2184400" y="1485900"/>
+            <a:ext cx="723900" cy="508000"/>
+          </a:xfrm>
+          <a:prstGeom prst="rect">
+            <a:avLst/>
+          </a:prstGeom>
+          <a:solidFill>
+            <a:schemeClr val="bg1"/>
+          </a:solidFill>
+          <a:ln>
+            <a:solidFill>
+              <a:schemeClr val="bg1"/>
+            </a:solidFill>
+          </a:ln>
+        </p:spPr>
+        <p:style>
+          <a:lnRef idx="2">
+            <a:schemeClr val="accent1">
+              <a:shade val="50000"/>
+            </a:schemeClr>
+          </a:lnRef>
+          <a:fillRef idx="1">
+            <a:schemeClr val="accent1"/>
+          </a:fillRef>
+          <a:effectRef idx="0">
+            <a:schemeClr val="accent1"/>
+          </a:effectRef>
+          <a:fontRef idx="minor">
+            <a:schemeClr val="lt1"/>
+          </a:fontRef>
+        </p:style>
+        <p:txBody>
+          <a:bodyPr rtlCol="0" anchor="ctr"/>
+          <a:lstStyle/>
+          <a:p>
+            <a:pPr algn="ctr"/>
+            <a:endParaRPr lang="nl-NL"/>
+          </a:p>
+        </p:txBody>
+      </p:sp>
+      <p:cxnSp>
+        <p:nvCxnSpPr>
+          <p:cNvPr id="14" name="Rechte verbindingslijn met pijl 13"/>
+          <p:cNvCxnSpPr/>
+          <p:nvPr/>
+        </p:nvCxnSpPr>
+        <p:spPr>
+          <a:xfrm flipV="1">
+            <a:off x="1447800" y="1143000"/>
+            <a:ext cx="1562100" cy="1530594"/>
+          </a:xfrm>
+          <a:prstGeom prst="straightConnector1">
+            <a:avLst/>
+          </a:prstGeom>
+          <a:ln w="19050">
+            <a:tailEnd type="triangle"/>
+          </a:ln>
+        </p:spPr>
+        <p:style>
+          <a:lnRef idx="1">
+            <a:schemeClr val="accent1"/>
+          </a:lnRef>
+          <a:fillRef idx="0">
+            <a:schemeClr val="accent1"/>
+          </a:fillRef>
+          <a:effectRef idx="0">
+            <a:schemeClr val="accent1"/>
+          </a:effectRef>
+          <a:fontRef idx="minor">
+            <a:schemeClr val="tx1"/>
+          </a:fontRef>
+        </p:style>
+      </p:cxnSp>
+      <p:cxnSp>
+        <p:nvCxnSpPr>
+          <p:cNvPr id="16" name="Rechte verbindingslijn met pijl 15"/>
+          <p:cNvCxnSpPr/>
+          <p:nvPr/>
+        </p:nvCxnSpPr>
+        <p:spPr>
+          <a:xfrm flipH="1" flipV="1">
+            <a:off x="4864100" y="736600"/>
+            <a:ext cx="5561724" cy="1816100"/>
+          </a:xfrm>
+          <a:prstGeom prst="straightConnector1">
+            <a:avLst/>
+          </a:prstGeom>
+          <a:ln w="19050">
+            <a:tailEnd type="triangle"/>
+          </a:ln>
+        </p:spPr>
+        <p:style>
+          <a:lnRef idx="1">
+            <a:schemeClr val="accent1"/>
+          </a:lnRef>
+          <a:fillRef idx="0">
+            <a:schemeClr val="accent1"/>
+          </a:fillRef>
+          <a:effectRef idx="0">
+            <a:schemeClr val="accent1"/>
+          </a:effectRef>
+          <a:fontRef idx="minor">
+            <a:schemeClr val="tx1"/>
+          </a:fontRef>
+        </p:style>
+      </p:cxnSp>
+      <p:sp>
+        <p:nvSpPr>
+          <p:cNvPr id="17" name="Tekstvak 16"/>
+          <p:cNvSpPr txBox="1"/>
+          <p:nvPr/>
+        </p:nvSpPr>
+        <p:spPr>
+          <a:xfrm>
+            <a:off x="1514043" y="1252759"/>
+            <a:ext cx="1257588" cy="307777"/>
+          </a:xfrm>
+          <a:prstGeom prst="rect">
+            <a:avLst/>
+          </a:prstGeom>
+          <a:noFill/>
+        </p:spPr>
+        <p:txBody>
+          <a:bodyPr wrap="none" rtlCol="0">
+            <a:spAutoFit/>
+          </a:bodyPr>
+          <a:lstStyle/>
+          <a:p>
+            <a:r>
+              <a:rPr lang="nl-NL" sz="1400" i="1" dirty="0" smtClean="0"/>
+              <a:t>Een model van</a:t>
+            </a:r>
+            <a:endParaRPr lang="nl-NL" sz="1400" i="1" dirty="0"/>
+          </a:p>
+        </p:txBody>
+      </p:sp>
+      <p:sp>
+        <p:nvSpPr>
+          <p:cNvPr id="18" name="Tekstvak 17"/>
+          <p:cNvSpPr txBox="1"/>
+          <p:nvPr/>
+        </p:nvSpPr>
+        <p:spPr>
+          <a:xfrm>
+            <a:off x="7257091" y="1178123"/>
+            <a:ext cx="1257588" cy="307777"/>
+          </a:xfrm>
+          <a:prstGeom prst="rect">
+            <a:avLst/>
+          </a:prstGeom>
+          <a:noFill/>
+        </p:spPr>
+        <p:txBody>
+          <a:bodyPr wrap="none" rtlCol="0">
+            <a:spAutoFit/>
+          </a:bodyPr>
+          <a:lstStyle/>
+          <a:p>
+            <a:r>
+              <a:rPr lang="nl-NL" sz="1400" i="1" dirty="0" smtClean="0"/>
+              <a:t>Een model van</a:t>
+            </a:r>
+            <a:endParaRPr lang="nl-NL" sz="1400" i="1" dirty="0"/>
+          </a:p>
+        </p:txBody>
+      </p:sp>
+      <p:sp>
+        <p:nvSpPr>
+          <p:cNvPr id="19" name="PIJL-RECHTS 18"/>
+          <p:cNvSpPr/>
+          <p:nvPr/>
+        </p:nvSpPr>
+        <p:spPr>
+          <a:xfrm>
+            <a:off x="2425700" y="2429241"/>
+            <a:ext cx="2298700" cy="527295"/>
+          </a:xfrm>
+          <a:prstGeom prst="rightArrow">
+            <a:avLst/>
+          </a:prstGeom>
+        </p:spPr>
+        <p:style>
+          <a:lnRef idx="2">
+            <a:schemeClr val="accent1">
+              <a:shade val="50000"/>
+            </a:schemeClr>
+          </a:lnRef>
+          <a:fillRef idx="1">
+            <a:schemeClr val="accent1"/>
+          </a:fillRef>
+          <a:effectRef idx="0">
+            <a:schemeClr val="accent1"/>
+          </a:effectRef>
+          <a:fontRef idx="minor">
+            <a:schemeClr val="lt1"/>
+          </a:fontRef>
+        </p:style>
+        <p:txBody>
+          <a:bodyPr rtlCol="0" anchor="ctr"/>
+          <a:lstStyle/>
+          <a:p>
+            <a:pPr algn="ctr"/>
+            <a:r>
+              <a:rPr lang="nl-NL" dirty="0" err="1" smtClean="0"/>
+              <a:t>autom</a:t>
+            </a:r>
+            <a:r>
+              <a:rPr lang="nl-NL" dirty="0" smtClean="0"/>
+              <a:t>. transformatie</a:t>
+            </a:r>
+            <a:endParaRPr lang="nl-NL" dirty="0"/>
+          </a:p>
+        </p:txBody>
+      </p:sp>
+      <p:sp>
+        <p:nvSpPr>
+          <p:cNvPr id="22" name="PIJL-RECHTS 21"/>
+          <p:cNvSpPr/>
+          <p:nvPr/>
+        </p:nvSpPr>
+        <p:spPr>
+          <a:xfrm>
+            <a:off x="7019620" y="2409946"/>
+            <a:ext cx="2298700" cy="527295"/>
+          </a:xfrm>
+          <a:prstGeom prst="rightArrow">
+            <a:avLst/>
+          </a:prstGeom>
+        </p:spPr>
+        <p:style>
+          <a:lnRef idx="2">
+            <a:schemeClr val="accent1">
+              <a:shade val="50000"/>
+            </a:schemeClr>
+          </a:lnRef>
+          <a:fillRef idx="1">
+            <a:schemeClr val="accent1"/>
+          </a:fillRef>
+          <a:effectRef idx="0">
+            <a:schemeClr val="accent1"/>
+          </a:effectRef>
+          <a:fontRef idx="minor">
+            <a:schemeClr val="lt1"/>
+          </a:fontRef>
+        </p:style>
+        <p:txBody>
+          <a:bodyPr rtlCol="0" anchor="ctr"/>
+          <a:lstStyle/>
+          <a:p>
+            <a:pPr algn="ctr"/>
+            <a:r>
+              <a:rPr lang="nl-NL" dirty="0" err="1" smtClean="0"/>
+              <a:t>handm</a:t>
+            </a:r>
+            <a:r>
+              <a:rPr lang="nl-NL" dirty="0" smtClean="0"/>
+              <a:t>. aanpassen</a:t>
+            </a:r>
+            <a:endParaRPr lang="nl-NL" dirty="0"/>
+          </a:p>
+        </p:txBody>
+      </p:sp>
+      <p:grpSp>
+        <p:nvGrpSpPr>
+          <p:cNvPr id="15" name="Groep 14"/>
+          <p:cNvGrpSpPr/>
+          <p:nvPr/>
+        </p:nvGrpSpPr>
+        <p:grpSpPr>
+          <a:xfrm>
+            <a:off x="9505340" y="2165593"/>
+            <a:ext cx="1968500" cy="1016000"/>
+            <a:chOff x="6731000" y="2508495"/>
+            <a:chExt cx="1968500" cy="1016000"/>
+          </a:xfrm>
+        </p:grpSpPr>
+        <p:sp>
+          <p:nvSpPr>
+            <p:cNvPr id="20" name="Afgeronde rechthoek 19"/>
+            <p:cNvSpPr/>
+            <p:nvPr/>
+          </p:nvSpPr>
+          <p:spPr>
+            <a:xfrm>
+              <a:off x="6731000" y="2508495"/>
+              <a:ext cx="1968500" cy="1016000"/>
+            </a:xfrm>
+            <a:prstGeom prst="roundRect">
+              <a:avLst/>
+            </a:prstGeom>
+          </p:spPr>
+          <p:style>
+            <a:lnRef idx="1">
+              <a:schemeClr val="accent1"/>
+            </a:lnRef>
+            <a:fillRef idx="2">
+              <a:schemeClr val="accent1"/>
+            </a:fillRef>
+            <a:effectRef idx="1">
+              <a:schemeClr val="accent1"/>
+            </a:effectRef>
+            <a:fontRef idx="minor">
+              <a:schemeClr val="dk1"/>
+            </a:fontRef>
+          </p:style>
+          <p:txBody>
+            <a:bodyPr rtlCol="0" anchor="ctr"/>
+            <a:lstStyle/>
+            <a:p>
+              <a:pPr marL="622300" algn="ctr"/>
+              <a:r>
+                <a:rPr lang="nl-NL" dirty="0" smtClean="0"/>
+                <a:t>RDF</a:t>
+              </a:r>
+            </a:p>
+            <a:p>
+              <a:pPr marL="622300" algn="ctr"/>
+              <a:r>
+                <a:rPr lang="nl-NL" dirty="0" smtClean="0"/>
+                <a:t>model</a:t>
+              </a:r>
+            </a:p>
+            <a:p>
+              <a:pPr marL="622300" algn="ctr"/>
+              <a:r>
+                <a:rPr lang="nl-NL" dirty="0" smtClean="0"/>
+                <a:t>#2</a:t>
+              </a:r>
+              <a:endParaRPr lang="nl-NL" dirty="0"/>
+            </a:p>
+          </p:txBody>
+        </p:sp>
+        <p:pic>
+          <p:nvPicPr>
+            <p:cNvPr id="21" name="Afbeelding 20"/>
+            <p:cNvPicPr>
+              <a:picLocks noChangeAspect="1"/>
+            </p:cNvPicPr>
+            <p:nvPr/>
+          </p:nvPicPr>
+          <p:blipFill>
+            <a:blip r:embed="rId2" cstate="print">
+              <a:extLst>
+                <a:ext uri="{28A0092B-C50C-407E-A947-70E740481C1C}">
+                  <a14:useLocalDpi xmlns:a14="http://schemas.microsoft.com/office/drawing/2010/main" val="0"/>
+                </a:ext>
+              </a:extLst>
+            </a:blip>
+            <a:stretch>
+              <a:fillRect/>
+            </a:stretch>
+          </p:blipFill>
+          <p:spPr>
+            <a:xfrm>
+              <a:off x="6876845" y="2695942"/>
+              <a:ext cx="587275" cy="641105"/>
+            </a:xfrm>
+            <a:prstGeom prst="rect">
+              <a:avLst/>
+            </a:prstGeom>
+          </p:spPr>
+        </p:pic>
+      </p:grpSp>
+      <p:grpSp>
+        <p:nvGrpSpPr>
+          <p:cNvPr id="11" name="Groep 10"/>
+          <p:cNvGrpSpPr/>
+          <p:nvPr/>
+        </p:nvGrpSpPr>
+        <p:grpSpPr>
+          <a:xfrm>
+            <a:off x="4864100" y="2165595"/>
+            <a:ext cx="1968500" cy="1016000"/>
+            <a:chOff x="6731000" y="2508495"/>
+            <a:chExt cx="1968500" cy="1016000"/>
+          </a:xfrm>
+        </p:grpSpPr>
+        <p:sp>
+          <p:nvSpPr>
+            <p:cNvPr id="8" name="Afgeronde rechthoek 7"/>
+            <p:cNvSpPr/>
+            <p:nvPr/>
+          </p:nvSpPr>
+          <p:spPr>
+            <a:xfrm>
+              <a:off x="6731000" y="2508495"/>
+              <a:ext cx="1968500" cy="1016000"/>
+            </a:xfrm>
+            <a:prstGeom prst="roundRect">
+              <a:avLst/>
+            </a:prstGeom>
+          </p:spPr>
+          <p:style>
+            <a:lnRef idx="1">
+              <a:schemeClr val="accent1"/>
+            </a:lnRef>
+            <a:fillRef idx="2">
+              <a:schemeClr val="accent1"/>
+            </a:fillRef>
+            <a:effectRef idx="1">
+              <a:schemeClr val="accent1"/>
+            </a:effectRef>
+            <a:fontRef idx="minor">
+              <a:schemeClr val="dk1"/>
+            </a:fontRef>
+          </p:style>
+          <p:txBody>
+            <a:bodyPr rtlCol="0" anchor="ctr"/>
+            <a:lstStyle/>
+            <a:p>
+              <a:pPr marL="622300" algn="ctr"/>
+              <a:r>
+                <a:rPr lang="nl-NL" dirty="0" smtClean="0"/>
+                <a:t>RDF</a:t>
+              </a:r>
+            </a:p>
+            <a:p>
+              <a:pPr marL="622300" algn="ctr"/>
+              <a:r>
+                <a:rPr lang="nl-NL" dirty="0" smtClean="0"/>
+                <a:t>model</a:t>
+              </a:r>
+            </a:p>
+            <a:p>
+              <a:pPr marL="622300" algn="ctr"/>
+              <a:r>
+                <a:rPr lang="nl-NL" dirty="0" smtClean="0"/>
+                <a:t>#1</a:t>
+              </a:r>
+              <a:endParaRPr lang="nl-NL" dirty="0"/>
+            </a:p>
+          </p:txBody>
+        </p:sp>
+        <p:pic>
+          <p:nvPicPr>
+            <p:cNvPr id="10" name="Afbeelding 9"/>
+            <p:cNvPicPr>
+              <a:picLocks noChangeAspect="1"/>
+            </p:cNvPicPr>
+            <p:nvPr/>
+          </p:nvPicPr>
+          <p:blipFill>
+            <a:blip r:embed="rId2" cstate="print">
+              <a:extLst>
+                <a:ext uri="{28A0092B-C50C-407E-A947-70E740481C1C}">
+                  <a14:useLocalDpi xmlns:a14="http://schemas.microsoft.com/office/drawing/2010/main" val="0"/>
+                </a:ext>
+              </a:extLst>
+            </a:blip>
+            <a:stretch>
+              <a:fillRect/>
+            </a:stretch>
+          </p:blipFill>
+          <p:spPr>
+            <a:xfrm>
+              <a:off x="6876845" y="2695942"/>
+              <a:ext cx="587275" cy="641105"/>
+            </a:xfrm>
+            <a:prstGeom prst="rect">
+              <a:avLst/>
+            </a:prstGeom>
+          </p:spPr>
+        </p:pic>
+      </p:grpSp>
+      <p:grpSp>
+        <p:nvGrpSpPr>
+          <p:cNvPr id="7" name="Groep 6"/>
+          <p:cNvGrpSpPr/>
+          <p:nvPr/>
+        </p:nvGrpSpPr>
+        <p:grpSpPr>
+          <a:xfrm>
+            <a:off x="342900" y="4054104"/>
+            <a:ext cx="1968500" cy="1016000"/>
+            <a:chOff x="355600" y="4521689"/>
+            <a:chExt cx="1968500" cy="1016000"/>
+          </a:xfrm>
+        </p:grpSpPr>
+        <p:sp>
+          <p:nvSpPr>
+            <p:cNvPr id="37" name="Afgeronde rechthoek 36"/>
+            <p:cNvSpPr/>
+            <p:nvPr/>
+          </p:nvSpPr>
+          <p:spPr>
+            <a:xfrm>
+              <a:off x="355600" y="4521689"/>
+              <a:ext cx="1968500" cy="1016000"/>
+            </a:xfrm>
+            <a:prstGeom prst="roundRect">
+              <a:avLst/>
+            </a:prstGeom>
+          </p:spPr>
+          <p:style>
+            <a:lnRef idx="1">
+              <a:schemeClr val="accent1"/>
+            </a:lnRef>
+            <a:fillRef idx="2">
+              <a:schemeClr val="accent1"/>
+            </a:fillRef>
+            <a:effectRef idx="1">
+              <a:schemeClr val="accent1"/>
+            </a:effectRef>
+            <a:fontRef idx="minor">
+              <a:schemeClr val="dk1"/>
+            </a:fontRef>
+          </p:style>
+          <p:txBody>
+            <a:bodyPr rtlCol="0" anchor="ctr"/>
+            <a:lstStyle/>
+            <a:p>
+              <a:pPr marL="622300" algn="ctr"/>
+              <a:r>
+                <a:rPr lang="nl-NL" dirty="0" smtClean="0"/>
+                <a:t>XSD</a:t>
+              </a:r>
+            </a:p>
+            <a:p>
+              <a:pPr marL="622300" algn="ctr"/>
+              <a:r>
+                <a:rPr lang="nl-NL" dirty="0" smtClean="0"/>
+                <a:t>data</a:t>
+              </a:r>
+            </a:p>
+            <a:p>
+              <a:pPr marL="622300" algn="ctr"/>
+              <a:r>
+                <a:rPr lang="nl-NL" dirty="0" smtClean="0"/>
+                <a:t>structuur</a:t>
+              </a:r>
+              <a:endParaRPr lang="nl-NL" dirty="0"/>
+            </a:p>
+          </p:txBody>
+        </p:sp>
+        <p:pic>
+          <p:nvPicPr>
+            <p:cNvPr id="2" name="Afbeelding 1"/>
+            <p:cNvPicPr>
+              <a:picLocks noChangeAspect="1"/>
+            </p:cNvPicPr>
+            <p:nvPr/>
+          </p:nvPicPr>
+          <p:blipFill>
+            <a:blip r:embed="rId3" cstate="print">
+              <a:extLst>
+                <a:ext uri="{28A0092B-C50C-407E-A947-70E740481C1C}">
+                  <a14:useLocalDpi xmlns:a14="http://schemas.microsoft.com/office/drawing/2010/main" val="0"/>
+                </a:ext>
+              </a:extLst>
+            </a:blip>
+            <a:stretch>
+              <a:fillRect/>
+            </a:stretch>
+          </p:blipFill>
+          <p:spPr>
+            <a:xfrm>
+              <a:off x="457200" y="4738991"/>
+              <a:ext cx="619985" cy="619985"/>
+            </a:xfrm>
+            <a:prstGeom prst="rect">
+              <a:avLst/>
+            </a:prstGeom>
+          </p:spPr>
+        </p:pic>
+      </p:grpSp>
+      <p:sp>
+        <p:nvSpPr>
+          <p:cNvPr id="41" name="Afgeronde rechthoek 40"/>
+          <p:cNvSpPr/>
+          <p:nvPr/>
+        </p:nvSpPr>
+        <p:spPr>
+          <a:xfrm>
+            <a:off x="342900" y="5769093"/>
+            <a:ext cx="1968500" cy="1016000"/>
+          </a:xfrm>
+          <a:prstGeom prst="roundRect">
+            <a:avLst/>
+          </a:prstGeom>
+        </p:spPr>
+        <p:style>
+          <a:lnRef idx="1">
+            <a:schemeClr val="accent2"/>
+          </a:lnRef>
+          <a:fillRef idx="2">
+            <a:schemeClr val="accent2"/>
+          </a:fillRef>
+          <a:effectRef idx="1">
+            <a:schemeClr val="accent2"/>
+          </a:effectRef>
+          <a:fontRef idx="minor">
+            <a:schemeClr val="dk1"/>
+          </a:fontRef>
+        </p:style>
+        <p:txBody>
+          <a:bodyPr rtlCol="0" anchor="ctr"/>
+          <a:lstStyle/>
+          <a:p>
+            <a:pPr marL="622300" algn="ctr"/>
+            <a:r>
+              <a:rPr lang="nl-NL" dirty="0" smtClean="0"/>
+              <a:t>XML</a:t>
+            </a:r>
+          </a:p>
+          <a:p>
+            <a:pPr marL="622300" algn="ctr"/>
+            <a:r>
+              <a:rPr lang="nl-NL" dirty="0" smtClean="0"/>
+              <a:t>data</a:t>
+            </a:r>
+          </a:p>
+        </p:txBody>
+      </p:sp>
+      <p:pic>
+        <p:nvPicPr>
+          <p:cNvPr id="43" name="Afbeelding 42"/>
+          <p:cNvPicPr>
+            <a:picLocks noChangeAspect="1"/>
+          </p:cNvPicPr>
+          <p:nvPr/>
+        </p:nvPicPr>
+        <p:blipFill>
+          <a:blip r:embed="rId3" cstate="print">
+            <a:extLst>
+              <a:ext uri="{28A0092B-C50C-407E-A947-70E740481C1C}">
+                <a14:useLocalDpi xmlns:a14="http://schemas.microsoft.com/office/drawing/2010/main" val="0"/>
+              </a:ext>
+            </a:extLst>
+          </a:blip>
+          <a:stretch>
+            <a:fillRect/>
+          </a:stretch>
+        </p:blipFill>
+        <p:spPr>
+          <a:xfrm>
+            <a:off x="444500" y="5986395"/>
+            <a:ext cx="619985" cy="619985"/>
+          </a:xfrm>
+          <a:prstGeom prst="rect">
+            <a:avLst/>
+          </a:prstGeom>
+        </p:spPr>
+      </p:pic>
+      <p:sp>
+        <p:nvSpPr>
+          <p:cNvPr id="45" name="Afgeronde rechthoek 44"/>
+          <p:cNvSpPr/>
+          <p:nvPr/>
+        </p:nvSpPr>
+        <p:spPr>
+          <a:xfrm>
+            <a:off x="9505340" y="5769093"/>
+            <a:ext cx="1968500" cy="1016000"/>
+          </a:xfrm>
+          <a:prstGeom prst="roundRect">
+            <a:avLst/>
+          </a:prstGeom>
+        </p:spPr>
+        <p:style>
+          <a:lnRef idx="1">
+            <a:schemeClr val="accent2"/>
+          </a:lnRef>
+          <a:fillRef idx="2">
+            <a:schemeClr val="accent2"/>
+          </a:fillRef>
+          <a:effectRef idx="1">
+            <a:schemeClr val="accent2"/>
+          </a:effectRef>
+          <a:fontRef idx="minor">
+            <a:schemeClr val="dk1"/>
+          </a:fontRef>
+        </p:style>
+        <p:txBody>
+          <a:bodyPr rtlCol="0" anchor="ctr"/>
+          <a:lstStyle/>
+          <a:p>
+            <a:pPr marL="622300" algn="ctr"/>
+            <a:r>
+              <a:rPr lang="nl-NL" dirty="0" smtClean="0"/>
+              <a:t>RDF</a:t>
+            </a:r>
+          </a:p>
+          <a:p>
+            <a:pPr marL="622300" algn="ctr"/>
+            <a:r>
+              <a:rPr lang="nl-NL" dirty="0" smtClean="0"/>
+              <a:t>data</a:t>
+            </a:r>
+          </a:p>
+        </p:txBody>
+      </p:sp>
+      <p:pic>
+        <p:nvPicPr>
+          <p:cNvPr id="49" name="Afbeelding 48"/>
+          <p:cNvPicPr>
+            <a:picLocks noChangeAspect="1"/>
+          </p:cNvPicPr>
+          <p:nvPr/>
+        </p:nvPicPr>
+        <p:blipFill>
+          <a:blip r:embed="rId2" cstate="print">
+            <a:extLst>
+              <a:ext uri="{28A0092B-C50C-407E-A947-70E740481C1C}">
+                <a14:useLocalDpi xmlns:a14="http://schemas.microsoft.com/office/drawing/2010/main" val="0"/>
+              </a:ext>
+            </a:extLst>
+          </a:blip>
+          <a:stretch>
+            <a:fillRect/>
+          </a:stretch>
+        </p:blipFill>
+        <p:spPr>
+          <a:xfrm>
+            <a:off x="9651185" y="5956540"/>
+            <a:ext cx="587275" cy="641105"/>
+          </a:xfrm>
+          <a:prstGeom prst="rect">
+            <a:avLst/>
+          </a:prstGeom>
+        </p:spPr>
+      </p:pic>
+      <p:cxnSp>
+        <p:nvCxnSpPr>
+          <p:cNvPr id="50" name="Rechte verbindingslijn met pijl 49"/>
+          <p:cNvCxnSpPr>
+            <a:stCxn id="37" idx="0"/>
+            <a:endCxn id="3" idx="2"/>
+          </p:cNvCxnSpPr>
+          <p:nvPr/>
+        </p:nvCxnSpPr>
+        <p:spPr>
+          <a:xfrm flipV="1">
+            <a:off x="1327150" y="3200889"/>
+            <a:ext cx="0" cy="853215"/>
+          </a:xfrm>
+          <a:prstGeom prst="straightConnector1">
+            <a:avLst/>
+          </a:prstGeom>
+          <a:ln w="19050">
+            <a:tailEnd type="triangle"/>
+          </a:ln>
+        </p:spPr>
+        <p:style>
+          <a:lnRef idx="1">
+            <a:schemeClr val="accent1"/>
+          </a:lnRef>
+          <a:fillRef idx="0">
+            <a:schemeClr val="accent1"/>
+          </a:fillRef>
+          <a:effectRef idx="0">
+            <a:schemeClr val="accent1"/>
+          </a:effectRef>
+          <a:fontRef idx="minor">
+            <a:schemeClr val="tx1"/>
+          </a:fontRef>
+        </p:style>
+      </p:cxnSp>
+      <p:cxnSp>
+        <p:nvCxnSpPr>
+          <p:cNvPr id="51" name="Rechte verbindingslijn met pijl 50"/>
+          <p:cNvCxnSpPr>
+            <a:stCxn id="41" idx="0"/>
+            <a:endCxn id="37" idx="2"/>
+          </p:cNvCxnSpPr>
+          <p:nvPr/>
+        </p:nvCxnSpPr>
+        <p:spPr>
+          <a:xfrm flipV="1">
+            <a:off x="1327150" y="5070104"/>
+            <a:ext cx="0" cy="698989"/>
+          </a:xfrm>
+          <a:prstGeom prst="straightConnector1">
+            <a:avLst/>
+          </a:prstGeom>
+          <a:ln w="19050">
+            <a:tailEnd type="triangle"/>
+          </a:ln>
+        </p:spPr>
+        <p:style>
+          <a:lnRef idx="1">
+            <a:schemeClr val="accent1"/>
+          </a:lnRef>
+          <a:fillRef idx="0">
+            <a:schemeClr val="accent1"/>
+          </a:fillRef>
+          <a:effectRef idx="0">
+            <a:schemeClr val="accent1"/>
+          </a:effectRef>
+          <a:fontRef idx="minor">
+            <a:schemeClr val="tx1"/>
+          </a:fontRef>
+        </p:style>
+      </p:cxnSp>
+      <p:sp>
+        <p:nvSpPr>
+          <p:cNvPr id="52" name="Tekstvak 51"/>
+          <p:cNvSpPr txBox="1"/>
+          <p:nvPr/>
+        </p:nvSpPr>
+        <p:spPr>
+          <a:xfrm>
+            <a:off x="1326786" y="3526809"/>
+            <a:ext cx="1086580" cy="307777"/>
+          </a:xfrm>
+          <a:prstGeom prst="rect">
+            <a:avLst/>
+          </a:prstGeom>
+          <a:noFill/>
+        </p:spPr>
+        <p:txBody>
+          <a:bodyPr wrap="none" rtlCol="0">
+            <a:spAutoFit/>
+          </a:bodyPr>
+          <a:lstStyle/>
+          <a:p>
+            <a:r>
+              <a:rPr lang="nl-NL" sz="1400" i="1" dirty="0" smtClean="0"/>
+              <a:t>Afgeleid van</a:t>
+            </a:r>
+            <a:endParaRPr lang="nl-NL" sz="1400" i="1" dirty="0"/>
+          </a:p>
+        </p:txBody>
+      </p:sp>
+      <p:sp>
+        <p:nvSpPr>
+          <p:cNvPr id="57" name="Tekstvak 56"/>
+          <p:cNvSpPr txBox="1"/>
+          <p:nvPr/>
+        </p:nvSpPr>
+        <p:spPr>
+          <a:xfrm>
+            <a:off x="1326786" y="5265709"/>
+            <a:ext cx="1926297" cy="307777"/>
+          </a:xfrm>
+          <a:prstGeom prst="rect">
+            <a:avLst/>
+          </a:prstGeom>
+          <a:noFill/>
+        </p:spPr>
+        <p:txBody>
+          <a:bodyPr wrap="none" rtlCol="0">
+            <a:spAutoFit/>
+          </a:bodyPr>
+          <a:lstStyle/>
+          <a:p>
+            <a:r>
+              <a:rPr lang="nl-NL" sz="1400" i="1" dirty="0" smtClean="0"/>
+              <a:t>Gestructureerd conform</a:t>
+            </a:r>
+            <a:endParaRPr lang="nl-NL" sz="1400" i="1" dirty="0"/>
+          </a:p>
+        </p:txBody>
+      </p:sp>
+      <p:cxnSp>
+        <p:nvCxnSpPr>
+          <p:cNvPr id="58" name="Rechte verbindingslijn met pijl 57"/>
+          <p:cNvCxnSpPr>
+            <a:stCxn id="45" idx="0"/>
+            <a:endCxn id="20" idx="2"/>
+          </p:cNvCxnSpPr>
+          <p:nvPr/>
+        </p:nvCxnSpPr>
+        <p:spPr>
+          <a:xfrm flipV="1">
+            <a:off x="10489590" y="3181593"/>
+            <a:ext cx="0" cy="2587500"/>
+          </a:xfrm>
+          <a:prstGeom prst="straightConnector1">
+            <a:avLst/>
+          </a:prstGeom>
+          <a:ln w="19050">
+            <a:tailEnd type="triangle"/>
+          </a:ln>
+        </p:spPr>
+        <p:style>
+          <a:lnRef idx="1">
+            <a:schemeClr val="accent1"/>
+          </a:lnRef>
+          <a:fillRef idx="0">
+            <a:schemeClr val="accent1"/>
+          </a:fillRef>
+          <a:effectRef idx="0">
+            <a:schemeClr val="accent1"/>
+          </a:effectRef>
+          <a:fontRef idx="minor">
+            <a:schemeClr val="tx1"/>
+          </a:fontRef>
+        </p:style>
+      </p:cxnSp>
+      <p:sp>
+        <p:nvSpPr>
+          <p:cNvPr id="61" name="Tekstvak 60"/>
+          <p:cNvSpPr txBox="1"/>
+          <p:nvPr/>
+        </p:nvSpPr>
+        <p:spPr>
+          <a:xfrm>
+            <a:off x="8568972" y="5213704"/>
+            <a:ext cx="1926297" cy="307777"/>
+          </a:xfrm>
+          <a:prstGeom prst="rect">
+            <a:avLst/>
+          </a:prstGeom>
+          <a:noFill/>
+        </p:spPr>
+        <p:txBody>
+          <a:bodyPr wrap="none" rtlCol="0">
+            <a:spAutoFit/>
+          </a:bodyPr>
+          <a:lstStyle/>
+          <a:p>
+            <a:r>
+              <a:rPr lang="nl-NL" sz="1400" i="1" dirty="0" smtClean="0"/>
+              <a:t>Gestructureerd conform</a:t>
+            </a:r>
+            <a:endParaRPr lang="nl-NL" sz="1400" i="1" dirty="0"/>
+          </a:p>
+        </p:txBody>
+      </p:sp>
+      <p:sp>
+        <p:nvSpPr>
+          <p:cNvPr id="63" name="Vijfhoek 62"/>
+          <p:cNvSpPr/>
+          <p:nvPr/>
+        </p:nvSpPr>
+        <p:spPr>
+          <a:xfrm>
+            <a:off x="4864101" y="5769093"/>
+            <a:ext cx="1968499" cy="1016000"/>
+          </a:xfrm>
+          <a:prstGeom prst="homePlate">
+            <a:avLst/>
+          </a:prstGeom>
+        </p:spPr>
+        <p:style>
+          <a:lnRef idx="0">
+            <a:schemeClr val="dk1"/>
+          </a:lnRef>
+          <a:fillRef idx="3">
+            <a:schemeClr val="dk1"/>
+          </a:fillRef>
+          <a:effectRef idx="3">
+            <a:schemeClr val="dk1"/>
+          </a:effectRef>
+          <a:fontRef idx="minor">
+            <a:schemeClr val="lt1"/>
+          </a:fontRef>
+        </p:style>
+        <p:txBody>
+          <a:bodyPr rtlCol="0" anchor="ctr"/>
+          <a:lstStyle/>
+          <a:p>
+            <a:pPr algn="ctr"/>
+            <a:r>
+              <a:rPr lang="nl-NL" dirty="0" smtClean="0"/>
+              <a:t>Automatische</a:t>
+            </a:r>
+          </a:p>
+          <a:p>
+            <a:pPr algn="ctr"/>
+            <a:r>
+              <a:rPr lang="nl-NL" dirty="0" smtClean="0"/>
+              <a:t>transformator</a:t>
+            </a:r>
+            <a:endParaRPr lang="nl-NL" dirty="0"/>
+          </a:p>
+        </p:txBody>
+      </p:sp>
+      <p:sp>
+        <p:nvSpPr>
+          <p:cNvPr id="64" name="PIJL-RECHTS 63"/>
+          <p:cNvSpPr/>
+          <p:nvPr/>
+        </p:nvSpPr>
+        <p:spPr>
+          <a:xfrm>
+            <a:off x="2463799" y="6013444"/>
+            <a:ext cx="2298700" cy="527295"/>
+          </a:xfrm>
+          <a:prstGeom prst="rightArrow">
+            <a:avLst/>
+          </a:prstGeom>
+        </p:spPr>
+        <p:style>
+          <a:lnRef idx="1">
+            <a:schemeClr val="accent2"/>
+          </a:lnRef>
+          <a:fillRef idx="2">
+            <a:schemeClr val="accent2"/>
+          </a:fillRef>
+          <a:effectRef idx="1">
+            <a:schemeClr val="accent2"/>
+          </a:effectRef>
+          <a:fontRef idx="minor">
+            <a:schemeClr val="dk1"/>
+          </a:fontRef>
+        </p:style>
+        <p:txBody>
+          <a:bodyPr rtlCol="0" anchor="ctr"/>
+          <a:lstStyle/>
+          <a:p>
+            <a:pPr algn="ctr"/>
+            <a:r>
+              <a:rPr lang="nl-NL" dirty="0" smtClean="0"/>
+              <a:t>input</a:t>
+            </a:r>
+            <a:endParaRPr lang="nl-NL" dirty="0"/>
+          </a:p>
+        </p:txBody>
+      </p:sp>
+      <p:sp>
+        <p:nvSpPr>
+          <p:cNvPr id="65" name="PIJL-RECHTS 64"/>
+          <p:cNvSpPr/>
+          <p:nvPr/>
+        </p:nvSpPr>
+        <p:spPr>
+          <a:xfrm>
+            <a:off x="6983259" y="5986395"/>
+            <a:ext cx="2298700" cy="527295"/>
+          </a:xfrm>
+          <a:prstGeom prst="rightArrow">
+            <a:avLst/>
+          </a:prstGeom>
+        </p:spPr>
+        <p:style>
+          <a:lnRef idx="1">
+            <a:schemeClr val="accent2"/>
+          </a:lnRef>
+          <a:fillRef idx="2">
+            <a:schemeClr val="accent2"/>
+          </a:fillRef>
+          <a:effectRef idx="1">
+            <a:schemeClr val="accent2"/>
+          </a:effectRef>
+          <a:fontRef idx="minor">
+            <a:schemeClr val="dk1"/>
+          </a:fontRef>
+        </p:style>
+        <p:txBody>
+          <a:bodyPr rtlCol="0" anchor="ctr"/>
+          <a:lstStyle/>
+          <a:p>
+            <a:pPr algn="ctr"/>
+            <a:r>
+              <a:rPr lang="nl-NL" dirty="0" smtClean="0"/>
+              <a:t>output</a:t>
+            </a:r>
+            <a:endParaRPr lang="nl-NL" dirty="0"/>
+          </a:p>
+        </p:txBody>
+      </p:sp>
+      <p:pic>
+        <p:nvPicPr>
+          <p:cNvPr id="73" name="Afbeelding 72"/>
+          <p:cNvPicPr>
+            <a:picLocks noChangeAspect="1"/>
+          </p:cNvPicPr>
+          <p:nvPr/>
+        </p:nvPicPr>
+        <p:blipFill>
+          <a:blip r:embed="rId2" cstate="print">
+            <a:extLst>
+              <a:ext uri="{28A0092B-C50C-407E-A947-70E740481C1C}">
+                <a14:useLocalDpi xmlns:a14="http://schemas.microsoft.com/office/drawing/2010/main" val="0"/>
+              </a:ext>
+            </a:extLst>
+          </a:blip>
+          <a:stretch>
+            <a:fillRect/>
+          </a:stretch>
+        </p:blipFill>
+        <p:spPr>
+          <a:xfrm>
+            <a:off x="5009945" y="3950853"/>
+            <a:ext cx="587275" cy="641105"/>
+          </a:xfrm>
+          <a:prstGeom prst="rect">
+            <a:avLst/>
+          </a:prstGeom>
+        </p:spPr>
+      </p:pic>
+      <p:cxnSp>
+        <p:nvCxnSpPr>
+          <p:cNvPr id="79" name="Rechte verbindingslijn met pijl 78"/>
+          <p:cNvCxnSpPr/>
+          <p:nvPr/>
+        </p:nvCxnSpPr>
+        <p:spPr>
+          <a:xfrm>
+            <a:off x="2048735" y="2909034"/>
+            <a:ext cx="2961210" cy="2767866"/>
+          </a:xfrm>
+          <a:prstGeom prst="straightConnector1">
+            <a:avLst/>
+          </a:prstGeom>
+          <a:ln w="19050">
+            <a:tailEnd type="triangle"/>
+          </a:ln>
+        </p:spPr>
+        <p:style>
+          <a:lnRef idx="1">
+            <a:schemeClr val="accent1"/>
+          </a:lnRef>
+          <a:fillRef idx="0">
+            <a:schemeClr val="accent1"/>
+          </a:fillRef>
+          <a:effectRef idx="0">
+            <a:schemeClr val="accent1"/>
+          </a:effectRef>
+          <a:fontRef idx="minor">
+            <a:schemeClr val="tx1"/>
+          </a:fontRef>
+        </p:style>
+      </p:cxnSp>
+      <p:cxnSp>
+        <p:nvCxnSpPr>
+          <p:cNvPr id="88" name="Rechte verbindingslijn met pijl 87"/>
+          <p:cNvCxnSpPr>
+            <a:stCxn id="8" idx="2"/>
+            <a:endCxn id="72" idx="0"/>
+          </p:cNvCxnSpPr>
+          <p:nvPr/>
+        </p:nvCxnSpPr>
+        <p:spPr>
+          <a:xfrm>
+            <a:off x="5848350" y="3181595"/>
+            <a:ext cx="0" cy="581811"/>
+          </a:xfrm>
+          <a:prstGeom prst="straightConnector1">
+            <a:avLst/>
+          </a:prstGeom>
+          <a:ln w="19050">
+            <a:tailEnd type="triangle"/>
+          </a:ln>
+        </p:spPr>
+        <p:style>
+          <a:lnRef idx="1">
+            <a:schemeClr val="accent1"/>
+          </a:lnRef>
+          <a:fillRef idx="0">
+            <a:schemeClr val="accent1"/>
+          </a:fillRef>
+          <a:effectRef idx="0">
+            <a:schemeClr val="accent1"/>
+          </a:effectRef>
+          <a:fontRef idx="minor">
+            <a:schemeClr val="tx1"/>
+          </a:fontRef>
+        </p:style>
+      </p:cxnSp>
+      <p:sp>
+        <p:nvSpPr>
+          <p:cNvPr id="95" name="Tekstvak 94"/>
+          <p:cNvSpPr txBox="1"/>
+          <p:nvPr/>
+        </p:nvSpPr>
+        <p:spPr>
+          <a:xfrm>
+            <a:off x="4815966" y="3215153"/>
+            <a:ext cx="1060931" cy="307777"/>
+          </a:xfrm>
+          <a:prstGeom prst="rect">
+            <a:avLst/>
+          </a:prstGeom>
+          <a:noFill/>
+        </p:spPr>
+        <p:txBody>
+          <a:bodyPr wrap="none" rtlCol="0">
+            <a:spAutoFit/>
+          </a:bodyPr>
+          <a:lstStyle/>
+          <a:p>
+            <a:r>
+              <a:rPr lang="nl-NL" sz="1400" i="1" dirty="0" smtClean="0"/>
+              <a:t>Voldoet aan</a:t>
+            </a:r>
+            <a:endParaRPr lang="nl-NL" sz="1400" i="1" dirty="0"/>
+          </a:p>
+        </p:txBody>
+      </p:sp>
+      <p:sp>
+        <p:nvSpPr>
+          <p:cNvPr id="96" name="Tekstvak 95"/>
+          <p:cNvSpPr txBox="1"/>
+          <p:nvPr/>
+        </p:nvSpPr>
+        <p:spPr>
+          <a:xfrm>
+            <a:off x="7140539" y="3121974"/>
+            <a:ext cx="1060931" cy="307777"/>
+          </a:xfrm>
+          <a:prstGeom prst="rect">
+            <a:avLst/>
+          </a:prstGeom>
+          <a:noFill/>
+        </p:spPr>
+        <p:txBody>
+          <a:bodyPr wrap="none" rtlCol="0">
+            <a:spAutoFit/>
+          </a:bodyPr>
+          <a:lstStyle/>
+          <a:p>
+            <a:r>
+              <a:rPr lang="nl-NL" sz="1400" i="1" dirty="0" smtClean="0"/>
+              <a:t>Voldoet aan</a:t>
+            </a:r>
+            <a:endParaRPr lang="nl-NL" sz="1400" i="1" dirty="0"/>
+          </a:p>
+        </p:txBody>
+      </p:sp>
+      <p:sp>
+        <p:nvSpPr>
+          <p:cNvPr id="97" name="Tekstvak 96"/>
+          <p:cNvSpPr txBox="1"/>
+          <p:nvPr/>
+        </p:nvSpPr>
+        <p:spPr>
+          <a:xfrm>
+            <a:off x="4699596" y="5207328"/>
+            <a:ext cx="932499" cy="307777"/>
+          </a:xfrm>
+          <a:prstGeom prst="rect">
+            <a:avLst/>
+          </a:prstGeom>
+          <a:noFill/>
+        </p:spPr>
+        <p:txBody>
+          <a:bodyPr wrap="none" rtlCol="0">
+            <a:spAutoFit/>
+          </a:bodyPr>
+          <a:lstStyle/>
+          <a:p>
+            <a:r>
+              <a:rPr lang="nl-NL" sz="1400" i="1" dirty="0" smtClean="0"/>
+              <a:t>Input voor</a:t>
+            </a:r>
+            <a:endParaRPr lang="nl-NL" sz="1400" i="1" dirty="0"/>
+          </a:p>
+        </p:txBody>
+      </p:sp>
+      <p:sp>
+        <p:nvSpPr>
+          <p:cNvPr id="98" name="Tekstvak 97"/>
+          <p:cNvSpPr txBox="1"/>
+          <p:nvPr/>
+        </p:nvSpPr>
+        <p:spPr>
+          <a:xfrm>
+            <a:off x="6124817" y="5180434"/>
+            <a:ext cx="932499" cy="307777"/>
+          </a:xfrm>
+          <a:prstGeom prst="rect">
+            <a:avLst/>
+          </a:prstGeom>
+          <a:noFill/>
+        </p:spPr>
+        <p:txBody>
+          <a:bodyPr wrap="none" rtlCol="0">
+            <a:spAutoFit/>
+          </a:bodyPr>
+          <a:lstStyle/>
+          <a:p>
+            <a:r>
+              <a:rPr lang="nl-NL" sz="1400" i="1" dirty="0" smtClean="0"/>
+              <a:t>Input voor</a:t>
+            </a:r>
+            <a:endParaRPr lang="nl-NL" sz="1400" i="1" dirty="0"/>
+          </a:p>
+        </p:txBody>
+      </p:sp>
+      <p:grpSp>
+        <p:nvGrpSpPr>
+          <p:cNvPr id="5" name="Groep 4"/>
+          <p:cNvGrpSpPr/>
+          <p:nvPr/>
+        </p:nvGrpSpPr>
+        <p:grpSpPr>
+          <a:xfrm>
+            <a:off x="342900" y="2184889"/>
+            <a:ext cx="1968500" cy="1016000"/>
+            <a:chOff x="1193800" y="1003300"/>
+            <a:chExt cx="1968500" cy="1016000"/>
+          </a:xfrm>
+        </p:grpSpPr>
+        <p:sp>
+          <p:nvSpPr>
+            <p:cNvPr id="3" name="Afgeronde rechthoek 2"/>
+            <p:cNvSpPr/>
+            <p:nvPr/>
+          </p:nvSpPr>
+          <p:spPr>
+            <a:xfrm>
+              <a:off x="1193800" y="1003300"/>
+              <a:ext cx="1968500" cy="1016000"/>
+            </a:xfrm>
+            <a:prstGeom prst="roundRect">
+              <a:avLst/>
+            </a:prstGeom>
+          </p:spPr>
+          <p:style>
+            <a:lnRef idx="1">
+              <a:schemeClr val="accent1"/>
+            </a:lnRef>
+            <a:fillRef idx="2">
+              <a:schemeClr val="accent1"/>
+            </a:fillRef>
+            <a:effectRef idx="1">
+              <a:schemeClr val="accent1"/>
+            </a:effectRef>
+            <a:fontRef idx="minor">
+              <a:schemeClr val="dk1"/>
+            </a:fontRef>
+          </p:style>
+          <p:txBody>
+            <a:bodyPr rtlCol="0" anchor="ctr"/>
+            <a:lstStyle/>
+            <a:p>
+              <a:pPr marL="622300" algn="ctr"/>
+              <a:r>
+                <a:rPr lang="nl-NL" dirty="0" smtClean="0"/>
+                <a:t>UML</a:t>
+              </a:r>
+            </a:p>
+            <a:p>
+              <a:pPr marL="622300" algn="ctr"/>
+              <a:r>
+                <a:rPr lang="nl-NL" dirty="0" smtClean="0"/>
+                <a:t>model</a:t>
+              </a:r>
+              <a:endParaRPr lang="nl-NL" dirty="0"/>
+            </a:p>
+          </p:txBody>
+        </p:sp>
+        <p:pic>
+          <p:nvPicPr>
+            <p:cNvPr id="4" name="Afbeelding 3"/>
+            <p:cNvPicPr>
+              <a:picLocks noChangeAspect="1"/>
+            </p:cNvPicPr>
+            <p:nvPr/>
+          </p:nvPicPr>
+          <p:blipFill rotWithShape="1">
+            <a:blip r:embed="rId4" cstate="print">
+              <a:extLst>
+                <a:ext uri="{28A0092B-C50C-407E-A947-70E740481C1C}">
+                  <a14:useLocalDpi xmlns:a14="http://schemas.microsoft.com/office/drawing/2010/main" val="0"/>
+                </a:ext>
+              </a:extLst>
+            </a:blip>
+            <a:srcRect l="44477"/>
+            <a:stretch/>
+          </p:blipFill>
+          <p:spPr>
+            <a:xfrm>
+              <a:off x="1308100" y="1136895"/>
+              <a:ext cx="571500" cy="748810"/>
+            </a:xfrm>
+            <a:prstGeom prst="rect">
+              <a:avLst/>
+            </a:prstGeom>
+          </p:spPr>
+        </p:pic>
+      </p:grpSp>
+    </p:spTree>
+    <p:extLst>
+      <p:ext uri="{BB962C8B-B14F-4D97-AF65-F5344CB8AC3E}">
+        <p14:creationId xmlns:p14="http://schemas.microsoft.com/office/powerpoint/2010/main" val="2622629584"/>
+      </p:ext>
+    </p:extLst>
+  </p:cSld>
+  <p:clrMapOvr>
+    <a:masterClrMapping/>
+  </p:clrMapOvr>
+</p:sld>
+</file>
+
+<file path=ppt/slides/slide16.xml><?xml version="1.0" encoding="utf-8"?>
+<p:sld xmlns:a="http://schemas.openxmlformats.org/drawingml/2006/main" xmlns:r="http://schemas.openxmlformats.org/officeDocument/2006/relationships" xmlns:p="http://schemas.openxmlformats.org/presentationml/2006/main">
+  <p:cSld>
+    <p:spTree>
+      <p:nvGrpSpPr>
+        <p:cNvPr id="1" name=""/>
+        <p:cNvGrpSpPr/>
+        <p:nvPr/>
+      </p:nvGrpSpPr>
+      <p:grpSpPr>
+        <a:xfrm>
+          <a:off x="0" y="0"/>
+          <a:ext cx="0" cy="0"/>
+          <a:chOff x="0" y="0"/>
+          <a:chExt cx="0" cy="0"/>
+        </a:xfrm>
+      </p:grpSpPr>
+    </p:spTree>
+    <p:extLst>
+      <p:ext uri="{BB962C8B-B14F-4D97-AF65-F5344CB8AC3E}">
+        <p14:creationId xmlns:p14="http://schemas.microsoft.com/office/powerpoint/2010/main" val="1307051135"/>
+      </p:ext>
+    </p:extLst>
+  </p:cSld>
+  <p:clrMapOvr>
+    <a:masterClrMapping/>
+  </p:clrMapOvr>
+</p:sld>
+</file>
+
 <file path=ppt/slides/slide2.xml><?xml version="1.0" encoding="utf-8"?>
 <p:sld xmlns:a="http://schemas.openxmlformats.org/drawingml/2006/main" xmlns:r="http://schemas.openxmlformats.org/officeDocument/2006/relationships" xmlns:p="http://schemas.openxmlformats.org/presentationml/2006/main">
   <p:cSld>

--- a/Presentations/NEN3610 SKOS-OWL-SHACL.pptx
+++ b/Presentations/NEN3610 SKOS-OWL-SHACL.pptx
@@ -19,8 +19,9 @@
     <p:sldId id="266" r:id="rId13"/>
     <p:sldId id="268" r:id="rId14"/>
     <p:sldId id="269" r:id="rId15"/>
-    <p:sldId id="271" r:id="rId16"/>
-    <p:sldId id="270" r:id="rId17"/>
+    <p:sldId id="272" r:id="rId16"/>
+    <p:sldId id="271" r:id="rId17"/>
+    <p:sldId id="270" r:id="rId18"/>
   </p:sldIdLst>
   <p:sldSz cx="12192000" cy="6858000"/>
   <p:notesSz cx="6858000" cy="9144000"/>
@@ -169,10 +170,9 @@
           </a:lstStyle>
           <a:p>
             <a:r>
-              <a:rPr lang="nl-NL" smtClean="0"/>
+              <a:rPr lang="nl-NL"/>
               <a:t>Klik om de stijl te bewerken</a:t>
             </a:r>
-            <a:endParaRPr lang="nl-NL"/>
           </a:p>
         </p:txBody>
       </p:sp>
@@ -234,10 +234,9 @@
           </a:lstStyle>
           <a:p>
             <a:r>
-              <a:rPr lang="nl-NL" smtClean="0"/>
+              <a:rPr lang="nl-NL"/>
               <a:t>Klik om de ondertitelstijl van het model te bewerken</a:t>
             </a:r>
-            <a:endParaRPr lang="nl-NL"/>
           </a:p>
         </p:txBody>
       </p:sp>
@@ -258,7 +257,7 @@
           <a:p>
             <a:fld id="{4697C22A-1C99-4004-8458-4C2A2FAB4D26}" type="datetimeFigureOut">
               <a:rPr lang="nl-NL" smtClean="0"/>
-              <a:t>19-4-2018</a:t>
+              <a:t>10-09-19</a:t>
             </a:fld>
             <a:endParaRPr lang="nl-NL"/>
           </a:p>
@@ -352,10 +351,9 @@
           <a:lstStyle/>
           <a:p>
             <a:r>
-              <a:rPr lang="nl-NL" smtClean="0"/>
+              <a:rPr lang="nl-NL"/>
               <a:t>Klik om de stijl te bewerken</a:t>
             </a:r>
-            <a:endParaRPr lang="nl-NL"/>
           </a:p>
         </p:txBody>
       </p:sp>
@@ -376,38 +374,37 @@
           <a:p>
             <a:pPr lvl="0"/>
             <a:r>
-              <a:rPr lang="nl-NL" smtClean="0"/>
+              <a:rPr lang="nl-NL"/>
               <a:t>Klik om de modelstijlen te bewerken</a:t>
             </a:r>
           </a:p>
           <a:p>
             <a:pPr lvl="1"/>
             <a:r>
-              <a:rPr lang="nl-NL" smtClean="0"/>
+              <a:rPr lang="nl-NL"/>
               <a:t>Tweede niveau</a:t>
             </a:r>
           </a:p>
           <a:p>
             <a:pPr lvl="2"/>
             <a:r>
-              <a:rPr lang="nl-NL" smtClean="0"/>
+              <a:rPr lang="nl-NL"/>
               <a:t>Derde niveau</a:t>
             </a:r>
           </a:p>
           <a:p>
             <a:pPr lvl="3"/>
             <a:r>
-              <a:rPr lang="nl-NL" smtClean="0"/>
+              <a:rPr lang="nl-NL"/>
               <a:t>Vierde niveau</a:t>
             </a:r>
           </a:p>
           <a:p>
             <a:pPr lvl="4"/>
             <a:r>
-              <a:rPr lang="nl-NL" smtClean="0"/>
+              <a:rPr lang="nl-NL"/>
               <a:t>Vijfde niveau</a:t>
             </a:r>
-            <a:endParaRPr lang="nl-NL"/>
           </a:p>
         </p:txBody>
       </p:sp>
@@ -428,7 +425,7 @@
           <a:p>
             <a:fld id="{4697C22A-1C99-4004-8458-4C2A2FAB4D26}" type="datetimeFigureOut">
               <a:rPr lang="nl-NL" smtClean="0"/>
-              <a:t>19-4-2018</a:t>
+              <a:t>10-09-19</a:t>
             </a:fld>
             <a:endParaRPr lang="nl-NL"/>
           </a:p>
@@ -527,10 +524,9 @@
           <a:lstStyle/>
           <a:p>
             <a:r>
-              <a:rPr lang="nl-NL" smtClean="0"/>
+              <a:rPr lang="nl-NL"/>
               <a:t>Klik om de stijl te bewerken</a:t>
             </a:r>
-            <a:endParaRPr lang="nl-NL"/>
           </a:p>
         </p:txBody>
       </p:sp>
@@ -556,38 +552,37 @@
           <a:p>
             <a:pPr lvl="0"/>
             <a:r>
-              <a:rPr lang="nl-NL" smtClean="0"/>
+              <a:rPr lang="nl-NL"/>
               <a:t>Klik om de modelstijlen te bewerken</a:t>
             </a:r>
           </a:p>
           <a:p>
             <a:pPr lvl="1"/>
             <a:r>
-              <a:rPr lang="nl-NL" smtClean="0"/>
+              <a:rPr lang="nl-NL"/>
               <a:t>Tweede niveau</a:t>
             </a:r>
           </a:p>
           <a:p>
             <a:pPr lvl="2"/>
             <a:r>
-              <a:rPr lang="nl-NL" smtClean="0"/>
+              <a:rPr lang="nl-NL"/>
               <a:t>Derde niveau</a:t>
             </a:r>
           </a:p>
           <a:p>
             <a:pPr lvl="3"/>
             <a:r>
-              <a:rPr lang="nl-NL" smtClean="0"/>
+              <a:rPr lang="nl-NL"/>
               <a:t>Vierde niveau</a:t>
             </a:r>
           </a:p>
           <a:p>
             <a:pPr lvl="4"/>
             <a:r>
-              <a:rPr lang="nl-NL" smtClean="0"/>
+              <a:rPr lang="nl-NL"/>
               <a:t>Vijfde niveau</a:t>
             </a:r>
-            <a:endParaRPr lang="nl-NL"/>
           </a:p>
         </p:txBody>
       </p:sp>
@@ -608,7 +603,7 @@
           <a:p>
             <a:fld id="{4697C22A-1C99-4004-8458-4C2A2FAB4D26}" type="datetimeFigureOut">
               <a:rPr lang="nl-NL" smtClean="0"/>
-              <a:t>19-4-2018</a:t>
+              <a:t>10-09-19</a:t>
             </a:fld>
             <a:endParaRPr lang="nl-NL"/>
           </a:p>
@@ -702,10 +697,9 @@
           <a:lstStyle/>
           <a:p>
             <a:r>
-              <a:rPr lang="nl-NL" smtClean="0"/>
+              <a:rPr lang="nl-NL"/>
               <a:t>Klik om de stijl te bewerken</a:t>
             </a:r>
-            <a:endParaRPr lang="nl-NL"/>
           </a:p>
         </p:txBody>
       </p:sp>
@@ -726,38 +720,37 @@
           <a:p>
             <a:pPr lvl="0"/>
             <a:r>
-              <a:rPr lang="nl-NL" smtClean="0"/>
+              <a:rPr lang="nl-NL"/>
               <a:t>Klik om de modelstijlen te bewerken</a:t>
             </a:r>
           </a:p>
           <a:p>
             <a:pPr lvl="1"/>
             <a:r>
-              <a:rPr lang="nl-NL" smtClean="0"/>
+              <a:rPr lang="nl-NL"/>
               <a:t>Tweede niveau</a:t>
             </a:r>
           </a:p>
           <a:p>
             <a:pPr lvl="2"/>
             <a:r>
-              <a:rPr lang="nl-NL" smtClean="0"/>
+              <a:rPr lang="nl-NL"/>
               <a:t>Derde niveau</a:t>
             </a:r>
           </a:p>
           <a:p>
             <a:pPr lvl="3"/>
             <a:r>
-              <a:rPr lang="nl-NL" smtClean="0"/>
+              <a:rPr lang="nl-NL"/>
               <a:t>Vierde niveau</a:t>
             </a:r>
           </a:p>
           <a:p>
             <a:pPr lvl="4"/>
             <a:r>
-              <a:rPr lang="nl-NL" smtClean="0"/>
+              <a:rPr lang="nl-NL"/>
               <a:t>Vijfde niveau</a:t>
             </a:r>
-            <a:endParaRPr lang="nl-NL"/>
           </a:p>
         </p:txBody>
       </p:sp>
@@ -778,7 +771,7 @@
           <a:p>
             <a:fld id="{4697C22A-1C99-4004-8458-4C2A2FAB4D26}" type="datetimeFigureOut">
               <a:rPr lang="nl-NL" smtClean="0"/>
-              <a:t>19-4-2018</a:t>
+              <a:t>10-09-19</a:t>
             </a:fld>
             <a:endParaRPr lang="nl-NL"/>
           </a:p>
@@ -881,10 +874,9 @@
           </a:lstStyle>
           <a:p>
             <a:r>
-              <a:rPr lang="nl-NL" smtClean="0"/>
+              <a:rPr lang="nl-NL"/>
               <a:t>Klik om de stijl te bewerken</a:t>
             </a:r>
-            <a:endParaRPr lang="nl-NL"/>
           </a:p>
         </p:txBody>
       </p:sp>
@@ -1001,7 +993,7 @@
           <a:p>
             <a:pPr lvl="0"/>
             <a:r>
-              <a:rPr lang="nl-NL" smtClean="0"/>
+              <a:rPr lang="nl-NL"/>
               <a:t>Klik om de modelstijlen te bewerken</a:t>
             </a:r>
           </a:p>
@@ -1024,7 +1016,7 @@
           <a:p>
             <a:fld id="{4697C22A-1C99-4004-8458-4C2A2FAB4D26}" type="datetimeFigureOut">
               <a:rPr lang="nl-NL" smtClean="0"/>
-              <a:t>19-4-2018</a:t>
+              <a:t>10-09-19</a:t>
             </a:fld>
             <a:endParaRPr lang="nl-NL"/>
           </a:p>
@@ -1118,10 +1110,9 @@
           <a:lstStyle/>
           <a:p>
             <a:r>
-              <a:rPr lang="nl-NL" smtClean="0"/>
+              <a:rPr lang="nl-NL"/>
               <a:t>Klik om de stijl te bewerken</a:t>
             </a:r>
-            <a:endParaRPr lang="nl-NL"/>
           </a:p>
         </p:txBody>
       </p:sp>
@@ -1147,38 +1138,37 @@
           <a:p>
             <a:pPr lvl="0"/>
             <a:r>
-              <a:rPr lang="nl-NL" smtClean="0"/>
+              <a:rPr lang="nl-NL"/>
               <a:t>Klik om de modelstijlen te bewerken</a:t>
             </a:r>
           </a:p>
           <a:p>
             <a:pPr lvl="1"/>
             <a:r>
-              <a:rPr lang="nl-NL" smtClean="0"/>
+              <a:rPr lang="nl-NL"/>
               <a:t>Tweede niveau</a:t>
             </a:r>
           </a:p>
           <a:p>
             <a:pPr lvl="2"/>
             <a:r>
-              <a:rPr lang="nl-NL" smtClean="0"/>
+              <a:rPr lang="nl-NL"/>
               <a:t>Derde niveau</a:t>
             </a:r>
           </a:p>
           <a:p>
             <a:pPr lvl="3"/>
             <a:r>
-              <a:rPr lang="nl-NL" smtClean="0"/>
+              <a:rPr lang="nl-NL"/>
               <a:t>Vierde niveau</a:t>
             </a:r>
           </a:p>
           <a:p>
             <a:pPr lvl="4"/>
             <a:r>
-              <a:rPr lang="nl-NL" smtClean="0"/>
+              <a:rPr lang="nl-NL"/>
               <a:t>Vijfde niveau</a:t>
             </a:r>
-            <a:endParaRPr lang="nl-NL"/>
           </a:p>
         </p:txBody>
       </p:sp>
@@ -1204,38 +1194,37 @@
           <a:p>
             <a:pPr lvl="0"/>
             <a:r>
-              <a:rPr lang="nl-NL" smtClean="0"/>
+              <a:rPr lang="nl-NL"/>
               <a:t>Klik om de modelstijlen te bewerken</a:t>
             </a:r>
           </a:p>
           <a:p>
             <a:pPr lvl="1"/>
             <a:r>
-              <a:rPr lang="nl-NL" smtClean="0"/>
+              <a:rPr lang="nl-NL"/>
               <a:t>Tweede niveau</a:t>
             </a:r>
           </a:p>
           <a:p>
             <a:pPr lvl="2"/>
             <a:r>
-              <a:rPr lang="nl-NL" smtClean="0"/>
+              <a:rPr lang="nl-NL"/>
               <a:t>Derde niveau</a:t>
             </a:r>
           </a:p>
           <a:p>
             <a:pPr lvl="3"/>
             <a:r>
-              <a:rPr lang="nl-NL" smtClean="0"/>
+              <a:rPr lang="nl-NL"/>
               <a:t>Vierde niveau</a:t>
             </a:r>
           </a:p>
           <a:p>
             <a:pPr lvl="4"/>
             <a:r>
-              <a:rPr lang="nl-NL" smtClean="0"/>
+              <a:rPr lang="nl-NL"/>
               <a:t>Vijfde niveau</a:t>
             </a:r>
-            <a:endParaRPr lang="nl-NL"/>
           </a:p>
         </p:txBody>
       </p:sp>
@@ -1256,7 +1245,7 @@
           <a:p>
             <a:fld id="{4697C22A-1C99-4004-8458-4C2A2FAB4D26}" type="datetimeFigureOut">
               <a:rPr lang="nl-NL" smtClean="0"/>
-              <a:t>19-4-2018</a:t>
+              <a:t>10-09-19</a:t>
             </a:fld>
             <a:endParaRPr lang="nl-NL"/>
           </a:p>
@@ -1355,10 +1344,9 @@
           <a:lstStyle/>
           <a:p>
             <a:r>
-              <a:rPr lang="nl-NL" smtClean="0"/>
+              <a:rPr lang="nl-NL"/>
               <a:t>Klik om de stijl te bewerken</a:t>
             </a:r>
-            <a:endParaRPr lang="nl-NL"/>
           </a:p>
         </p:txBody>
       </p:sp>
@@ -1421,7 +1409,7 @@
           <a:p>
             <a:pPr lvl="0"/>
             <a:r>
-              <a:rPr lang="nl-NL" smtClean="0"/>
+              <a:rPr lang="nl-NL"/>
               <a:t>Klik om de modelstijlen te bewerken</a:t>
             </a:r>
           </a:p>
@@ -1449,38 +1437,37 @@
           <a:p>
             <a:pPr lvl="0"/>
             <a:r>
-              <a:rPr lang="nl-NL" smtClean="0"/>
+              <a:rPr lang="nl-NL"/>
               <a:t>Klik om de modelstijlen te bewerken</a:t>
             </a:r>
           </a:p>
           <a:p>
             <a:pPr lvl="1"/>
             <a:r>
-              <a:rPr lang="nl-NL" smtClean="0"/>
+              <a:rPr lang="nl-NL"/>
               <a:t>Tweede niveau</a:t>
             </a:r>
           </a:p>
           <a:p>
             <a:pPr lvl="2"/>
             <a:r>
-              <a:rPr lang="nl-NL" smtClean="0"/>
+              <a:rPr lang="nl-NL"/>
               <a:t>Derde niveau</a:t>
             </a:r>
           </a:p>
           <a:p>
             <a:pPr lvl="3"/>
             <a:r>
-              <a:rPr lang="nl-NL" smtClean="0"/>
+              <a:rPr lang="nl-NL"/>
               <a:t>Vierde niveau</a:t>
             </a:r>
           </a:p>
           <a:p>
             <a:pPr lvl="4"/>
             <a:r>
-              <a:rPr lang="nl-NL" smtClean="0"/>
+              <a:rPr lang="nl-NL"/>
               <a:t>Vijfde niveau</a:t>
             </a:r>
-            <a:endParaRPr lang="nl-NL"/>
           </a:p>
         </p:txBody>
       </p:sp>
@@ -1543,7 +1530,7 @@
           <a:p>
             <a:pPr lvl="0"/>
             <a:r>
-              <a:rPr lang="nl-NL" smtClean="0"/>
+              <a:rPr lang="nl-NL"/>
               <a:t>Klik om de modelstijlen te bewerken</a:t>
             </a:r>
           </a:p>
@@ -1571,38 +1558,37 @@
           <a:p>
             <a:pPr lvl="0"/>
             <a:r>
-              <a:rPr lang="nl-NL" smtClean="0"/>
+              <a:rPr lang="nl-NL"/>
               <a:t>Klik om de modelstijlen te bewerken</a:t>
             </a:r>
           </a:p>
           <a:p>
             <a:pPr lvl="1"/>
             <a:r>
-              <a:rPr lang="nl-NL" smtClean="0"/>
+              <a:rPr lang="nl-NL"/>
               <a:t>Tweede niveau</a:t>
             </a:r>
           </a:p>
           <a:p>
             <a:pPr lvl="2"/>
             <a:r>
-              <a:rPr lang="nl-NL" smtClean="0"/>
+              <a:rPr lang="nl-NL"/>
               <a:t>Derde niveau</a:t>
             </a:r>
           </a:p>
           <a:p>
             <a:pPr lvl="3"/>
             <a:r>
-              <a:rPr lang="nl-NL" smtClean="0"/>
+              <a:rPr lang="nl-NL"/>
               <a:t>Vierde niveau</a:t>
             </a:r>
           </a:p>
           <a:p>
             <a:pPr lvl="4"/>
             <a:r>
-              <a:rPr lang="nl-NL" smtClean="0"/>
+              <a:rPr lang="nl-NL"/>
               <a:t>Vijfde niveau</a:t>
             </a:r>
-            <a:endParaRPr lang="nl-NL"/>
           </a:p>
         </p:txBody>
       </p:sp>
@@ -1623,7 +1609,7 @@
           <a:p>
             <a:fld id="{4697C22A-1C99-4004-8458-4C2A2FAB4D26}" type="datetimeFigureOut">
               <a:rPr lang="nl-NL" smtClean="0"/>
-              <a:t>19-4-2018</a:t>
+              <a:t>10-09-19</a:t>
             </a:fld>
             <a:endParaRPr lang="nl-NL"/>
           </a:p>
@@ -1717,10 +1703,9 @@
           <a:lstStyle/>
           <a:p>
             <a:r>
-              <a:rPr lang="nl-NL" smtClean="0"/>
+              <a:rPr lang="nl-NL"/>
               <a:t>Klik om de stijl te bewerken</a:t>
             </a:r>
-            <a:endParaRPr lang="nl-NL"/>
           </a:p>
         </p:txBody>
       </p:sp>
@@ -1741,7 +1726,7 @@
           <a:p>
             <a:fld id="{4697C22A-1C99-4004-8458-4C2A2FAB4D26}" type="datetimeFigureOut">
               <a:rPr lang="nl-NL" smtClean="0"/>
-              <a:t>19-4-2018</a:t>
+              <a:t>10-09-19</a:t>
             </a:fld>
             <a:endParaRPr lang="nl-NL"/>
           </a:p>
@@ -1836,7 +1821,7 @@
           <a:p>
             <a:fld id="{4697C22A-1C99-4004-8458-4C2A2FAB4D26}" type="datetimeFigureOut">
               <a:rPr lang="nl-NL" smtClean="0"/>
-              <a:t>19-4-2018</a:t>
+              <a:t>10-09-19</a:t>
             </a:fld>
             <a:endParaRPr lang="nl-NL"/>
           </a:p>
@@ -1939,10 +1924,9 @@
           </a:lstStyle>
           <a:p>
             <a:r>
-              <a:rPr lang="nl-NL" smtClean="0"/>
+              <a:rPr lang="nl-NL"/>
               <a:t>Klik om de stijl te bewerken</a:t>
             </a:r>
-            <a:endParaRPr lang="nl-NL"/>
           </a:p>
         </p:txBody>
       </p:sp>
@@ -1996,38 +1980,37 @@
           <a:p>
             <a:pPr lvl="0"/>
             <a:r>
-              <a:rPr lang="nl-NL" smtClean="0"/>
+              <a:rPr lang="nl-NL"/>
               <a:t>Klik om de modelstijlen te bewerken</a:t>
             </a:r>
           </a:p>
           <a:p>
             <a:pPr lvl="1"/>
             <a:r>
-              <a:rPr lang="nl-NL" smtClean="0"/>
+              <a:rPr lang="nl-NL"/>
               <a:t>Tweede niveau</a:t>
             </a:r>
           </a:p>
           <a:p>
             <a:pPr lvl="2"/>
             <a:r>
-              <a:rPr lang="nl-NL" smtClean="0"/>
+              <a:rPr lang="nl-NL"/>
               <a:t>Derde niveau</a:t>
             </a:r>
           </a:p>
           <a:p>
             <a:pPr lvl="3"/>
             <a:r>
-              <a:rPr lang="nl-NL" smtClean="0"/>
+              <a:rPr lang="nl-NL"/>
               <a:t>Vierde niveau</a:t>
             </a:r>
           </a:p>
           <a:p>
             <a:pPr lvl="4"/>
             <a:r>
-              <a:rPr lang="nl-NL" smtClean="0"/>
+              <a:rPr lang="nl-NL"/>
               <a:t>Vijfde niveau</a:t>
             </a:r>
-            <a:endParaRPr lang="nl-NL"/>
           </a:p>
         </p:txBody>
       </p:sp>
@@ -2090,7 +2073,7 @@
           <a:p>
             <a:pPr lvl="0"/>
             <a:r>
-              <a:rPr lang="nl-NL" smtClean="0"/>
+              <a:rPr lang="nl-NL"/>
               <a:t>Klik om de modelstijlen te bewerken</a:t>
             </a:r>
           </a:p>
@@ -2113,7 +2096,7 @@
           <a:p>
             <a:fld id="{4697C22A-1C99-4004-8458-4C2A2FAB4D26}" type="datetimeFigureOut">
               <a:rPr lang="nl-NL" smtClean="0"/>
-              <a:t>19-4-2018</a:t>
+              <a:t>10-09-19</a:t>
             </a:fld>
             <a:endParaRPr lang="nl-NL"/>
           </a:p>
@@ -2216,10 +2199,9 @@
           </a:lstStyle>
           <a:p>
             <a:r>
-              <a:rPr lang="nl-NL" smtClean="0"/>
+              <a:rPr lang="nl-NL"/>
               <a:t>Klik om de stijl te bewerken</a:t>
             </a:r>
-            <a:endParaRPr lang="nl-NL"/>
           </a:p>
         </p:txBody>
       </p:sp>
@@ -2343,7 +2325,7 @@
           <a:p>
             <a:pPr lvl="0"/>
             <a:r>
-              <a:rPr lang="nl-NL" smtClean="0"/>
+              <a:rPr lang="nl-NL"/>
               <a:t>Klik om de modelstijlen te bewerken</a:t>
             </a:r>
           </a:p>
@@ -2366,7 +2348,7 @@
           <a:p>
             <a:fld id="{4697C22A-1C99-4004-8458-4C2A2FAB4D26}" type="datetimeFigureOut">
               <a:rPr lang="nl-NL" smtClean="0"/>
-              <a:t>19-4-2018</a:t>
+              <a:t>10-09-19</a:t>
             </a:fld>
             <a:endParaRPr lang="nl-NL"/>
           </a:p>
@@ -2475,10 +2457,9 @@
           <a:lstStyle/>
           <a:p>
             <a:r>
-              <a:rPr lang="nl-NL" smtClean="0"/>
+              <a:rPr lang="nl-NL"/>
               <a:t>Klik om de stijl te bewerken</a:t>
             </a:r>
-            <a:endParaRPr lang="nl-NL"/>
           </a:p>
         </p:txBody>
       </p:sp>
@@ -2509,38 +2490,37 @@
           <a:p>
             <a:pPr lvl="0"/>
             <a:r>
-              <a:rPr lang="nl-NL" smtClean="0"/>
+              <a:rPr lang="nl-NL"/>
               <a:t>Klik om de modelstijlen te bewerken</a:t>
             </a:r>
           </a:p>
           <a:p>
             <a:pPr lvl="1"/>
             <a:r>
-              <a:rPr lang="nl-NL" smtClean="0"/>
+              <a:rPr lang="nl-NL"/>
               <a:t>Tweede niveau</a:t>
             </a:r>
           </a:p>
           <a:p>
             <a:pPr lvl="2"/>
             <a:r>
-              <a:rPr lang="nl-NL" smtClean="0"/>
+              <a:rPr lang="nl-NL"/>
               <a:t>Derde niveau</a:t>
             </a:r>
           </a:p>
           <a:p>
             <a:pPr lvl="3"/>
             <a:r>
-              <a:rPr lang="nl-NL" smtClean="0"/>
+              <a:rPr lang="nl-NL"/>
               <a:t>Vierde niveau</a:t>
             </a:r>
           </a:p>
           <a:p>
             <a:pPr lvl="4"/>
             <a:r>
-              <a:rPr lang="nl-NL" smtClean="0"/>
+              <a:rPr lang="nl-NL"/>
               <a:t>Vijfde niveau</a:t>
             </a:r>
-            <a:endParaRPr lang="nl-NL"/>
           </a:p>
         </p:txBody>
       </p:sp>
@@ -2579,7 +2559,7 @@
           <a:p>
             <a:fld id="{4697C22A-1C99-4004-8458-4C2A2FAB4D26}" type="datetimeFigureOut">
               <a:rPr lang="nl-NL" smtClean="0"/>
-              <a:t>19-4-2018</a:t>
+              <a:t>10-09-19</a:t>
             </a:fld>
             <a:endParaRPr lang="nl-NL"/>
           </a:p>
@@ -3000,10 +2980,9 @@
           <a:lstStyle/>
           <a:p>
             <a:r>
-              <a:rPr lang="nl-NL" dirty="0" smtClean="0"/>
+              <a:rPr lang="nl-NL" dirty="0"/>
               <a:t>NEN3610:2011</a:t>
             </a:r>
-            <a:endParaRPr lang="nl-NL" dirty="0"/>
           </a:p>
         </p:txBody>
       </p:sp>
@@ -3023,18 +3002,17 @@
           <a:lstStyle/>
           <a:p>
             <a:r>
-              <a:rPr lang="nl-NL" dirty="0" smtClean="0"/>
+              <a:rPr lang="nl-NL" dirty="0"/>
               <a:t>in </a:t>
             </a:r>
             <a:r>
-              <a:rPr lang="nl-NL" dirty="0" err="1" smtClean="0"/>
+              <a:rPr lang="nl-NL" dirty="0" err="1"/>
               <a:t>Linked</a:t>
             </a:r>
             <a:r>
-              <a:rPr lang="nl-NL" dirty="0" smtClean="0"/>
+              <a:rPr lang="nl-NL" dirty="0"/>
               <a:t> Data</a:t>
             </a:r>
-            <a:endParaRPr lang="nl-NL" dirty="0"/>
           </a:p>
         </p:txBody>
       </p:sp>
@@ -3048,13 +3026,6 @@
   <p:clrMapOvr>
     <a:masterClrMapping/>
   </p:clrMapOvr>
-  <p:timing>
-    <p:tnLst>
-      <p:par>
-        <p:cTn id="1" dur="indefinite" restart="never" nodeType="tmRoot"/>
-      </p:par>
-    </p:tnLst>
-  </p:timing>
 </p:sld>
 </file>
 
@@ -3117,14 +3088,13 @@
           <a:p>
             <a:pPr algn="ctr"/>
             <a:r>
-              <a:rPr lang="nl-NL" dirty="0" err="1" smtClean="0"/>
+              <a:rPr lang="nl-NL" dirty="0" err="1"/>
               <a:t>Geo</a:t>
             </a:r>
             <a:r>
-              <a:rPr lang="nl-NL" dirty="0" smtClean="0"/>
+              <a:rPr lang="nl-NL" dirty="0"/>
               <a:t>-object</a:t>
             </a:r>
-            <a:endParaRPr lang="nl-NL" dirty="0"/>
           </a:p>
         </p:txBody>
       </p:sp>
@@ -3165,7 +3135,7 @@
           <a:p>
             <a:pPr algn="ctr"/>
             <a:r>
-              <a:rPr lang="nl-NL" dirty="0" err="1" smtClean="0"/>
+              <a:rPr lang="nl-NL" dirty="0" err="1"/>
               <a:t>GeoObject</a:t>
             </a:r>
             <a:endParaRPr lang="nl-NL" dirty="0"/>
@@ -3209,7 +3179,7 @@
           <a:p>
             <a:pPr algn="ctr"/>
             <a:r>
-              <a:rPr lang="nl-NL" dirty="0" err="1" smtClean="0"/>
+              <a:rPr lang="nl-NL" dirty="0" err="1"/>
               <a:t>beginGeldigheid</a:t>
             </a:r>
             <a:endParaRPr lang="nl-NL" dirty="0"/>
@@ -3253,10 +3223,9 @@
           <a:p>
             <a:pPr algn="ctr"/>
             <a:r>
-              <a:rPr lang="nl-NL" dirty="0" smtClean="0"/>
+              <a:rPr lang="nl-NL" dirty="0"/>
               <a:t>identificatie</a:t>
             </a:r>
-            <a:endParaRPr lang="nl-NL" dirty="0"/>
           </a:p>
         </p:txBody>
       </p:sp>
@@ -3300,15 +3269,15 @@
           <a:p>
             <a:pPr algn="ctr"/>
             <a:r>
-              <a:rPr lang="nl-NL" dirty="0" err="1" smtClean="0"/>
+              <a:rPr lang="nl-NL" dirty="0" err="1"/>
               <a:t>GeoObject</a:t>
             </a:r>
-            <a:endParaRPr lang="nl-NL" dirty="0" smtClean="0"/>
+            <a:endParaRPr lang="nl-NL" dirty="0"/>
           </a:p>
           <a:p>
             <a:pPr algn="ctr"/>
             <a:r>
-              <a:rPr lang="nl-NL" dirty="0" err="1" smtClean="0"/>
+              <a:rPr lang="nl-NL" dirty="0" err="1"/>
               <a:t>constraints</a:t>
             </a:r>
             <a:endParaRPr lang="nl-NL" dirty="0"/>
@@ -3355,14 +3324,14 @@
           <a:p>
             <a:pPr algn="ctr"/>
             <a:r>
-              <a:rPr lang="nl-NL" dirty="0" smtClean="0"/>
+              <a:rPr lang="nl-NL" dirty="0"/>
               <a:t>identificatie</a:t>
             </a:r>
           </a:p>
           <a:p>
             <a:pPr algn="ctr"/>
             <a:r>
-              <a:rPr lang="nl-NL" dirty="0" err="1" smtClean="0"/>
+              <a:rPr lang="nl-NL" dirty="0" err="1"/>
               <a:t>constraints</a:t>
             </a:r>
             <a:endParaRPr lang="nl-NL" dirty="0"/>
@@ -3459,21 +3428,20 @@
           <a:p>
             <a:pPr algn="ctr"/>
             <a:r>
-              <a:rPr lang="nl-NL" dirty="0" smtClean="0"/>
+              <a:rPr lang="nl-NL" dirty="0"/>
               <a:t>Lijst van</a:t>
             </a:r>
           </a:p>
           <a:p>
             <a:pPr algn="ctr"/>
             <a:r>
-              <a:rPr lang="nl-NL" dirty="0" err="1" smtClean="0"/>
+              <a:rPr lang="nl-NL" dirty="0" err="1"/>
               <a:t>Geo</a:t>
             </a:r>
             <a:r>
-              <a:rPr lang="nl-NL" dirty="0" smtClean="0"/>
+              <a:rPr lang="nl-NL" dirty="0"/>
               <a:t>-objecttypen</a:t>
             </a:r>
-            <a:endParaRPr lang="nl-NL" dirty="0"/>
           </a:p>
         </p:txBody>
       </p:sp>
@@ -3519,10 +3487,9 @@
           <a:p>
             <a:pPr algn="ctr"/>
             <a:r>
-              <a:rPr lang="nl-NL" dirty="0" smtClean="0"/>
+              <a:rPr lang="nl-NL" dirty="0"/>
               <a:t>NEN3610:2011</a:t>
             </a:r>
-            <a:endParaRPr lang="nl-NL" dirty="0"/>
           </a:p>
         </p:txBody>
       </p:sp>
@@ -3566,17 +3533,16 @@
           <a:p>
             <a:pPr algn="ctr"/>
             <a:r>
-              <a:rPr lang="nl-NL" dirty="0" smtClean="0"/>
+              <a:rPr lang="nl-NL" dirty="0"/>
               <a:t>OLV Toren</a:t>
             </a:r>
           </a:p>
           <a:p>
             <a:pPr algn="ctr"/>
             <a:r>
-              <a:rPr lang="nl-NL" dirty="0" smtClean="0"/>
+              <a:rPr lang="nl-NL" dirty="0"/>
               <a:t>beschrijving</a:t>
             </a:r>
-            <a:endParaRPr lang="nl-NL" dirty="0"/>
           </a:p>
         </p:txBody>
       </p:sp>
@@ -3639,7 +3605,7 @@
           <a:lstStyle/>
           <a:p>
             <a:r>
-              <a:rPr lang="nl-NL" dirty="0" err="1" smtClean="0"/>
+              <a:rPr lang="nl-NL" dirty="0" err="1"/>
               <a:t>wdrs:describedby</a:t>
             </a:r>
             <a:endParaRPr lang="nl-NL" dirty="0"/>
@@ -3683,10 +3649,9 @@
           <a:p>
             <a:pPr algn="ctr"/>
             <a:r>
-              <a:rPr lang="nl-NL" dirty="0" smtClean="0"/>
+              <a:rPr lang="nl-NL" dirty="0"/>
               <a:t>NEN3610:2011</a:t>
             </a:r>
-            <a:endParaRPr lang="nl-NL" dirty="0"/>
           </a:p>
         </p:txBody>
       </p:sp>
@@ -3730,18 +3695,13 @@
           <a:p>
             <a:pPr algn="ctr"/>
             <a:r>
-              <a:rPr lang="nl-NL" dirty="0" smtClean="0">
+              <a:rPr lang="nl-NL" dirty="0">
                 <a:solidFill>
                   <a:srgbClr val="002060"/>
                 </a:solidFill>
               </a:rPr>
               <a:t>OLV Toren</a:t>
             </a:r>
-            <a:endParaRPr lang="nl-NL" dirty="0">
-              <a:solidFill>
-                <a:srgbClr val="002060"/>
-              </a:solidFill>
-            </a:endParaRPr>
           </a:p>
         </p:txBody>
       </p:sp>
@@ -3804,7 +3764,7 @@
           <a:lstStyle/>
           <a:p>
             <a:r>
-              <a:rPr lang="nl-NL" dirty="0" err="1" smtClean="0"/>
+              <a:rPr lang="nl-NL" dirty="0" err="1"/>
               <a:t>rdf:type</a:t>
             </a:r>
             <a:endParaRPr lang="nl-NL" dirty="0"/>
@@ -3942,7 +3902,7 @@
           <a:lstStyle/>
           <a:p>
             <a:r>
-              <a:rPr lang="nl-NL" dirty="0" err="1" smtClean="0"/>
+              <a:rPr lang="nl-NL" dirty="0" err="1"/>
               <a:t>rdfs:isDefinedBy</a:t>
             </a:r>
             <a:endParaRPr lang="nl-NL" dirty="0"/>
@@ -4044,7 +4004,7 @@
           <a:lstStyle/>
           <a:p>
             <a:r>
-              <a:rPr lang="nl-NL" dirty="0" err="1" smtClean="0"/>
+              <a:rPr lang="nl-NL" dirty="0" err="1"/>
               <a:t>sh:path</a:t>
             </a:r>
             <a:endParaRPr lang="nl-NL" dirty="0"/>
@@ -4110,7 +4070,7 @@
           <a:lstStyle/>
           <a:p>
             <a:r>
-              <a:rPr lang="nl-NL" dirty="0" err="1" smtClean="0"/>
+              <a:rPr lang="nl-NL" dirty="0" err="1"/>
               <a:t>sh:property</a:t>
             </a:r>
             <a:endParaRPr lang="nl-NL" dirty="0"/>
@@ -4176,7 +4136,7 @@
           <a:lstStyle/>
           <a:p>
             <a:r>
-              <a:rPr lang="nl-NL" dirty="0" err="1" smtClean="0"/>
+              <a:rPr lang="nl-NL" dirty="0" err="1"/>
               <a:t>sh:targetClass</a:t>
             </a:r>
             <a:endParaRPr lang="nl-NL" dirty="0"/>
@@ -4243,11 +4203,7 @@
           <a:p>
             <a:r>
               <a:rPr lang="nl-NL" dirty="0" err="1"/>
-              <a:t>d</a:t>
-            </a:r>
-            <a:r>
-              <a:rPr lang="nl-NL" dirty="0" err="1" smtClean="0"/>
-              <a:t>c:subject</a:t>
+              <a:t>dc:subject</a:t>
             </a:r>
             <a:endParaRPr lang="nl-NL" dirty="0"/>
           </a:p>
@@ -4312,7 +4268,7 @@
           <a:lstStyle/>
           <a:p>
             <a:r>
-              <a:rPr lang="nl-NL" dirty="0" err="1" smtClean="0"/>
+              <a:rPr lang="nl-NL" dirty="0" err="1"/>
               <a:t>skos:inScheme</a:t>
             </a:r>
             <a:endParaRPr lang="nl-NL" dirty="0"/>
@@ -4378,7 +4334,7 @@
           <a:lstStyle/>
           <a:p>
             <a:r>
-              <a:rPr lang="nl-NL" dirty="0" err="1" smtClean="0"/>
+              <a:rPr lang="nl-NL" dirty="0" err="1"/>
               <a:t>skos:member</a:t>
             </a:r>
             <a:endParaRPr lang="nl-NL" dirty="0"/>
@@ -4444,7 +4400,7 @@
           <a:lstStyle/>
           <a:p>
             <a:r>
-              <a:rPr lang="nl-NL" dirty="0" err="1" smtClean="0"/>
+              <a:rPr lang="nl-NL" dirty="0" err="1"/>
               <a:t>dc:source</a:t>
             </a:r>
             <a:endParaRPr lang="nl-NL" dirty="0"/>
@@ -4474,16 +4430,15 @@
           <a:lstStyle/>
           <a:p>
             <a:r>
-              <a:rPr lang="nl-NL" dirty="0" smtClean="0"/>
+              <a:rPr lang="nl-NL" dirty="0"/>
               <a:t>Voorbeeldinvulling</a:t>
             </a:r>
           </a:p>
           <a:p>
             <a:r>
-              <a:rPr lang="nl-NL" dirty="0" smtClean="0"/>
+              <a:rPr lang="nl-NL" dirty="0"/>
               <a:t>Metamodel</a:t>
             </a:r>
-            <a:endParaRPr lang="nl-NL" dirty="0"/>
           </a:p>
         </p:txBody>
       </p:sp>
@@ -4497,13 +4452,6 @@
   <p:clrMapOvr>
     <a:masterClrMapping/>
   </p:clrMapOvr>
-  <p:timing>
-    <p:tnLst>
-      <p:par>
-        <p:cTn id="1" dur="indefinite" restart="never" nodeType="tmRoot"/>
-      </p:par>
-    </p:tnLst>
-  </p:timing>
 </p:sld>
 </file>
 
@@ -4564,7 +4512,7 @@
           <a:p>
             <a:pPr algn="ctr"/>
             <a:r>
-              <a:rPr lang="nl-NL" dirty="0" err="1" smtClean="0"/>
+              <a:rPr lang="nl-NL" dirty="0" err="1"/>
               <a:t>UoD</a:t>
             </a:r>
             <a:endParaRPr lang="nl-NL" dirty="0"/>
@@ -4608,7 +4556,7 @@
           <a:p>
             <a:pPr algn="ctr"/>
             <a:r>
-              <a:rPr lang="nl-NL" dirty="0" smtClean="0"/>
+              <a:rPr lang="nl-NL" dirty="0"/>
               <a:t>Correct model</a:t>
             </a:r>
           </a:p>
@@ -4651,7 +4599,7 @@
           <a:p>
             <a:pPr algn="ctr"/>
             <a:r>
-              <a:rPr lang="nl-NL" dirty="0" smtClean="0"/>
+              <a:rPr lang="nl-NL" dirty="0"/>
               <a:t>Juist model</a:t>
             </a:r>
           </a:p>
@@ -4694,14 +4642,14 @@
           <a:p>
             <a:pPr algn="ctr"/>
             <a:r>
-              <a:rPr lang="nl-NL" dirty="0" smtClean="0"/>
+              <a:rPr lang="nl-NL" dirty="0"/>
               <a:t>Correct &amp;</a:t>
             </a:r>
           </a:p>
           <a:p>
             <a:pPr algn="ctr"/>
             <a:r>
-              <a:rPr lang="nl-NL" dirty="0" smtClean="0"/>
+              <a:rPr lang="nl-NL" dirty="0"/>
               <a:t>Juist model</a:t>
             </a:r>
           </a:p>
@@ -4744,17 +4692,17 @@
           <a:p>
             <a:pPr algn="ctr"/>
             <a:r>
-              <a:rPr lang="nl-NL" dirty="0" smtClean="0"/>
+              <a:rPr lang="nl-NL" dirty="0"/>
               <a:t>Model</a:t>
             </a:r>
           </a:p>
           <a:p>
             <a:pPr algn="ctr"/>
             <a:r>
-              <a:rPr lang="nl-NL" dirty="0" err="1" smtClean="0"/>
+              <a:rPr lang="nl-NL" dirty="0" err="1"/>
               <a:t>constraints</a:t>
             </a:r>
-            <a:endParaRPr lang="nl-NL" dirty="0" smtClean="0"/>
+            <a:endParaRPr lang="nl-NL" dirty="0"/>
           </a:p>
         </p:txBody>
       </p:sp>
@@ -4817,10 +4765,9 @@
           <a:lstStyle/>
           <a:p>
             <a:r>
-              <a:rPr lang="nl-NL" dirty="0" smtClean="0"/>
+              <a:rPr lang="nl-NL" dirty="0"/>
               <a:t>voldoet aan</a:t>
             </a:r>
-            <a:endParaRPr lang="nl-NL" dirty="0"/>
           </a:p>
         </p:txBody>
       </p:sp>
@@ -4931,10 +4878,9 @@
           <a:lstStyle/>
           <a:p>
             <a:r>
-              <a:rPr lang="nl-NL" dirty="0" smtClean="0"/>
+              <a:rPr lang="nl-NL" dirty="0"/>
               <a:t>Goede afbeelding van</a:t>
             </a:r>
-            <a:endParaRPr lang="nl-NL" dirty="0"/>
           </a:p>
         </p:txBody>
       </p:sp>
@@ -5032,10 +4978,9 @@
           <a:lstStyle/>
           <a:p>
             <a:r>
-              <a:rPr lang="nl-NL" dirty="0" smtClean="0"/>
+              <a:rPr lang="nl-NL" dirty="0"/>
               <a:t>voldoet aan</a:t>
             </a:r>
-            <a:endParaRPr lang="nl-NL" dirty="0"/>
           </a:p>
         </p:txBody>
       </p:sp>
@@ -5063,30 +5008,29 @@
           <a:p>
             <a:pPr marL="723900" indent="-723900"/>
             <a:r>
-              <a:rPr lang="nl-NL" dirty="0" smtClean="0"/>
+              <a:rPr lang="nl-NL" dirty="0"/>
               <a:t>Correct	= het model voldoet aan de </a:t>
             </a:r>
             <a:r>
-              <a:rPr lang="nl-NL" dirty="0" err="1" smtClean="0"/>
+              <a:rPr lang="nl-NL" dirty="0" err="1"/>
               <a:t>constraintregels</a:t>
             </a:r>
-            <a:endParaRPr lang="nl-NL" dirty="0" smtClean="0"/>
+            <a:endParaRPr lang="nl-NL" dirty="0"/>
           </a:p>
           <a:p>
             <a:pPr marL="723900" indent="-723900"/>
             <a:r>
-              <a:rPr lang="nl-NL" dirty="0" smtClean="0"/>
+              <a:rPr lang="nl-NL" dirty="0"/>
               <a:t>Juist	= het model is (semantisch gezien) een goede afbeelding van de </a:t>
             </a:r>
             <a:r>
-              <a:rPr lang="nl-NL" dirty="0" err="1" smtClean="0"/>
+              <a:rPr lang="nl-NL" dirty="0" err="1"/>
               <a:t>Universe</a:t>
             </a:r>
             <a:r>
-              <a:rPr lang="nl-NL" dirty="0" smtClean="0"/>
+              <a:rPr lang="nl-NL" dirty="0"/>
               <a:t> of Discourse</a:t>
             </a:r>
-            <a:endParaRPr lang="nl-NL" dirty="0"/>
           </a:p>
         </p:txBody>
       </p:sp>
@@ -5157,10 +5101,9 @@
           <a:p>
             <a:pPr algn="ctr"/>
             <a:r>
-              <a:rPr lang="nl-NL" dirty="0" smtClean="0"/>
+              <a:rPr lang="nl-NL" dirty="0"/>
               <a:t>UML</a:t>
             </a:r>
-            <a:endParaRPr lang="nl-NL" dirty="0"/>
           </a:p>
         </p:txBody>
       </p:sp>
@@ -5201,10 +5144,9 @@
           <a:p>
             <a:pPr algn="ctr"/>
             <a:r>
-              <a:rPr lang="nl-NL" dirty="0" smtClean="0"/>
+              <a:rPr lang="nl-NL" dirty="0"/>
               <a:t>RDF</a:t>
             </a:r>
-            <a:endParaRPr lang="nl-NL" dirty="0"/>
           </a:p>
         </p:txBody>
       </p:sp>
@@ -5281,10 +5223,9 @@
           <a:p>
             <a:pPr algn="ctr"/>
             <a:r>
-              <a:rPr lang="nl-NL" dirty="0" smtClean="0"/>
+              <a:rPr lang="nl-NL" dirty="0"/>
               <a:t>RDF model</a:t>
             </a:r>
-            <a:endParaRPr lang="nl-NL" dirty="0"/>
           </a:p>
         </p:txBody>
       </p:sp>
@@ -5311,10 +5252,9 @@
           <a:lstStyle/>
           <a:p>
             <a:r>
-              <a:rPr lang="nl-NL" dirty="0" smtClean="0"/>
+              <a:rPr lang="nl-NL" dirty="0"/>
               <a:t>Correct model</a:t>
             </a:r>
-            <a:endParaRPr lang="nl-NL" dirty="0"/>
           </a:p>
         </p:txBody>
       </p:sp>
@@ -5355,18 +5295,17 @@
           <a:p>
             <a:pPr algn="ctr"/>
             <a:r>
-              <a:rPr lang="nl-NL" dirty="0" err="1" smtClean="0"/>
+              <a:rPr lang="nl-NL" dirty="0" err="1"/>
               <a:t>ShapeGraph</a:t>
             </a:r>
-            <a:endParaRPr lang="nl-NL" dirty="0" smtClean="0"/>
+            <a:endParaRPr lang="nl-NL" dirty="0"/>
           </a:p>
           <a:p>
             <a:pPr algn="ctr"/>
             <a:r>
-              <a:rPr lang="nl-NL" dirty="0" smtClean="0"/>
+              <a:rPr lang="nl-NL" dirty="0"/>
               <a:t>NEN3610 model</a:t>
             </a:r>
-            <a:endParaRPr lang="nl-NL" dirty="0"/>
           </a:p>
         </p:txBody>
       </p:sp>
@@ -5428,10 +5367,9 @@
           <a:lstStyle/>
           <a:p>
             <a:r>
-              <a:rPr lang="nl-NL" dirty="0" smtClean="0"/>
+              <a:rPr lang="nl-NL" dirty="0"/>
               <a:t>Ter validatie</a:t>
             </a:r>
-            <a:endParaRPr lang="nl-NL" dirty="0"/>
           </a:p>
         </p:txBody>
       </p:sp>
@@ -5494,16 +5432,15 @@
           <a:lstStyle/>
           <a:p>
             <a:r>
-              <a:rPr lang="nl-NL" dirty="0" smtClean="0"/>
+              <a:rPr lang="nl-NL" dirty="0"/>
               <a:t>Goed model</a:t>
             </a:r>
           </a:p>
           <a:p>
             <a:r>
-              <a:rPr lang="nl-NL" dirty="0" smtClean="0"/>
+              <a:rPr lang="nl-NL" dirty="0"/>
               <a:t>&amp; Correct model</a:t>
             </a:r>
-            <a:endParaRPr lang="nl-NL" dirty="0"/>
           </a:p>
         </p:txBody>
       </p:sp>
@@ -5579,10 +5516,9 @@
           <a:p>
             <a:pPr algn="ctr"/>
             <a:r>
-              <a:rPr lang="nl-NL" dirty="0" smtClean="0"/>
+              <a:rPr lang="nl-NL" dirty="0"/>
               <a:t>XSD</a:t>
             </a:r>
-            <a:endParaRPr lang="nl-NL" dirty="0"/>
           </a:p>
         </p:txBody>
       </p:sp>
@@ -5659,10 +5595,9 @@
           <a:p>
             <a:pPr algn="ctr"/>
             <a:r>
-              <a:rPr lang="nl-NL" dirty="0" smtClean="0"/>
+              <a:rPr lang="nl-NL" dirty="0"/>
               <a:t>XML</a:t>
             </a:r>
-            <a:endParaRPr lang="nl-NL" dirty="0"/>
           </a:p>
         </p:txBody>
       </p:sp>
@@ -5739,10 +5674,9 @@
           <a:p>
             <a:pPr algn="ctr"/>
             <a:r>
-              <a:rPr lang="nl-NL" dirty="0" smtClean="0"/>
+              <a:rPr lang="nl-NL" dirty="0"/>
               <a:t>RDF data</a:t>
             </a:r>
-            <a:endParaRPr lang="nl-NL" dirty="0"/>
           </a:p>
         </p:txBody>
       </p:sp>
@@ -5819,21 +5753,20 @@
           <a:p>
             <a:pPr algn="ctr"/>
             <a:r>
-              <a:rPr lang="nl-NL" dirty="0" err="1" smtClean="0"/>
+              <a:rPr lang="nl-NL" dirty="0" err="1"/>
               <a:t>Autom</a:t>
             </a:r>
             <a:r>
-              <a:rPr lang="nl-NL" dirty="0" smtClean="0"/>
+              <a:rPr lang="nl-NL" dirty="0"/>
               <a:t>.</a:t>
             </a:r>
           </a:p>
           <a:p>
             <a:pPr algn="ctr"/>
             <a:r>
-              <a:rPr lang="nl-NL" dirty="0" smtClean="0"/>
+              <a:rPr lang="nl-NL" dirty="0"/>
               <a:t>Vertaler</a:t>
             </a:r>
-            <a:endParaRPr lang="nl-NL" dirty="0"/>
           </a:p>
         </p:txBody>
       </p:sp>
@@ -5896,10 +5829,9 @@
           <a:lstStyle/>
           <a:p>
             <a:r>
-              <a:rPr lang="nl-NL" dirty="0" smtClean="0"/>
+              <a:rPr lang="nl-NL" dirty="0"/>
               <a:t>Input voor</a:t>
             </a:r>
-            <a:endParaRPr lang="nl-NL" dirty="0"/>
           </a:p>
         </p:txBody>
       </p:sp>
@@ -5962,10 +5894,9 @@
           <a:lstStyle/>
           <a:p>
             <a:r>
-              <a:rPr lang="nl-NL" dirty="0" smtClean="0"/>
+              <a:rPr lang="nl-NL" dirty="0"/>
               <a:t>Kader voor</a:t>
             </a:r>
-            <a:endParaRPr lang="nl-NL" dirty="0"/>
           </a:p>
         </p:txBody>
       </p:sp>
@@ -5992,10 +5923,9 @@
           <a:lstStyle/>
           <a:p>
             <a:r>
-              <a:rPr lang="nl-NL" dirty="0" smtClean="0"/>
+              <a:rPr lang="nl-NL" dirty="0"/>
               <a:t>Kader voor</a:t>
             </a:r>
-            <a:endParaRPr lang="nl-NL" dirty="0"/>
           </a:p>
         </p:txBody>
       </p:sp>
@@ -6036,21 +5966,20 @@
           <a:p>
             <a:pPr algn="ctr"/>
             <a:r>
-              <a:rPr lang="nl-NL" dirty="0" err="1" smtClean="0"/>
+              <a:rPr lang="nl-NL" dirty="0" err="1"/>
               <a:t>Autom</a:t>
             </a:r>
             <a:r>
-              <a:rPr lang="nl-NL" dirty="0" smtClean="0"/>
+              <a:rPr lang="nl-NL" dirty="0"/>
               <a:t>.</a:t>
             </a:r>
           </a:p>
           <a:p>
             <a:pPr algn="ctr"/>
             <a:r>
-              <a:rPr lang="nl-NL" dirty="0" smtClean="0"/>
+              <a:rPr lang="nl-NL" dirty="0"/>
               <a:t>Generator</a:t>
             </a:r>
-            <a:endParaRPr lang="nl-NL" dirty="0"/>
           </a:p>
         </p:txBody>
       </p:sp>
@@ -6091,21 +6020,20 @@
           <a:p>
             <a:pPr algn="ctr"/>
             <a:r>
-              <a:rPr lang="nl-NL" dirty="0" err="1" smtClean="0"/>
+              <a:rPr lang="nl-NL" dirty="0" err="1"/>
               <a:t>Autom</a:t>
             </a:r>
             <a:r>
-              <a:rPr lang="nl-NL" dirty="0" smtClean="0"/>
+              <a:rPr lang="nl-NL" dirty="0"/>
               <a:t>.</a:t>
             </a:r>
           </a:p>
           <a:p>
             <a:pPr algn="ctr"/>
             <a:r>
-              <a:rPr lang="nl-NL" dirty="0" smtClean="0"/>
+              <a:rPr lang="nl-NL" dirty="0"/>
               <a:t>Vertaler</a:t>
             </a:r>
-            <a:endParaRPr lang="nl-NL" dirty="0"/>
           </a:p>
         </p:txBody>
       </p:sp>
@@ -6146,21 +6074,20 @@
           <a:p>
             <a:pPr algn="ctr"/>
             <a:r>
-              <a:rPr lang="nl-NL" dirty="0" err="1" smtClean="0"/>
+              <a:rPr lang="nl-NL" dirty="0" err="1"/>
               <a:t>Handm</a:t>
             </a:r>
             <a:r>
-              <a:rPr lang="nl-NL" dirty="0" smtClean="0"/>
+              <a:rPr lang="nl-NL" dirty="0"/>
               <a:t>.</a:t>
             </a:r>
           </a:p>
           <a:p>
             <a:pPr algn="ctr"/>
             <a:r>
-              <a:rPr lang="nl-NL" dirty="0" smtClean="0"/>
+              <a:rPr lang="nl-NL" dirty="0"/>
               <a:t>aanpassen</a:t>
             </a:r>
-            <a:endParaRPr lang="nl-NL" dirty="0"/>
           </a:p>
         </p:txBody>
       </p:sp>
@@ -6187,16 +6114,15 @@
           <a:lstStyle/>
           <a:p>
             <a:r>
-              <a:rPr lang="nl-NL" dirty="0" smtClean="0"/>
+              <a:rPr lang="nl-NL" dirty="0"/>
               <a:t>Goed model</a:t>
             </a:r>
           </a:p>
           <a:p>
             <a:r>
-              <a:rPr lang="nl-NL" dirty="0" smtClean="0"/>
+              <a:rPr lang="nl-NL" dirty="0"/>
               <a:t>&amp; Correct model</a:t>
             </a:r>
-            <a:endParaRPr lang="nl-NL" dirty="0"/>
           </a:p>
         </p:txBody>
       </p:sp>
@@ -6268,29 +6194,28 @@
           <a:p>
             <a:pPr algn="ctr"/>
             <a:r>
-              <a:rPr lang="nl-NL" dirty="0" err="1" smtClean="0"/>
+              <a:rPr lang="nl-NL" dirty="0" err="1"/>
               <a:t>Universe</a:t>
             </a:r>
             <a:r>
-              <a:rPr lang="nl-NL" dirty="0" smtClean="0"/>
+              <a:rPr lang="nl-NL" dirty="0"/>
               <a:t> of Discourse</a:t>
             </a:r>
           </a:p>
           <a:p>
             <a:pPr algn="ctr"/>
             <a:r>
-              <a:rPr lang="nl-NL" dirty="0" smtClean="0"/>
+              <a:rPr lang="nl-NL" dirty="0"/>
               <a:t>(</a:t>
             </a:r>
             <a:r>
-              <a:rPr lang="nl-NL" dirty="0" err="1" smtClean="0"/>
+              <a:rPr lang="nl-NL" dirty="0" err="1"/>
               <a:t>UoD</a:t>
             </a:r>
             <a:r>
-              <a:rPr lang="nl-NL" dirty="0" smtClean="0"/>
+              <a:rPr lang="nl-NL" dirty="0"/>
               <a:t>)</a:t>
             </a:r>
-            <a:endParaRPr lang="nl-NL" dirty="0"/>
           </a:p>
         </p:txBody>
       </p:sp>
@@ -6431,10 +6356,9 @@
           <a:lstStyle/>
           <a:p>
             <a:r>
-              <a:rPr lang="nl-NL" sz="1400" i="1" dirty="0" smtClean="0"/>
+              <a:rPr lang="nl-NL" sz="1400" i="1" dirty="0"/>
               <a:t>Een model van</a:t>
             </a:r>
-            <a:endParaRPr lang="nl-NL" sz="1400" i="1" dirty="0"/>
           </a:p>
         </p:txBody>
       </p:sp>
@@ -6461,10 +6385,9 @@
           <a:lstStyle/>
           <a:p>
             <a:r>
-              <a:rPr lang="nl-NL" sz="1400" i="1" dirty="0" smtClean="0"/>
+              <a:rPr lang="nl-NL" sz="1400" i="1" dirty="0"/>
               <a:t>Een model van</a:t>
             </a:r>
-            <a:endParaRPr lang="nl-NL" sz="1400" i="1" dirty="0"/>
           </a:p>
         </p:txBody>
       </p:sp>
@@ -6517,17 +6440,16 @@
             <a:p>
               <a:pPr marL="622300" algn="ctr"/>
               <a:r>
-                <a:rPr lang="nl-NL" dirty="0" smtClean="0"/>
+                <a:rPr lang="nl-NL" dirty="0"/>
                 <a:t>RDF</a:t>
               </a:r>
             </a:p>
             <a:p>
               <a:pPr marL="622300" algn="ctr"/>
               <a:r>
-                <a:rPr lang="nl-NL" dirty="0" smtClean="0"/>
+                <a:rPr lang="nl-NL" dirty="0"/>
                 <a:t>model</a:t>
               </a:r>
-              <a:endParaRPr lang="nl-NL" dirty="0"/>
             </a:p>
           </p:txBody>
         </p:sp>
@@ -6611,17 +6533,16 @@
             <a:p>
               <a:pPr marL="622300" algn="ctr"/>
               <a:r>
-                <a:rPr lang="nl-NL" dirty="0" smtClean="0"/>
+                <a:rPr lang="nl-NL" dirty="0"/>
                 <a:t>UML</a:t>
               </a:r>
             </a:p>
             <a:p>
               <a:pPr marL="622300" algn="ctr"/>
               <a:r>
-                <a:rPr lang="nl-NL" dirty="0" smtClean="0"/>
+                <a:rPr lang="nl-NL" dirty="0"/>
                 <a:t>model</a:t>
               </a:r>
-              <a:endParaRPr lang="nl-NL" dirty="0"/>
             </a:p>
           </p:txBody>
         </p:sp>
@@ -6692,10 +6613,9 @@
           <a:p>
             <a:pPr algn="ctr"/>
             <a:r>
-              <a:rPr lang="nl-NL" dirty="0" smtClean="0"/>
+              <a:rPr lang="nl-NL" dirty="0"/>
               <a:t>transformatie</a:t>
             </a:r>
-            <a:endParaRPr lang="nl-NL" dirty="0"/>
           </a:p>
         </p:txBody>
       </p:sp>
@@ -6767,29 +6687,28 @@
           <a:p>
             <a:pPr algn="ctr"/>
             <a:r>
-              <a:rPr lang="nl-NL" dirty="0" err="1" smtClean="0"/>
+              <a:rPr lang="nl-NL" dirty="0" err="1"/>
               <a:t>Universe</a:t>
             </a:r>
             <a:r>
-              <a:rPr lang="nl-NL" dirty="0" smtClean="0"/>
+              <a:rPr lang="nl-NL" dirty="0"/>
               <a:t> of Discourse</a:t>
             </a:r>
           </a:p>
           <a:p>
             <a:pPr algn="ctr"/>
             <a:r>
-              <a:rPr lang="nl-NL" dirty="0" smtClean="0"/>
+              <a:rPr lang="nl-NL" dirty="0"/>
               <a:t>(</a:t>
             </a:r>
             <a:r>
-              <a:rPr lang="nl-NL" dirty="0" err="1" smtClean="0"/>
+              <a:rPr lang="nl-NL" dirty="0" err="1"/>
               <a:t>UoD</a:t>
             </a:r>
             <a:r>
-              <a:rPr lang="nl-NL" dirty="0" smtClean="0"/>
+              <a:rPr lang="nl-NL" dirty="0"/>
               <a:t>)</a:t>
             </a:r>
-            <a:endParaRPr lang="nl-NL" dirty="0"/>
           </a:p>
         </p:txBody>
       </p:sp>
@@ -6930,10 +6849,9 @@
           <a:lstStyle/>
           <a:p>
             <a:r>
-              <a:rPr lang="nl-NL" sz="1400" i="1" dirty="0" smtClean="0"/>
+              <a:rPr lang="nl-NL" sz="1400" i="1" dirty="0"/>
               <a:t>Een model van</a:t>
             </a:r>
-            <a:endParaRPr lang="nl-NL" sz="1400" i="1" dirty="0"/>
           </a:p>
         </p:txBody>
       </p:sp>
@@ -6960,10 +6878,9 @@
           <a:lstStyle/>
           <a:p>
             <a:r>
-              <a:rPr lang="nl-NL" sz="1400" i="1" dirty="0" smtClean="0"/>
+              <a:rPr lang="nl-NL" sz="1400" i="1" dirty="0"/>
               <a:t>Een model van</a:t>
             </a:r>
-            <a:endParaRPr lang="nl-NL" sz="1400" i="1" dirty="0"/>
           </a:p>
         </p:txBody>
       </p:sp>
@@ -7016,17 +6933,16 @@
             <a:p>
               <a:pPr marL="622300" algn="ctr"/>
               <a:r>
-                <a:rPr lang="nl-NL" dirty="0" smtClean="0"/>
+                <a:rPr lang="nl-NL" dirty="0"/>
                 <a:t>UML</a:t>
               </a:r>
             </a:p>
             <a:p>
               <a:pPr marL="622300" algn="ctr"/>
               <a:r>
-                <a:rPr lang="nl-NL" dirty="0" smtClean="0"/>
+                <a:rPr lang="nl-NL" dirty="0"/>
                 <a:t>model</a:t>
               </a:r>
-              <a:endParaRPr lang="nl-NL" dirty="0"/>
             </a:p>
           </p:txBody>
         </p:sp>
@@ -7097,14 +7013,13 @@
           <a:p>
             <a:pPr algn="ctr"/>
             <a:r>
-              <a:rPr lang="nl-NL" dirty="0" err="1" smtClean="0"/>
+              <a:rPr lang="nl-NL" dirty="0" err="1"/>
               <a:t>autom</a:t>
             </a:r>
             <a:r>
-              <a:rPr lang="nl-NL" dirty="0" smtClean="0"/>
+              <a:rPr lang="nl-NL" dirty="0"/>
               <a:t>. transformatie</a:t>
             </a:r>
-            <a:endParaRPr lang="nl-NL" dirty="0"/>
           </a:p>
         </p:txBody>
       </p:sp>
@@ -7145,14 +7060,13 @@
           <a:p>
             <a:pPr algn="ctr"/>
             <a:r>
-              <a:rPr lang="nl-NL" dirty="0" err="1" smtClean="0"/>
+              <a:rPr lang="nl-NL" dirty="0" err="1"/>
               <a:t>handm</a:t>
             </a:r>
             <a:r>
-              <a:rPr lang="nl-NL" dirty="0" smtClean="0"/>
+              <a:rPr lang="nl-NL" dirty="0"/>
               <a:t>. aanpassen</a:t>
             </a:r>
-            <a:endParaRPr lang="nl-NL" dirty="0"/>
           </a:p>
         </p:txBody>
       </p:sp>
@@ -7309,17 +7223,16 @@
           <a:p>
             <a:pPr marL="533400" algn="ctr"/>
             <a:r>
-              <a:rPr lang="nl-NL" dirty="0" smtClean="0"/>
+              <a:rPr lang="nl-NL" dirty="0"/>
               <a:t>UML NEN3610</a:t>
             </a:r>
           </a:p>
           <a:p>
             <a:pPr marL="533400" algn="ctr"/>
             <a:r>
-              <a:rPr lang="nl-NL" dirty="0" smtClean="0"/>
+              <a:rPr lang="nl-NL" dirty="0"/>
               <a:t>metamodel</a:t>
             </a:r>
-            <a:endParaRPr lang="nl-NL" dirty="0"/>
           </a:p>
         </p:txBody>
       </p:sp>
@@ -7387,24 +7300,23 @@
           <a:p>
             <a:pPr marL="533400" algn="ctr"/>
             <a:r>
-              <a:rPr lang="nl-NL" dirty="0" smtClean="0"/>
+              <a:rPr lang="nl-NL" dirty="0"/>
               <a:t>RDF</a:t>
             </a:r>
           </a:p>
           <a:p>
             <a:pPr marL="533400" algn="ctr"/>
             <a:r>
-              <a:rPr lang="nl-NL" dirty="0" smtClean="0"/>
+              <a:rPr lang="nl-NL" dirty="0"/>
               <a:t>NEN3610</a:t>
             </a:r>
           </a:p>
           <a:p>
             <a:pPr marL="533400" algn="ctr"/>
             <a:r>
-              <a:rPr lang="nl-NL" dirty="0" smtClean="0"/>
+              <a:rPr lang="nl-NL" dirty="0"/>
               <a:t>metamodel</a:t>
             </a:r>
-            <a:endParaRPr lang="nl-NL" dirty="0"/>
           </a:p>
         </p:txBody>
       </p:sp>
@@ -7589,24 +7501,23 @@
             <a:p>
               <a:pPr marL="622300" algn="ctr"/>
               <a:r>
-                <a:rPr lang="nl-NL" dirty="0" smtClean="0"/>
+                <a:rPr lang="nl-NL" dirty="0"/>
                 <a:t>RDF</a:t>
               </a:r>
             </a:p>
             <a:p>
               <a:pPr marL="622300" algn="ctr"/>
               <a:r>
-                <a:rPr lang="nl-NL" dirty="0" smtClean="0"/>
+                <a:rPr lang="nl-NL" dirty="0"/>
                 <a:t>model</a:t>
               </a:r>
             </a:p>
             <a:p>
               <a:pPr marL="622300" algn="ctr"/>
               <a:r>
-                <a:rPr lang="nl-NL" dirty="0" smtClean="0"/>
+                <a:rPr lang="nl-NL" dirty="0"/>
                 <a:t>#2</a:t>
               </a:r>
-              <a:endParaRPr lang="nl-NL" dirty="0"/>
             </a:p>
           </p:txBody>
         </p:sp>
@@ -7690,24 +7601,23 @@
             <a:p>
               <a:pPr marL="622300" algn="ctr"/>
               <a:r>
-                <a:rPr lang="nl-NL" dirty="0" smtClean="0"/>
+                <a:rPr lang="nl-NL" dirty="0"/>
                 <a:t>RDF</a:t>
               </a:r>
             </a:p>
             <a:p>
               <a:pPr marL="622300" algn="ctr"/>
               <a:r>
-                <a:rPr lang="nl-NL" dirty="0" smtClean="0"/>
+                <a:rPr lang="nl-NL" dirty="0"/>
                 <a:t>model</a:t>
               </a:r>
             </a:p>
             <a:p>
               <a:pPr marL="622300" algn="ctr"/>
               <a:r>
-                <a:rPr lang="nl-NL" dirty="0" smtClean="0"/>
+                <a:rPr lang="nl-NL" dirty="0"/>
                 <a:t>#1</a:t>
               </a:r>
-              <a:endParaRPr lang="nl-NL" dirty="0"/>
             </a:p>
           </p:txBody>
         </p:sp>
@@ -7765,10 +7675,9 @@
           <a:lstStyle/>
           <a:p>
             <a:r>
-              <a:rPr lang="nl-NL" sz="1400" i="1" dirty="0" smtClean="0"/>
+              <a:rPr lang="nl-NL" sz="1400" i="1" dirty="0"/>
               <a:t>Voldoet aan</a:t>
             </a:r>
-            <a:endParaRPr lang="nl-NL" sz="1400" i="1" dirty="0"/>
           </a:p>
         </p:txBody>
       </p:sp>
@@ -7795,10 +7704,9 @@
           <a:lstStyle/>
           <a:p>
             <a:r>
-              <a:rPr lang="nl-NL" sz="1400" i="1" dirty="0" smtClean="0"/>
+              <a:rPr lang="nl-NL" sz="1400" i="1" dirty="0"/>
               <a:t>Voldoet aan</a:t>
             </a:r>
-            <a:endParaRPr lang="nl-NL" sz="1400" i="1" dirty="0"/>
           </a:p>
         </p:txBody>
       </p:sp>
@@ -7825,10 +7733,9 @@
           <a:lstStyle/>
           <a:p>
             <a:r>
-              <a:rPr lang="nl-NL" sz="1400" i="1" dirty="0" smtClean="0"/>
+              <a:rPr lang="nl-NL" sz="1400" i="1" dirty="0"/>
               <a:t>Voldoet aan</a:t>
             </a:r>
-            <a:endParaRPr lang="nl-NL" sz="1400" i="1" dirty="0"/>
           </a:p>
         </p:txBody>
       </p:sp>
@@ -7862,161 +7769,6 @@
           <a:chExt cx="0" cy="0"/>
         </a:xfrm>
       </p:grpSpPr>
-      <p:cxnSp>
-        <p:nvCxnSpPr>
-          <p:cNvPr id="82" name="Rechte verbindingslijn met pijl 81"/>
-          <p:cNvCxnSpPr/>
-          <p:nvPr/>
-        </p:nvCxnSpPr>
-        <p:spPr>
-          <a:xfrm flipH="1">
-            <a:off x="5544558" y="4287357"/>
-            <a:ext cx="186971" cy="1389543"/>
-          </a:xfrm>
-          <a:prstGeom prst="straightConnector1">
-            <a:avLst/>
-          </a:prstGeom>
-          <a:ln w="19050">
-            <a:tailEnd type="triangle"/>
-          </a:ln>
-        </p:spPr>
-        <p:style>
-          <a:lnRef idx="1">
-            <a:schemeClr val="accent1"/>
-          </a:lnRef>
-          <a:fillRef idx="0">
-            <a:schemeClr val="accent1"/>
-          </a:fillRef>
-          <a:effectRef idx="0">
-            <a:schemeClr val="accent1"/>
-          </a:effectRef>
-          <a:fontRef idx="minor">
-            <a:schemeClr val="tx1"/>
-          </a:fontRef>
-        </p:style>
-      </p:cxnSp>
-      <p:sp>
-        <p:nvSpPr>
-          <p:cNvPr id="72" name="Afgeronde rechthoek 71"/>
-          <p:cNvSpPr/>
-          <p:nvPr/>
-        </p:nvSpPr>
-        <p:spPr>
-          <a:xfrm>
-            <a:off x="4864100" y="3763406"/>
-            <a:ext cx="1968500" cy="1016000"/>
-          </a:xfrm>
-          <a:prstGeom prst="roundRect">
-            <a:avLst/>
-          </a:prstGeom>
-        </p:spPr>
-        <p:style>
-          <a:lnRef idx="1">
-            <a:schemeClr val="accent3"/>
-          </a:lnRef>
-          <a:fillRef idx="2">
-            <a:schemeClr val="accent3"/>
-          </a:fillRef>
-          <a:effectRef idx="1">
-            <a:schemeClr val="accent3"/>
-          </a:effectRef>
-          <a:fontRef idx="minor">
-            <a:schemeClr val="dk1"/>
-          </a:fontRef>
-        </p:style>
-        <p:txBody>
-          <a:bodyPr rtlCol="0" anchor="ctr"/>
-          <a:lstStyle/>
-          <a:p>
-            <a:pPr marL="533400" algn="ctr"/>
-            <a:r>
-              <a:rPr lang="nl-NL" dirty="0" smtClean="0"/>
-              <a:t>RDF</a:t>
-            </a:r>
-          </a:p>
-          <a:p>
-            <a:pPr marL="533400" algn="ctr"/>
-            <a:r>
-              <a:rPr lang="nl-NL" dirty="0" smtClean="0"/>
-              <a:t>NEN3610</a:t>
-            </a:r>
-          </a:p>
-          <a:p>
-            <a:pPr marL="533400" algn="ctr"/>
-            <a:r>
-              <a:rPr lang="nl-NL" dirty="0" smtClean="0"/>
-              <a:t>metamodel</a:t>
-            </a:r>
-            <a:endParaRPr lang="nl-NL" dirty="0"/>
-          </a:p>
-        </p:txBody>
-      </p:sp>
-      <p:cxnSp>
-        <p:nvCxnSpPr>
-          <p:cNvPr id="85" name="Rechte verbindingslijn met pijl 84"/>
-          <p:cNvCxnSpPr/>
-          <p:nvPr/>
-        </p:nvCxnSpPr>
-        <p:spPr>
-          <a:xfrm flipH="1">
-            <a:off x="6508345" y="2785081"/>
-            <a:ext cx="3846936" cy="2984011"/>
-          </a:xfrm>
-          <a:prstGeom prst="straightConnector1">
-            <a:avLst/>
-          </a:prstGeom>
-          <a:ln w="19050">
-            <a:tailEnd type="triangle"/>
-          </a:ln>
-        </p:spPr>
-        <p:style>
-          <a:lnRef idx="1">
-            <a:schemeClr val="accent1"/>
-          </a:lnRef>
-          <a:fillRef idx="0">
-            <a:schemeClr val="accent1"/>
-          </a:fillRef>
-          <a:effectRef idx="0">
-            <a:schemeClr val="accent1"/>
-          </a:effectRef>
-          <a:fontRef idx="minor">
-            <a:schemeClr val="tx1"/>
-          </a:fontRef>
-        </p:style>
-      </p:cxnSp>
-      <p:cxnSp>
-        <p:nvCxnSpPr>
-          <p:cNvPr id="92" name="Rechte verbindingslijn met pijl 91"/>
-          <p:cNvCxnSpPr/>
-          <p:nvPr/>
-        </p:nvCxnSpPr>
-        <p:spPr>
-          <a:xfrm flipH="1">
-            <a:off x="6832600" y="2673594"/>
-            <a:ext cx="3593224" cy="1089812"/>
-          </a:xfrm>
-          <a:prstGeom prst="straightConnector1">
-            <a:avLst/>
-          </a:prstGeom>
-          <a:ln w="19050">
-            <a:tailEnd type="triangle"/>
-          </a:ln>
-        </p:spPr>
-        <p:style>
-          <a:lnRef idx="1">
-            <a:schemeClr val="accent1"/>
-          </a:lnRef>
-          <a:fillRef idx="0">
-            <a:schemeClr val="accent1"/>
-          </a:fillRef>
-          <a:effectRef idx="0">
-            <a:schemeClr val="accent1"/>
-          </a:effectRef>
-          <a:fontRef idx="minor">
-            <a:schemeClr val="tx1"/>
-          </a:fontRef>
-        </p:style>
-      </p:cxnSp>
       <p:sp>
         <p:nvSpPr>
           <p:cNvPr id="6" name="Wolkvormige toelichting 5"/>
@@ -8025,7 +7777,7 @@
         </p:nvSpPr>
         <p:spPr>
           <a:xfrm>
-            <a:off x="2616200" y="114300"/>
+            <a:off x="2616200" y="482600"/>
             <a:ext cx="2108200" cy="1028700"/>
           </a:xfrm>
           <a:prstGeom prst="cloudCallout">
@@ -8055,29 +7807,28 @@
           <a:p>
             <a:pPr algn="ctr"/>
             <a:r>
-              <a:rPr lang="nl-NL" dirty="0" err="1" smtClean="0"/>
+              <a:rPr lang="nl-NL" dirty="0" err="1"/>
               <a:t>Universe</a:t>
             </a:r>
             <a:r>
-              <a:rPr lang="nl-NL" dirty="0" smtClean="0"/>
+              <a:rPr lang="nl-NL" dirty="0"/>
               <a:t> of Discourse</a:t>
             </a:r>
           </a:p>
           <a:p>
             <a:pPr algn="ctr"/>
             <a:r>
-              <a:rPr lang="nl-NL" dirty="0" smtClean="0"/>
+              <a:rPr lang="nl-NL" dirty="0"/>
               <a:t>(</a:t>
             </a:r>
             <a:r>
-              <a:rPr lang="nl-NL" dirty="0" err="1" smtClean="0"/>
+              <a:rPr lang="nl-NL" dirty="0" err="1"/>
               <a:t>UoD</a:t>
             </a:r>
             <a:r>
-              <a:rPr lang="nl-NL" dirty="0" smtClean="0"/>
+              <a:rPr lang="nl-NL" dirty="0"/>
               <a:t>)</a:t>
             </a:r>
-            <a:endParaRPr lang="nl-NL" dirty="0"/>
           </a:p>
         </p:txBody>
       </p:sp>
@@ -8089,7 +7840,7 @@
         </p:nvSpPr>
         <p:spPr>
           <a:xfrm>
-            <a:off x="2184400" y="1485900"/>
+            <a:off x="2184400" y="1854200"/>
             <a:ext cx="723900" cy="508000"/>
           </a:xfrm>
           <a:prstGeom prst="rect">
@@ -8137,7 +7888,7 @@
         </p:nvCxnSpPr>
         <p:spPr>
           <a:xfrm flipV="1">
-            <a:off x="1447800" y="1143000"/>
+            <a:off x="1447800" y="1511300"/>
             <a:ext cx="1562100" cy="1530594"/>
           </a:xfrm>
           <a:prstGeom prst="straightConnector1">
@@ -8170,7 +7921,7 @@
         </p:nvCxnSpPr>
         <p:spPr>
           <a:xfrm flipH="1" flipV="1">
-            <a:off x="4864100" y="736600"/>
+            <a:off x="4864100" y="1104900"/>
             <a:ext cx="5561724" cy="1816100"/>
           </a:xfrm>
           <a:prstGeom prst="straightConnector1">
@@ -8203,8 +7954,8 @@
         </p:nvSpPr>
         <p:spPr>
           <a:xfrm>
-            <a:off x="1514043" y="1252759"/>
-            <a:ext cx="1257588" cy="307777"/>
+            <a:off x="1514043" y="1621059"/>
+            <a:ext cx="968535" cy="307777"/>
           </a:xfrm>
           <a:prstGeom prst="rect">
             <a:avLst/>
@@ -8218,10 +7969,9 @@
           <a:lstStyle/>
           <a:p>
             <a:r>
-              <a:rPr lang="nl-NL" sz="1400" i="1" dirty="0" smtClean="0"/>
-              <a:t>Een model van</a:t>
-            </a:r>
-            <a:endParaRPr lang="nl-NL" sz="1400" i="1" dirty="0"/>
+              <a:rPr lang="nl-NL" sz="1400" i="1" dirty="0"/>
+              <a:t>A model of</a:t>
+            </a:r>
           </a:p>
         </p:txBody>
       </p:sp>
@@ -8233,8 +7983,8 @@
         </p:nvSpPr>
         <p:spPr>
           <a:xfrm>
-            <a:off x="7257091" y="1178123"/>
-            <a:ext cx="1257588" cy="307777"/>
+            <a:off x="7257091" y="1546423"/>
+            <a:ext cx="968535" cy="307777"/>
           </a:xfrm>
           <a:prstGeom prst="rect">
             <a:avLst/>
@@ -8248,13 +7998,104 @@
           <a:lstStyle/>
           <a:p>
             <a:r>
-              <a:rPr lang="nl-NL" sz="1400" i="1" dirty="0" smtClean="0"/>
-              <a:t>Een model van</a:t>
-            </a:r>
-            <a:endParaRPr lang="nl-NL" sz="1400" i="1" dirty="0"/>
-          </a:p>
-        </p:txBody>
-      </p:sp>
+              <a:rPr lang="nl-NL" sz="1400" i="1" dirty="0"/>
+              <a:t>A model of</a:t>
+            </a:r>
+          </a:p>
+        </p:txBody>
+      </p:sp>
+      <p:grpSp>
+        <p:nvGrpSpPr>
+          <p:cNvPr id="5" name="Groep 4"/>
+          <p:cNvGrpSpPr/>
+          <p:nvPr/>
+        </p:nvGrpSpPr>
+        <p:grpSpPr>
+          <a:xfrm>
+            <a:off x="342900" y="2553189"/>
+            <a:ext cx="1968500" cy="1016000"/>
+            <a:chOff x="1193800" y="1003300"/>
+            <a:chExt cx="1968500" cy="1016000"/>
+          </a:xfrm>
+        </p:grpSpPr>
+        <p:sp>
+          <p:nvSpPr>
+            <p:cNvPr id="3" name="Afgeronde rechthoek 2"/>
+            <p:cNvSpPr/>
+            <p:nvPr/>
+          </p:nvSpPr>
+          <p:spPr>
+            <a:xfrm>
+              <a:off x="1193800" y="1003300"/>
+              <a:ext cx="1968500" cy="1016000"/>
+            </a:xfrm>
+            <a:prstGeom prst="roundRect">
+              <a:avLst/>
+            </a:prstGeom>
+          </p:spPr>
+          <p:style>
+            <a:lnRef idx="1">
+              <a:schemeClr val="accent1"/>
+            </a:lnRef>
+            <a:fillRef idx="2">
+              <a:schemeClr val="accent1"/>
+            </a:fillRef>
+            <a:effectRef idx="1">
+              <a:schemeClr val="accent1"/>
+            </a:effectRef>
+            <a:fontRef idx="minor">
+              <a:schemeClr val="dk1"/>
+            </a:fontRef>
+          </p:style>
+          <p:txBody>
+            <a:bodyPr rtlCol="0" anchor="ctr"/>
+            <a:lstStyle/>
+            <a:p>
+              <a:pPr marL="622300" algn="ctr"/>
+              <a:r>
+                <a:rPr lang="nl-NL" dirty="0"/>
+                <a:t>UML</a:t>
+              </a:r>
+            </a:p>
+            <a:p>
+              <a:pPr marL="622300" algn="ctr"/>
+              <a:r>
+                <a:rPr lang="nl-NL" dirty="0"/>
+                <a:t>model</a:t>
+              </a:r>
+            </a:p>
+          </p:txBody>
+        </p:sp>
+        <p:pic>
+          <p:nvPicPr>
+            <p:cNvPr id="4" name="Afbeelding 3"/>
+            <p:cNvPicPr>
+              <a:picLocks noChangeAspect="1"/>
+            </p:cNvPicPr>
+            <p:nvPr/>
+          </p:nvPicPr>
+          <p:blipFill rotWithShape="1">
+            <a:blip r:embed="rId2" cstate="print">
+              <a:extLst>
+                <a:ext uri="{28A0092B-C50C-407E-A947-70E740481C1C}">
+                  <a14:useLocalDpi xmlns:a14="http://schemas.microsoft.com/office/drawing/2010/main" val="0"/>
+                </a:ext>
+              </a:extLst>
+            </a:blip>
+            <a:srcRect l="44477"/>
+            <a:stretch/>
+          </p:blipFill>
+          <p:spPr>
+            <a:xfrm>
+              <a:off x="1308100" y="1136895"/>
+              <a:ext cx="571500" cy="748810"/>
+            </a:xfrm>
+            <a:prstGeom prst="rect">
+              <a:avLst/>
+            </a:prstGeom>
+          </p:spPr>
+        </p:pic>
+      </p:grpSp>
       <p:sp>
         <p:nvSpPr>
           <p:cNvPr id="19" name="PIJL-RECHTS 18"/>
@@ -8263,7 +8104,7 @@
         </p:nvSpPr>
         <p:spPr>
           <a:xfrm>
-            <a:off x="2425700" y="2429241"/>
+            <a:off x="2425700" y="2797541"/>
             <a:ext cx="2298700" cy="527295"/>
           </a:xfrm>
           <a:prstGeom prst="rightArrow">
@@ -8292,12 +8133,12 @@
           <a:p>
             <a:pPr algn="ctr"/>
             <a:r>
-              <a:rPr lang="nl-NL" dirty="0" err="1" smtClean="0"/>
-              <a:t>autom</a:t>
-            </a:r>
-            <a:r>
-              <a:rPr lang="nl-NL" dirty="0" smtClean="0"/>
-              <a:t>. transformatie</a:t>
+              <a:rPr lang="nl-NL" dirty="0"/>
+              <a:t>auto-</a:t>
+            </a:r>
+            <a:r>
+              <a:rPr lang="nl-NL" dirty="0" err="1"/>
+              <a:t>transformation</a:t>
             </a:r>
             <a:endParaRPr lang="nl-NL" dirty="0"/>
           </a:p>
@@ -8311,7 +8152,7 @@
         </p:nvSpPr>
         <p:spPr>
           <a:xfrm>
-            <a:off x="7019620" y="2409946"/>
+            <a:off x="7019620" y="2778246"/>
             <a:ext cx="2298700" cy="527295"/>
           </a:xfrm>
           <a:prstGeom prst="rightArrow">
@@ -8340,17 +8181,311 @@
           <a:p>
             <a:pPr algn="ctr"/>
             <a:r>
-              <a:rPr lang="nl-NL" dirty="0" err="1" smtClean="0"/>
-              <a:t>handm</a:t>
-            </a:r>
-            <a:r>
-              <a:rPr lang="nl-NL" dirty="0" smtClean="0"/>
-              <a:t>. aanpassen</a:t>
-            </a:r>
-            <a:endParaRPr lang="nl-NL" dirty="0"/>
-          </a:p>
-        </p:txBody>
-      </p:sp>
+              <a:rPr lang="nl-NL" dirty="0"/>
+              <a:t>manual changes</a:t>
+            </a:r>
+          </a:p>
+        </p:txBody>
+      </p:sp>
+      <p:cxnSp>
+        <p:nvCxnSpPr>
+          <p:cNvPr id="23" name="Rechte verbindingslijn met pijl 22"/>
+          <p:cNvCxnSpPr>
+            <a:cxnSpLocks/>
+          </p:cNvCxnSpPr>
+          <p:nvPr/>
+        </p:nvCxnSpPr>
+        <p:spPr>
+          <a:xfrm flipH="1" flipV="1">
+            <a:off x="4236334" y="1511300"/>
+            <a:ext cx="1506732" cy="1549888"/>
+          </a:xfrm>
+          <a:prstGeom prst="straightConnector1">
+            <a:avLst/>
+          </a:prstGeom>
+          <a:ln w="19050">
+            <a:tailEnd type="triangle"/>
+          </a:ln>
+        </p:spPr>
+        <p:style>
+          <a:lnRef idx="1">
+            <a:schemeClr val="accent1"/>
+          </a:lnRef>
+          <a:fillRef idx="0">
+            <a:schemeClr val="accent1"/>
+          </a:fillRef>
+          <a:effectRef idx="0">
+            <a:schemeClr val="accent1"/>
+          </a:effectRef>
+          <a:fontRef idx="minor">
+            <a:schemeClr val="tx1"/>
+          </a:fontRef>
+        </p:style>
+      </p:cxnSp>
+      <p:sp>
+        <p:nvSpPr>
+          <p:cNvPr id="31" name="Afgeronde rechthoek 30"/>
+          <p:cNvSpPr/>
+          <p:nvPr/>
+        </p:nvSpPr>
+        <p:spPr>
+          <a:xfrm>
+            <a:off x="342900" y="4767019"/>
+            <a:ext cx="1968500" cy="1016000"/>
+          </a:xfrm>
+          <a:prstGeom prst="roundRect">
+            <a:avLst/>
+          </a:prstGeom>
+        </p:spPr>
+        <p:style>
+          <a:lnRef idx="1">
+            <a:schemeClr val="accent3"/>
+          </a:lnRef>
+          <a:fillRef idx="2">
+            <a:schemeClr val="accent3"/>
+          </a:fillRef>
+          <a:effectRef idx="1">
+            <a:schemeClr val="accent3"/>
+          </a:effectRef>
+          <a:fontRef idx="minor">
+            <a:schemeClr val="dk1"/>
+          </a:fontRef>
+        </p:style>
+        <p:txBody>
+          <a:bodyPr rtlCol="0" anchor="ctr"/>
+          <a:lstStyle/>
+          <a:p>
+            <a:pPr marL="533400" algn="ctr"/>
+            <a:r>
+              <a:rPr lang="nl-NL" dirty="0"/>
+              <a:t>UML NEN3610</a:t>
+            </a:r>
+          </a:p>
+          <a:p>
+            <a:pPr marL="533400" algn="ctr"/>
+            <a:r>
+              <a:rPr lang="nl-NL" dirty="0"/>
+              <a:t>metamodel</a:t>
+            </a:r>
+          </a:p>
+        </p:txBody>
+      </p:sp>
+      <p:pic>
+        <p:nvPicPr>
+          <p:cNvPr id="32" name="Afbeelding 31"/>
+          <p:cNvPicPr>
+            <a:picLocks noChangeAspect="1"/>
+          </p:cNvPicPr>
+          <p:nvPr/>
+        </p:nvPicPr>
+        <p:blipFill rotWithShape="1">
+          <a:blip r:embed="rId2" cstate="print">
+            <a:extLst>
+              <a:ext uri="{28A0092B-C50C-407E-A947-70E740481C1C}">
+                <a14:useLocalDpi xmlns:a14="http://schemas.microsoft.com/office/drawing/2010/main" val="0"/>
+              </a:ext>
+            </a:extLst>
+          </a:blip>
+          <a:srcRect l="44477"/>
+          <a:stretch/>
+        </p:blipFill>
+        <p:spPr>
+          <a:xfrm>
+            <a:off x="457200" y="4900614"/>
+            <a:ext cx="571500" cy="748810"/>
+          </a:xfrm>
+          <a:prstGeom prst="rect">
+            <a:avLst/>
+          </a:prstGeom>
+        </p:spPr>
+      </p:pic>
+      <p:sp>
+        <p:nvSpPr>
+          <p:cNvPr id="34" name="Afgeronde rechthoek 33"/>
+          <p:cNvSpPr/>
+          <p:nvPr/>
+        </p:nvSpPr>
+        <p:spPr>
+          <a:xfrm>
+            <a:off x="6980706" y="4767019"/>
+            <a:ext cx="1968500" cy="1016000"/>
+          </a:xfrm>
+          <a:prstGeom prst="roundRect">
+            <a:avLst/>
+          </a:prstGeom>
+        </p:spPr>
+        <p:style>
+          <a:lnRef idx="1">
+            <a:schemeClr val="accent3"/>
+          </a:lnRef>
+          <a:fillRef idx="2">
+            <a:schemeClr val="accent3"/>
+          </a:fillRef>
+          <a:effectRef idx="1">
+            <a:schemeClr val="accent3"/>
+          </a:effectRef>
+          <a:fontRef idx="minor">
+            <a:schemeClr val="dk1"/>
+          </a:fontRef>
+        </p:style>
+        <p:txBody>
+          <a:bodyPr rtlCol="0" anchor="ctr"/>
+          <a:lstStyle/>
+          <a:p>
+            <a:pPr marL="533400" algn="ctr"/>
+            <a:r>
+              <a:rPr lang="nl-NL" dirty="0"/>
+              <a:t>RDF</a:t>
+            </a:r>
+          </a:p>
+          <a:p>
+            <a:pPr marL="533400" algn="ctr"/>
+            <a:r>
+              <a:rPr lang="nl-NL" dirty="0"/>
+              <a:t>NEN3610</a:t>
+            </a:r>
+          </a:p>
+          <a:p>
+            <a:pPr marL="533400" algn="ctr"/>
+            <a:r>
+              <a:rPr lang="nl-NL" dirty="0"/>
+              <a:t>metamodel</a:t>
+            </a:r>
+          </a:p>
+        </p:txBody>
+      </p:sp>
+      <p:pic>
+        <p:nvPicPr>
+          <p:cNvPr id="35" name="Afbeelding 34"/>
+          <p:cNvPicPr>
+            <a:picLocks noChangeAspect="1"/>
+          </p:cNvPicPr>
+          <p:nvPr/>
+        </p:nvPicPr>
+        <p:blipFill>
+          <a:blip r:embed="rId3" cstate="print">
+            <a:extLst>
+              <a:ext uri="{28A0092B-C50C-407E-A947-70E740481C1C}">
+                <a14:useLocalDpi xmlns:a14="http://schemas.microsoft.com/office/drawing/2010/main" val="0"/>
+              </a:ext>
+            </a:extLst>
+          </a:blip>
+          <a:stretch>
+            <a:fillRect/>
+          </a:stretch>
+        </p:blipFill>
+        <p:spPr>
+          <a:xfrm>
+            <a:off x="7126551" y="4954466"/>
+            <a:ext cx="587275" cy="641105"/>
+          </a:xfrm>
+          <a:prstGeom prst="rect">
+            <a:avLst/>
+          </a:prstGeom>
+        </p:spPr>
+      </p:pic>
+      <p:cxnSp>
+        <p:nvCxnSpPr>
+          <p:cNvPr id="36" name="Rechte verbindingslijn met pijl 35"/>
+          <p:cNvCxnSpPr>
+            <a:stCxn id="3" idx="2"/>
+            <a:endCxn id="31" idx="0"/>
+          </p:cNvCxnSpPr>
+          <p:nvPr/>
+        </p:nvCxnSpPr>
+        <p:spPr>
+          <a:xfrm>
+            <a:off x="1327150" y="3569189"/>
+            <a:ext cx="0" cy="1197830"/>
+          </a:xfrm>
+          <a:prstGeom prst="straightConnector1">
+            <a:avLst/>
+          </a:prstGeom>
+          <a:ln w="19050">
+            <a:tailEnd type="triangle"/>
+          </a:ln>
+        </p:spPr>
+        <p:style>
+          <a:lnRef idx="1">
+            <a:schemeClr val="accent1"/>
+          </a:lnRef>
+          <a:fillRef idx="0">
+            <a:schemeClr val="accent1"/>
+          </a:fillRef>
+          <a:effectRef idx="0">
+            <a:schemeClr val="accent1"/>
+          </a:effectRef>
+          <a:fontRef idx="minor">
+            <a:schemeClr val="tx1"/>
+          </a:fontRef>
+        </p:style>
+      </p:cxnSp>
+      <p:cxnSp>
+        <p:nvCxnSpPr>
+          <p:cNvPr id="39" name="Rechte verbindingslijn met pijl 38"/>
+          <p:cNvCxnSpPr/>
+          <p:nvPr/>
+        </p:nvCxnSpPr>
+        <p:spPr>
+          <a:xfrm>
+            <a:off x="5848350" y="3041892"/>
+            <a:ext cx="1408741" cy="1705833"/>
+          </a:xfrm>
+          <a:prstGeom prst="straightConnector1">
+            <a:avLst/>
+          </a:prstGeom>
+          <a:ln w="19050">
+            <a:tailEnd type="triangle"/>
+          </a:ln>
+        </p:spPr>
+        <p:style>
+          <a:lnRef idx="1">
+            <a:schemeClr val="accent1"/>
+          </a:lnRef>
+          <a:fillRef idx="0">
+            <a:schemeClr val="accent1"/>
+          </a:fillRef>
+          <a:effectRef idx="0">
+            <a:schemeClr val="accent1"/>
+          </a:effectRef>
+          <a:fontRef idx="minor">
+            <a:schemeClr val="tx1"/>
+          </a:fontRef>
+        </p:style>
+      </p:cxnSp>
+      <p:cxnSp>
+        <p:nvCxnSpPr>
+          <p:cNvPr id="42" name="Rechte verbindingslijn met pijl 41"/>
+          <p:cNvCxnSpPr/>
+          <p:nvPr/>
+        </p:nvCxnSpPr>
+        <p:spPr>
+          <a:xfrm flipH="1">
+            <a:off x="8724900" y="3061188"/>
+            <a:ext cx="1700925" cy="1686537"/>
+          </a:xfrm>
+          <a:prstGeom prst="straightConnector1">
+            <a:avLst/>
+          </a:prstGeom>
+          <a:ln w="19050">
+            <a:tailEnd type="triangle"/>
+          </a:ln>
+        </p:spPr>
+        <p:style>
+          <a:lnRef idx="1">
+            <a:schemeClr val="accent1"/>
+          </a:lnRef>
+          <a:fillRef idx="0">
+            <a:schemeClr val="accent1"/>
+          </a:fillRef>
+          <a:effectRef idx="0">
+            <a:schemeClr val="accent1"/>
+          </a:effectRef>
+          <a:fontRef idx="minor">
+            <a:schemeClr val="tx1"/>
+          </a:fontRef>
+        </p:style>
+      </p:cxnSp>
       <p:grpSp>
         <p:nvGrpSpPr>
           <p:cNvPr id="15" name="Groep 14"/>
@@ -8359,7 +8494,7 @@
         </p:nvGrpSpPr>
         <p:grpSpPr>
           <a:xfrm>
-            <a:off x="9505340" y="2165593"/>
+            <a:off x="9505340" y="2533893"/>
             <a:ext cx="1968500" cy="1016000"/>
             <a:chOff x="6731000" y="2508495"/>
             <a:chExt cx="1968500" cy="1016000"/>
@@ -8400,24 +8535,885 @@
             <a:p>
               <a:pPr marL="622300" algn="ctr"/>
               <a:r>
-                <a:rPr lang="nl-NL" dirty="0" smtClean="0"/>
+                <a:rPr lang="nl-NL" dirty="0"/>
                 <a:t>RDF</a:t>
               </a:r>
             </a:p>
             <a:p>
               <a:pPr marL="622300" algn="ctr"/>
               <a:r>
-                <a:rPr lang="nl-NL" dirty="0" smtClean="0"/>
+                <a:rPr lang="nl-NL" dirty="0"/>
                 <a:t>model</a:t>
               </a:r>
             </a:p>
             <a:p>
               <a:pPr marL="622300" algn="ctr"/>
               <a:r>
-                <a:rPr lang="nl-NL" dirty="0" smtClean="0"/>
+                <a:rPr lang="nl-NL" dirty="0"/>
                 <a:t>#2</a:t>
               </a:r>
-              <a:endParaRPr lang="nl-NL" dirty="0"/>
+            </a:p>
+          </p:txBody>
+        </p:sp>
+        <p:pic>
+          <p:nvPicPr>
+            <p:cNvPr id="21" name="Afbeelding 20"/>
+            <p:cNvPicPr>
+              <a:picLocks noChangeAspect="1"/>
+            </p:cNvPicPr>
+            <p:nvPr/>
+          </p:nvPicPr>
+          <p:blipFill>
+            <a:blip r:embed="rId3" cstate="print">
+              <a:extLst>
+                <a:ext uri="{28A0092B-C50C-407E-A947-70E740481C1C}">
+                  <a14:useLocalDpi xmlns:a14="http://schemas.microsoft.com/office/drawing/2010/main" val="0"/>
+                </a:ext>
+              </a:extLst>
+            </a:blip>
+            <a:stretch>
+              <a:fillRect/>
+            </a:stretch>
+          </p:blipFill>
+          <p:spPr>
+            <a:xfrm>
+              <a:off x="6876845" y="2695942"/>
+              <a:ext cx="587275" cy="641105"/>
+            </a:xfrm>
+            <a:prstGeom prst="rect">
+              <a:avLst/>
+            </a:prstGeom>
+          </p:spPr>
+        </p:pic>
+      </p:grpSp>
+      <p:grpSp>
+        <p:nvGrpSpPr>
+          <p:cNvPr id="11" name="Groep 10"/>
+          <p:cNvGrpSpPr/>
+          <p:nvPr/>
+        </p:nvGrpSpPr>
+        <p:grpSpPr>
+          <a:xfrm>
+            <a:off x="4864100" y="2533895"/>
+            <a:ext cx="1968500" cy="1016000"/>
+            <a:chOff x="6731000" y="2508495"/>
+            <a:chExt cx="1968500" cy="1016000"/>
+          </a:xfrm>
+        </p:grpSpPr>
+        <p:sp>
+          <p:nvSpPr>
+            <p:cNvPr id="8" name="Afgeronde rechthoek 7"/>
+            <p:cNvSpPr/>
+            <p:nvPr/>
+          </p:nvSpPr>
+          <p:spPr>
+            <a:xfrm>
+              <a:off x="6731000" y="2508495"/>
+              <a:ext cx="1968500" cy="1016000"/>
+            </a:xfrm>
+            <a:prstGeom prst="roundRect">
+              <a:avLst/>
+            </a:prstGeom>
+          </p:spPr>
+          <p:style>
+            <a:lnRef idx="1">
+              <a:schemeClr val="accent1"/>
+            </a:lnRef>
+            <a:fillRef idx="2">
+              <a:schemeClr val="accent1"/>
+            </a:fillRef>
+            <a:effectRef idx="1">
+              <a:schemeClr val="accent1"/>
+            </a:effectRef>
+            <a:fontRef idx="minor">
+              <a:schemeClr val="dk1"/>
+            </a:fontRef>
+          </p:style>
+          <p:txBody>
+            <a:bodyPr rtlCol="0" anchor="ctr"/>
+            <a:lstStyle/>
+            <a:p>
+              <a:pPr marL="622300" algn="ctr"/>
+              <a:r>
+                <a:rPr lang="nl-NL" dirty="0"/>
+                <a:t>RDF</a:t>
+              </a:r>
+            </a:p>
+            <a:p>
+              <a:pPr marL="622300" algn="ctr"/>
+              <a:r>
+                <a:rPr lang="nl-NL" dirty="0"/>
+                <a:t>model</a:t>
+              </a:r>
+            </a:p>
+            <a:p>
+              <a:pPr marL="622300" algn="ctr"/>
+              <a:r>
+                <a:rPr lang="nl-NL" dirty="0"/>
+                <a:t>#1</a:t>
+              </a:r>
+            </a:p>
+          </p:txBody>
+        </p:sp>
+        <p:pic>
+          <p:nvPicPr>
+            <p:cNvPr id="10" name="Afbeelding 9"/>
+            <p:cNvPicPr>
+              <a:picLocks noChangeAspect="1"/>
+            </p:cNvPicPr>
+            <p:nvPr/>
+          </p:nvPicPr>
+          <p:blipFill>
+            <a:blip r:embed="rId3" cstate="print">
+              <a:extLst>
+                <a:ext uri="{28A0092B-C50C-407E-A947-70E740481C1C}">
+                  <a14:useLocalDpi xmlns:a14="http://schemas.microsoft.com/office/drawing/2010/main" val="0"/>
+                </a:ext>
+              </a:extLst>
+            </a:blip>
+            <a:stretch>
+              <a:fillRect/>
+            </a:stretch>
+          </p:blipFill>
+          <p:spPr>
+            <a:xfrm>
+              <a:off x="6876845" y="2695942"/>
+              <a:ext cx="587275" cy="641105"/>
+            </a:xfrm>
+            <a:prstGeom prst="rect">
+              <a:avLst/>
+            </a:prstGeom>
+          </p:spPr>
+        </p:pic>
+      </p:grpSp>
+      <p:sp>
+        <p:nvSpPr>
+          <p:cNvPr id="46" name="Tekstvak 45"/>
+          <p:cNvSpPr txBox="1"/>
+          <p:nvPr/>
+        </p:nvSpPr>
+        <p:spPr>
+          <a:xfrm>
+            <a:off x="1327150" y="3951242"/>
+            <a:ext cx="1035283" cy="307777"/>
+          </a:xfrm>
+          <a:prstGeom prst="rect">
+            <a:avLst/>
+          </a:prstGeom>
+          <a:noFill/>
+        </p:spPr>
+        <p:txBody>
+          <a:bodyPr wrap="none" rtlCol="0">
+            <a:spAutoFit/>
+          </a:bodyPr>
+          <a:lstStyle/>
+          <a:p>
+            <a:r>
+              <a:rPr lang="nl-NL" sz="1400" i="1" dirty="0" err="1"/>
+              <a:t>Complies</a:t>
+            </a:r>
+            <a:r>
+              <a:rPr lang="nl-NL" sz="1400" i="1" dirty="0"/>
+              <a:t> </a:t>
+            </a:r>
+            <a:r>
+              <a:rPr lang="nl-NL" sz="1400" i="1" dirty="0" err="1"/>
+              <a:t>to</a:t>
+            </a:r>
+            <a:endParaRPr lang="nl-NL" sz="1400" i="1" dirty="0"/>
+          </a:p>
+        </p:txBody>
+      </p:sp>
+      <p:sp>
+        <p:nvSpPr>
+          <p:cNvPr id="47" name="Tekstvak 46"/>
+          <p:cNvSpPr txBox="1"/>
+          <p:nvPr/>
+        </p:nvSpPr>
+        <p:spPr>
+          <a:xfrm>
+            <a:off x="5597220" y="3951242"/>
+            <a:ext cx="1035283" cy="307777"/>
+          </a:xfrm>
+          <a:prstGeom prst="rect">
+            <a:avLst/>
+          </a:prstGeom>
+          <a:noFill/>
+        </p:spPr>
+        <p:txBody>
+          <a:bodyPr wrap="none" rtlCol="0">
+            <a:spAutoFit/>
+          </a:bodyPr>
+          <a:lstStyle/>
+          <a:p>
+            <a:r>
+              <a:rPr lang="nl-NL" sz="1400" i="1" dirty="0" err="1"/>
+              <a:t>Complies</a:t>
+            </a:r>
+            <a:r>
+              <a:rPr lang="nl-NL" sz="1400" i="1" dirty="0"/>
+              <a:t> </a:t>
+            </a:r>
+            <a:r>
+              <a:rPr lang="nl-NL" sz="1400" i="1" dirty="0" err="1"/>
+              <a:t>to</a:t>
+            </a:r>
+            <a:endParaRPr lang="nl-NL" sz="1400" i="1" dirty="0"/>
+          </a:p>
+        </p:txBody>
+      </p:sp>
+      <p:sp>
+        <p:nvSpPr>
+          <p:cNvPr id="48" name="Tekstvak 47"/>
+          <p:cNvSpPr txBox="1"/>
+          <p:nvPr/>
+        </p:nvSpPr>
+        <p:spPr>
+          <a:xfrm>
+            <a:off x="9414356" y="3955231"/>
+            <a:ext cx="1035283" cy="307777"/>
+          </a:xfrm>
+          <a:prstGeom prst="rect">
+            <a:avLst/>
+          </a:prstGeom>
+          <a:noFill/>
+        </p:spPr>
+        <p:txBody>
+          <a:bodyPr wrap="none" rtlCol="0">
+            <a:spAutoFit/>
+          </a:bodyPr>
+          <a:lstStyle/>
+          <a:p>
+            <a:r>
+              <a:rPr lang="nl-NL" sz="1400" i="1" dirty="0" err="1"/>
+              <a:t>Complies</a:t>
+            </a:r>
+            <a:r>
+              <a:rPr lang="nl-NL" sz="1400" i="1" dirty="0"/>
+              <a:t> </a:t>
+            </a:r>
+            <a:r>
+              <a:rPr lang="nl-NL" sz="1400" i="1" dirty="0" err="1"/>
+              <a:t>to</a:t>
+            </a:r>
+            <a:endParaRPr lang="nl-NL" sz="1400" i="1" dirty="0"/>
+          </a:p>
+        </p:txBody>
+      </p:sp>
+      <p:sp>
+        <p:nvSpPr>
+          <p:cNvPr id="37" name="Tekstvak 36">
+            <a:extLst>
+              <a:ext uri="{FF2B5EF4-FFF2-40B4-BE49-F238E27FC236}">
+                <a16:creationId xmlns:a16="http://schemas.microsoft.com/office/drawing/2014/main" id="{96994F06-EE7D-2A4D-9679-CBC1D9399823}"/>
+              </a:ext>
+            </a:extLst>
+          </p:cNvPr>
+          <p:cNvSpPr txBox="1"/>
+          <p:nvPr/>
+        </p:nvSpPr>
+        <p:spPr>
+          <a:xfrm>
+            <a:off x="4765411" y="1767993"/>
+            <a:ext cx="968535" cy="307777"/>
+          </a:xfrm>
+          <a:prstGeom prst="rect">
+            <a:avLst/>
+          </a:prstGeom>
+          <a:noFill/>
+        </p:spPr>
+        <p:txBody>
+          <a:bodyPr wrap="none" rtlCol="0">
+            <a:spAutoFit/>
+          </a:bodyPr>
+          <a:lstStyle/>
+          <a:p>
+            <a:r>
+              <a:rPr lang="nl-NL" sz="1400" i="1" dirty="0"/>
+              <a:t>A model of</a:t>
+            </a:r>
+          </a:p>
+        </p:txBody>
+      </p:sp>
+    </p:spTree>
+    <p:extLst>
+      <p:ext uri="{BB962C8B-B14F-4D97-AF65-F5344CB8AC3E}">
+        <p14:creationId xmlns:p14="http://schemas.microsoft.com/office/powerpoint/2010/main" val="595941482"/>
+      </p:ext>
+    </p:extLst>
+  </p:cSld>
+  <p:clrMapOvr>
+    <a:masterClrMapping/>
+  </p:clrMapOvr>
+</p:sld>
+</file>
+
+<file path=ppt/slides/slide16.xml><?xml version="1.0" encoding="utf-8"?>
+<p:sld xmlns:a="http://schemas.openxmlformats.org/drawingml/2006/main" xmlns:r="http://schemas.openxmlformats.org/officeDocument/2006/relationships" xmlns:p="http://schemas.openxmlformats.org/presentationml/2006/main">
+  <p:cSld>
+    <p:spTree>
+      <p:nvGrpSpPr>
+        <p:cNvPr id="1" name=""/>
+        <p:cNvGrpSpPr/>
+        <p:nvPr/>
+      </p:nvGrpSpPr>
+      <p:grpSpPr>
+        <a:xfrm>
+          <a:off x="0" y="0"/>
+          <a:ext cx="0" cy="0"/>
+          <a:chOff x="0" y="0"/>
+          <a:chExt cx="0" cy="0"/>
+        </a:xfrm>
+      </p:grpSpPr>
+      <p:cxnSp>
+        <p:nvCxnSpPr>
+          <p:cNvPr id="82" name="Rechte verbindingslijn met pijl 81"/>
+          <p:cNvCxnSpPr/>
+          <p:nvPr/>
+        </p:nvCxnSpPr>
+        <p:spPr>
+          <a:xfrm flipH="1">
+            <a:off x="5544558" y="4287357"/>
+            <a:ext cx="186971" cy="1389543"/>
+          </a:xfrm>
+          <a:prstGeom prst="straightConnector1">
+            <a:avLst/>
+          </a:prstGeom>
+          <a:ln w="19050">
+            <a:tailEnd type="triangle"/>
+          </a:ln>
+        </p:spPr>
+        <p:style>
+          <a:lnRef idx="1">
+            <a:schemeClr val="accent1"/>
+          </a:lnRef>
+          <a:fillRef idx="0">
+            <a:schemeClr val="accent1"/>
+          </a:fillRef>
+          <a:effectRef idx="0">
+            <a:schemeClr val="accent1"/>
+          </a:effectRef>
+          <a:fontRef idx="minor">
+            <a:schemeClr val="tx1"/>
+          </a:fontRef>
+        </p:style>
+      </p:cxnSp>
+      <p:sp>
+        <p:nvSpPr>
+          <p:cNvPr id="72" name="Afgeronde rechthoek 71"/>
+          <p:cNvSpPr/>
+          <p:nvPr/>
+        </p:nvSpPr>
+        <p:spPr>
+          <a:xfrm>
+            <a:off x="4864100" y="3763406"/>
+            <a:ext cx="1968500" cy="1016000"/>
+          </a:xfrm>
+          <a:prstGeom prst="roundRect">
+            <a:avLst/>
+          </a:prstGeom>
+        </p:spPr>
+        <p:style>
+          <a:lnRef idx="1">
+            <a:schemeClr val="accent3"/>
+          </a:lnRef>
+          <a:fillRef idx="2">
+            <a:schemeClr val="accent3"/>
+          </a:fillRef>
+          <a:effectRef idx="1">
+            <a:schemeClr val="accent3"/>
+          </a:effectRef>
+          <a:fontRef idx="minor">
+            <a:schemeClr val="dk1"/>
+          </a:fontRef>
+        </p:style>
+        <p:txBody>
+          <a:bodyPr rtlCol="0" anchor="ctr"/>
+          <a:lstStyle/>
+          <a:p>
+            <a:pPr marL="533400" algn="ctr"/>
+            <a:r>
+              <a:rPr lang="nl-NL" dirty="0"/>
+              <a:t>RDF</a:t>
+            </a:r>
+          </a:p>
+          <a:p>
+            <a:pPr marL="533400" algn="ctr"/>
+            <a:r>
+              <a:rPr lang="nl-NL" dirty="0"/>
+              <a:t>NEN3610</a:t>
+            </a:r>
+          </a:p>
+          <a:p>
+            <a:pPr marL="533400" algn="ctr"/>
+            <a:r>
+              <a:rPr lang="nl-NL" dirty="0"/>
+              <a:t>metamodel</a:t>
+            </a:r>
+          </a:p>
+        </p:txBody>
+      </p:sp>
+      <p:cxnSp>
+        <p:nvCxnSpPr>
+          <p:cNvPr id="85" name="Rechte verbindingslijn met pijl 84"/>
+          <p:cNvCxnSpPr/>
+          <p:nvPr/>
+        </p:nvCxnSpPr>
+        <p:spPr>
+          <a:xfrm flipH="1">
+            <a:off x="6508345" y="2785081"/>
+            <a:ext cx="3846936" cy="2984011"/>
+          </a:xfrm>
+          <a:prstGeom prst="straightConnector1">
+            <a:avLst/>
+          </a:prstGeom>
+          <a:ln w="19050">
+            <a:tailEnd type="triangle"/>
+          </a:ln>
+        </p:spPr>
+        <p:style>
+          <a:lnRef idx="1">
+            <a:schemeClr val="accent1"/>
+          </a:lnRef>
+          <a:fillRef idx="0">
+            <a:schemeClr val="accent1"/>
+          </a:fillRef>
+          <a:effectRef idx="0">
+            <a:schemeClr val="accent1"/>
+          </a:effectRef>
+          <a:fontRef idx="minor">
+            <a:schemeClr val="tx1"/>
+          </a:fontRef>
+        </p:style>
+      </p:cxnSp>
+      <p:cxnSp>
+        <p:nvCxnSpPr>
+          <p:cNvPr id="92" name="Rechte verbindingslijn met pijl 91"/>
+          <p:cNvCxnSpPr/>
+          <p:nvPr/>
+        </p:nvCxnSpPr>
+        <p:spPr>
+          <a:xfrm flipH="1">
+            <a:off x="6832600" y="2673594"/>
+            <a:ext cx="3593224" cy="1089812"/>
+          </a:xfrm>
+          <a:prstGeom prst="straightConnector1">
+            <a:avLst/>
+          </a:prstGeom>
+          <a:ln w="19050">
+            <a:tailEnd type="triangle"/>
+          </a:ln>
+        </p:spPr>
+        <p:style>
+          <a:lnRef idx="1">
+            <a:schemeClr val="accent1"/>
+          </a:lnRef>
+          <a:fillRef idx="0">
+            <a:schemeClr val="accent1"/>
+          </a:fillRef>
+          <a:effectRef idx="0">
+            <a:schemeClr val="accent1"/>
+          </a:effectRef>
+          <a:fontRef idx="minor">
+            <a:schemeClr val="tx1"/>
+          </a:fontRef>
+        </p:style>
+      </p:cxnSp>
+      <p:sp>
+        <p:nvSpPr>
+          <p:cNvPr id="6" name="Wolkvormige toelichting 5"/>
+          <p:cNvSpPr/>
+          <p:nvPr/>
+        </p:nvSpPr>
+        <p:spPr>
+          <a:xfrm>
+            <a:off x="2616200" y="114300"/>
+            <a:ext cx="2108200" cy="1028700"/>
+          </a:xfrm>
+          <a:prstGeom prst="cloudCallout">
+            <a:avLst>
+              <a:gd name="adj1" fmla="val -120833"/>
+              <a:gd name="adj2" fmla="val 229167"/>
+            </a:avLst>
+          </a:prstGeom>
+        </p:spPr>
+        <p:style>
+          <a:lnRef idx="1">
+            <a:schemeClr val="accent6"/>
+          </a:lnRef>
+          <a:fillRef idx="2">
+            <a:schemeClr val="accent6"/>
+          </a:fillRef>
+          <a:effectRef idx="1">
+            <a:schemeClr val="accent6"/>
+          </a:effectRef>
+          <a:fontRef idx="minor">
+            <a:schemeClr val="dk1"/>
+          </a:fontRef>
+        </p:style>
+        <p:txBody>
+          <a:bodyPr rtlCol="0" anchor="ctr"/>
+          <a:lstStyle/>
+          <a:p>
+            <a:pPr algn="ctr"/>
+            <a:r>
+              <a:rPr lang="nl-NL" dirty="0" err="1"/>
+              <a:t>Universe</a:t>
+            </a:r>
+            <a:r>
+              <a:rPr lang="nl-NL" dirty="0"/>
+              <a:t> of Discourse</a:t>
+            </a:r>
+          </a:p>
+          <a:p>
+            <a:pPr algn="ctr"/>
+            <a:r>
+              <a:rPr lang="nl-NL" dirty="0"/>
+              <a:t>(</a:t>
+            </a:r>
+            <a:r>
+              <a:rPr lang="nl-NL" dirty="0" err="1"/>
+              <a:t>UoD</a:t>
+            </a:r>
+            <a:r>
+              <a:rPr lang="nl-NL" dirty="0"/>
+              <a:t>)</a:t>
+            </a:r>
+          </a:p>
+        </p:txBody>
+      </p:sp>
+      <p:sp>
+        <p:nvSpPr>
+          <p:cNvPr id="12" name="Rechthoek 11"/>
+          <p:cNvSpPr/>
+          <p:nvPr/>
+        </p:nvSpPr>
+        <p:spPr>
+          <a:xfrm>
+            <a:off x="2184400" y="1485900"/>
+            <a:ext cx="723900" cy="508000"/>
+          </a:xfrm>
+          <a:prstGeom prst="rect">
+            <a:avLst/>
+          </a:prstGeom>
+          <a:solidFill>
+            <a:schemeClr val="bg1"/>
+          </a:solidFill>
+          <a:ln>
+            <a:solidFill>
+              <a:schemeClr val="bg1"/>
+            </a:solidFill>
+          </a:ln>
+        </p:spPr>
+        <p:style>
+          <a:lnRef idx="2">
+            <a:schemeClr val="accent1">
+              <a:shade val="50000"/>
+            </a:schemeClr>
+          </a:lnRef>
+          <a:fillRef idx="1">
+            <a:schemeClr val="accent1"/>
+          </a:fillRef>
+          <a:effectRef idx="0">
+            <a:schemeClr val="accent1"/>
+          </a:effectRef>
+          <a:fontRef idx="minor">
+            <a:schemeClr val="lt1"/>
+          </a:fontRef>
+        </p:style>
+        <p:txBody>
+          <a:bodyPr rtlCol="0" anchor="ctr"/>
+          <a:lstStyle/>
+          <a:p>
+            <a:pPr algn="ctr"/>
+            <a:endParaRPr lang="nl-NL"/>
+          </a:p>
+        </p:txBody>
+      </p:sp>
+      <p:cxnSp>
+        <p:nvCxnSpPr>
+          <p:cNvPr id="14" name="Rechte verbindingslijn met pijl 13"/>
+          <p:cNvCxnSpPr/>
+          <p:nvPr/>
+        </p:nvCxnSpPr>
+        <p:spPr>
+          <a:xfrm flipV="1">
+            <a:off x="1447800" y="1143000"/>
+            <a:ext cx="1562100" cy="1530594"/>
+          </a:xfrm>
+          <a:prstGeom prst="straightConnector1">
+            <a:avLst/>
+          </a:prstGeom>
+          <a:ln w="19050">
+            <a:tailEnd type="triangle"/>
+          </a:ln>
+        </p:spPr>
+        <p:style>
+          <a:lnRef idx="1">
+            <a:schemeClr val="accent1"/>
+          </a:lnRef>
+          <a:fillRef idx="0">
+            <a:schemeClr val="accent1"/>
+          </a:fillRef>
+          <a:effectRef idx="0">
+            <a:schemeClr val="accent1"/>
+          </a:effectRef>
+          <a:fontRef idx="minor">
+            <a:schemeClr val="tx1"/>
+          </a:fontRef>
+        </p:style>
+      </p:cxnSp>
+      <p:cxnSp>
+        <p:nvCxnSpPr>
+          <p:cNvPr id="16" name="Rechte verbindingslijn met pijl 15"/>
+          <p:cNvCxnSpPr/>
+          <p:nvPr/>
+        </p:nvCxnSpPr>
+        <p:spPr>
+          <a:xfrm flipH="1" flipV="1">
+            <a:off x="4864100" y="736600"/>
+            <a:ext cx="5561724" cy="1816100"/>
+          </a:xfrm>
+          <a:prstGeom prst="straightConnector1">
+            <a:avLst/>
+          </a:prstGeom>
+          <a:ln w="19050">
+            <a:tailEnd type="triangle"/>
+          </a:ln>
+        </p:spPr>
+        <p:style>
+          <a:lnRef idx="1">
+            <a:schemeClr val="accent1"/>
+          </a:lnRef>
+          <a:fillRef idx="0">
+            <a:schemeClr val="accent1"/>
+          </a:fillRef>
+          <a:effectRef idx="0">
+            <a:schemeClr val="accent1"/>
+          </a:effectRef>
+          <a:fontRef idx="minor">
+            <a:schemeClr val="tx1"/>
+          </a:fontRef>
+        </p:style>
+      </p:cxnSp>
+      <p:sp>
+        <p:nvSpPr>
+          <p:cNvPr id="17" name="Tekstvak 16"/>
+          <p:cNvSpPr txBox="1"/>
+          <p:nvPr/>
+        </p:nvSpPr>
+        <p:spPr>
+          <a:xfrm>
+            <a:off x="1514043" y="1252759"/>
+            <a:ext cx="1257588" cy="307777"/>
+          </a:xfrm>
+          <a:prstGeom prst="rect">
+            <a:avLst/>
+          </a:prstGeom>
+          <a:noFill/>
+        </p:spPr>
+        <p:txBody>
+          <a:bodyPr wrap="none" rtlCol="0">
+            <a:spAutoFit/>
+          </a:bodyPr>
+          <a:lstStyle/>
+          <a:p>
+            <a:r>
+              <a:rPr lang="nl-NL" sz="1400" i="1" dirty="0"/>
+              <a:t>Een model van</a:t>
+            </a:r>
+          </a:p>
+        </p:txBody>
+      </p:sp>
+      <p:sp>
+        <p:nvSpPr>
+          <p:cNvPr id="18" name="Tekstvak 17"/>
+          <p:cNvSpPr txBox="1"/>
+          <p:nvPr/>
+        </p:nvSpPr>
+        <p:spPr>
+          <a:xfrm>
+            <a:off x="7257091" y="1178123"/>
+            <a:ext cx="1257588" cy="307777"/>
+          </a:xfrm>
+          <a:prstGeom prst="rect">
+            <a:avLst/>
+          </a:prstGeom>
+          <a:noFill/>
+        </p:spPr>
+        <p:txBody>
+          <a:bodyPr wrap="none" rtlCol="0">
+            <a:spAutoFit/>
+          </a:bodyPr>
+          <a:lstStyle/>
+          <a:p>
+            <a:r>
+              <a:rPr lang="nl-NL" sz="1400" i="1" dirty="0"/>
+              <a:t>Een model van</a:t>
+            </a:r>
+          </a:p>
+        </p:txBody>
+      </p:sp>
+      <p:sp>
+        <p:nvSpPr>
+          <p:cNvPr id="19" name="PIJL-RECHTS 18"/>
+          <p:cNvSpPr/>
+          <p:nvPr/>
+        </p:nvSpPr>
+        <p:spPr>
+          <a:xfrm>
+            <a:off x="2425700" y="2429241"/>
+            <a:ext cx="2298700" cy="527295"/>
+          </a:xfrm>
+          <a:prstGeom prst="rightArrow">
+            <a:avLst/>
+          </a:prstGeom>
+        </p:spPr>
+        <p:style>
+          <a:lnRef idx="2">
+            <a:schemeClr val="accent1">
+              <a:shade val="50000"/>
+            </a:schemeClr>
+          </a:lnRef>
+          <a:fillRef idx="1">
+            <a:schemeClr val="accent1"/>
+          </a:fillRef>
+          <a:effectRef idx="0">
+            <a:schemeClr val="accent1"/>
+          </a:effectRef>
+          <a:fontRef idx="minor">
+            <a:schemeClr val="lt1"/>
+          </a:fontRef>
+        </p:style>
+        <p:txBody>
+          <a:bodyPr rtlCol="0" anchor="ctr"/>
+          <a:lstStyle/>
+          <a:p>
+            <a:pPr algn="ctr"/>
+            <a:r>
+              <a:rPr lang="nl-NL" dirty="0" err="1"/>
+              <a:t>autom</a:t>
+            </a:r>
+            <a:r>
+              <a:rPr lang="nl-NL" dirty="0"/>
+              <a:t>. transformatie</a:t>
+            </a:r>
+          </a:p>
+        </p:txBody>
+      </p:sp>
+      <p:sp>
+        <p:nvSpPr>
+          <p:cNvPr id="22" name="PIJL-RECHTS 21"/>
+          <p:cNvSpPr/>
+          <p:nvPr/>
+        </p:nvSpPr>
+        <p:spPr>
+          <a:xfrm>
+            <a:off x="7019620" y="2409946"/>
+            <a:ext cx="2298700" cy="527295"/>
+          </a:xfrm>
+          <a:prstGeom prst="rightArrow">
+            <a:avLst/>
+          </a:prstGeom>
+        </p:spPr>
+        <p:style>
+          <a:lnRef idx="2">
+            <a:schemeClr val="accent1">
+              <a:shade val="50000"/>
+            </a:schemeClr>
+          </a:lnRef>
+          <a:fillRef idx="1">
+            <a:schemeClr val="accent1"/>
+          </a:fillRef>
+          <a:effectRef idx="0">
+            <a:schemeClr val="accent1"/>
+          </a:effectRef>
+          <a:fontRef idx="minor">
+            <a:schemeClr val="lt1"/>
+          </a:fontRef>
+        </p:style>
+        <p:txBody>
+          <a:bodyPr rtlCol="0" anchor="ctr"/>
+          <a:lstStyle/>
+          <a:p>
+            <a:pPr algn="ctr"/>
+            <a:r>
+              <a:rPr lang="nl-NL" dirty="0" err="1"/>
+              <a:t>handm</a:t>
+            </a:r>
+            <a:r>
+              <a:rPr lang="nl-NL" dirty="0"/>
+              <a:t>. aanpassen</a:t>
+            </a:r>
+          </a:p>
+        </p:txBody>
+      </p:sp>
+      <p:grpSp>
+        <p:nvGrpSpPr>
+          <p:cNvPr id="15" name="Groep 14"/>
+          <p:cNvGrpSpPr/>
+          <p:nvPr/>
+        </p:nvGrpSpPr>
+        <p:grpSpPr>
+          <a:xfrm>
+            <a:off x="9505340" y="2165593"/>
+            <a:ext cx="1968500" cy="1016000"/>
+            <a:chOff x="6731000" y="2508495"/>
+            <a:chExt cx="1968500" cy="1016000"/>
+          </a:xfrm>
+        </p:grpSpPr>
+        <p:sp>
+          <p:nvSpPr>
+            <p:cNvPr id="20" name="Afgeronde rechthoek 19"/>
+            <p:cNvSpPr/>
+            <p:nvPr/>
+          </p:nvSpPr>
+          <p:spPr>
+            <a:xfrm>
+              <a:off x="6731000" y="2508495"/>
+              <a:ext cx="1968500" cy="1016000"/>
+            </a:xfrm>
+            <a:prstGeom prst="roundRect">
+              <a:avLst/>
+            </a:prstGeom>
+          </p:spPr>
+          <p:style>
+            <a:lnRef idx="1">
+              <a:schemeClr val="accent1"/>
+            </a:lnRef>
+            <a:fillRef idx="2">
+              <a:schemeClr val="accent1"/>
+            </a:fillRef>
+            <a:effectRef idx="1">
+              <a:schemeClr val="accent1"/>
+            </a:effectRef>
+            <a:fontRef idx="minor">
+              <a:schemeClr val="dk1"/>
+            </a:fontRef>
+          </p:style>
+          <p:txBody>
+            <a:bodyPr rtlCol="0" anchor="ctr"/>
+            <a:lstStyle/>
+            <a:p>
+              <a:pPr marL="622300" algn="ctr"/>
+              <a:r>
+                <a:rPr lang="nl-NL" dirty="0"/>
+                <a:t>RDF</a:t>
+              </a:r>
+            </a:p>
+            <a:p>
+              <a:pPr marL="622300" algn="ctr"/>
+              <a:r>
+                <a:rPr lang="nl-NL" dirty="0"/>
+                <a:t>model</a:t>
+              </a:r>
+            </a:p>
+            <a:p>
+              <a:pPr marL="622300" algn="ctr"/>
+              <a:r>
+                <a:rPr lang="nl-NL" dirty="0"/>
+                <a:t>#2</a:t>
+              </a:r>
             </a:p>
           </p:txBody>
         </p:sp>
@@ -8501,24 +9497,23 @@
             <a:p>
               <a:pPr marL="622300" algn="ctr"/>
               <a:r>
-                <a:rPr lang="nl-NL" dirty="0" smtClean="0"/>
+                <a:rPr lang="nl-NL" dirty="0"/>
                 <a:t>RDF</a:t>
               </a:r>
             </a:p>
             <a:p>
               <a:pPr marL="622300" algn="ctr"/>
               <a:r>
-                <a:rPr lang="nl-NL" dirty="0" smtClean="0"/>
+                <a:rPr lang="nl-NL" dirty="0"/>
                 <a:t>model</a:t>
               </a:r>
             </a:p>
             <a:p>
               <a:pPr marL="622300" algn="ctr"/>
               <a:r>
-                <a:rPr lang="nl-NL" dirty="0" smtClean="0"/>
+                <a:rPr lang="nl-NL" dirty="0"/>
                 <a:t>#1</a:t>
               </a:r>
-              <a:endParaRPr lang="nl-NL" dirty="0"/>
             </a:p>
           </p:txBody>
         </p:sp>
@@ -8602,24 +9597,23 @@
             <a:p>
               <a:pPr marL="622300" algn="ctr"/>
               <a:r>
-                <a:rPr lang="nl-NL" dirty="0" smtClean="0"/>
+                <a:rPr lang="nl-NL" dirty="0"/>
                 <a:t>XSD</a:t>
               </a:r>
             </a:p>
             <a:p>
               <a:pPr marL="622300" algn="ctr"/>
               <a:r>
-                <a:rPr lang="nl-NL" dirty="0" smtClean="0"/>
+                <a:rPr lang="nl-NL" dirty="0"/>
                 <a:t>data</a:t>
               </a:r>
             </a:p>
             <a:p>
               <a:pPr marL="622300" algn="ctr"/>
               <a:r>
-                <a:rPr lang="nl-NL" dirty="0" smtClean="0"/>
+                <a:rPr lang="nl-NL" dirty="0"/>
                 <a:t>structuur</a:t>
               </a:r>
-              <a:endParaRPr lang="nl-NL" dirty="0"/>
             </a:p>
           </p:txBody>
         </p:sp>
@@ -8689,14 +9683,14 @@
           <a:p>
             <a:pPr marL="622300" algn="ctr"/>
             <a:r>
-              <a:rPr lang="nl-NL" dirty="0" smtClean="0"/>
+              <a:rPr lang="nl-NL" dirty="0"/>
               <a:t>XML</a:t>
             </a:r>
           </a:p>
           <a:p>
             <a:pPr marL="622300" algn="ctr"/>
             <a:r>
-              <a:rPr lang="nl-NL" dirty="0" smtClean="0"/>
+              <a:rPr lang="nl-NL" dirty="0"/>
               <a:t>data</a:t>
             </a:r>
           </a:p>
@@ -8767,14 +9761,14 @@
           <a:p>
             <a:pPr marL="622300" algn="ctr"/>
             <a:r>
-              <a:rPr lang="nl-NL" dirty="0" smtClean="0"/>
+              <a:rPr lang="nl-NL" dirty="0"/>
               <a:t>RDF</a:t>
             </a:r>
           </a:p>
           <a:p>
             <a:pPr marL="622300" algn="ctr"/>
             <a:r>
-              <a:rPr lang="nl-NL" dirty="0" smtClean="0"/>
+              <a:rPr lang="nl-NL" dirty="0"/>
               <a:t>data</a:t>
             </a:r>
           </a:p>
@@ -8905,10 +9899,9 @@
           <a:lstStyle/>
           <a:p>
             <a:r>
-              <a:rPr lang="nl-NL" sz="1400" i="1" dirty="0" smtClean="0"/>
+              <a:rPr lang="nl-NL" sz="1400" i="1" dirty="0"/>
               <a:t>Afgeleid van</a:t>
             </a:r>
-            <a:endParaRPr lang="nl-NL" sz="1400" i="1" dirty="0"/>
           </a:p>
         </p:txBody>
       </p:sp>
@@ -8935,10 +9928,9 @@
           <a:lstStyle/>
           <a:p>
             <a:r>
-              <a:rPr lang="nl-NL" sz="1400" i="1" dirty="0" smtClean="0"/>
+              <a:rPr lang="nl-NL" sz="1400" i="1" dirty="0"/>
               <a:t>Gestructureerd conform</a:t>
             </a:r>
-            <a:endParaRPr lang="nl-NL" sz="1400" i="1" dirty="0"/>
           </a:p>
         </p:txBody>
       </p:sp>
@@ -9001,10 +9993,9 @@
           <a:lstStyle/>
           <a:p>
             <a:r>
-              <a:rPr lang="nl-NL" sz="1400" i="1" dirty="0" smtClean="0"/>
+              <a:rPr lang="nl-NL" sz="1400" i="1" dirty="0"/>
               <a:t>Gestructureerd conform</a:t>
             </a:r>
-            <a:endParaRPr lang="nl-NL" sz="1400" i="1" dirty="0"/>
           </a:p>
         </p:txBody>
       </p:sp>
@@ -9043,17 +10034,16 @@
           <a:p>
             <a:pPr algn="ctr"/>
             <a:r>
-              <a:rPr lang="nl-NL" dirty="0" smtClean="0"/>
+              <a:rPr lang="nl-NL" dirty="0"/>
               <a:t>Automatische</a:t>
             </a:r>
           </a:p>
           <a:p>
             <a:pPr algn="ctr"/>
             <a:r>
-              <a:rPr lang="nl-NL" dirty="0" smtClean="0"/>
+              <a:rPr lang="nl-NL" dirty="0"/>
               <a:t>transformator</a:t>
             </a:r>
-            <a:endParaRPr lang="nl-NL" dirty="0"/>
           </a:p>
         </p:txBody>
       </p:sp>
@@ -9092,10 +10082,9 @@
           <a:p>
             <a:pPr algn="ctr"/>
             <a:r>
-              <a:rPr lang="nl-NL" dirty="0" smtClean="0"/>
+              <a:rPr lang="nl-NL" dirty="0"/>
               <a:t>input</a:t>
             </a:r>
-            <a:endParaRPr lang="nl-NL" dirty="0"/>
           </a:p>
         </p:txBody>
       </p:sp>
@@ -9134,10 +10123,9 @@
           <a:p>
             <a:pPr algn="ctr"/>
             <a:r>
-              <a:rPr lang="nl-NL" dirty="0" smtClean="0"/>
+              <a:rPr lang="nl-NL" dirty="0"/>
               <a:t>output</a:t>
             </a:r>
-            <a:endParaRPr lang="nl-NL" dirty="0"/>
           </a:p>
         </p:txBody>
       </p:sp>
@@ -9263,10 +10251,9 @@
           <a:lstStyle/>
           <a:p>
             <a:r>
-              <a:rPr lang="nl-NL" sz="1400" i="1" dirty="0" smtClean="0"/>
+              <a:rPr lang="nl-NL" sz="1400" i="1" dirty="0"/>
               <a:t>Voldoet aan</a:t>
             </a:r>
-            <a:endParaRPr lang="nl-NL" sz="1400" i="1" dirty="0"/>
           </a:p>
         </p:txBody>
       </p:sp>
@@ -9293,10 +10280,9 @@
           <a:lstStyle/>
           <a:p>
             <a:r>
-              <a:rPr lang="nl-NL" sz="1400" i="1" dirty="0" smtClean="0"/>
+              <a:rPr lang="nl-NL" sz="1400" i="1" dirty="0"/>
               <a:t>Voldoet aan</a:t>
             </a:r>
-            <a:endParaRPr lang="nl-NL" sz="1400" i="1" dirty="0"/>
           </a:p>
         </p:txBody>
       </p:sp>
@@ -9323,10 +10309,9 @@
           <a:lstStyle/>
           <a:p>
             <a:r>
-              <a:rPr lang="nl-NL" sz="1400" i="1" dirty="0" smtClean="0"/>
+              <a:rPr lang="nl-NL" sz="1400" i="1" dirty="0"/>
               <a:t>Input voor</a:t>
             </a:r>
-            <a:endParaRPr lang="nl-NL" sz="1400" i="1" dirty="0"/>
           </a:p>
         </p:txBody>
       </p:sp>
@@ -9353,10 +10338,9 @@
           <a:lstStyle/>
           <a:p>
             <a:r>
-              <a:rPr lang="nl-NL" sz="1400" i="1" dirty="0" smtClean="0"/>
+              <a:rPr lang="nl-NL" sz="1400" i="1" dirty="0"/>
               <a:t>Input voor</a:t>
             </a:r>
-            <a:endParaRPr lang="nl-NL" sz="1400" i="1" dirty="0"/>
           </a:p>
         </p:txBody>
       </p:sp>
@@ -9409,17 +10393,16 @@
             <a:p>
               <a:pPr marL="622300" algn="ctr"/>
               <a:r>
-                <a:rPr lang="nl-NL" dirty="0" smtClean="0"/>
+                <a:rPr lang="nl-NL" dirty="0"/>
                 <a:t>UML</a:t>
               </a:r>
             </a:p>
             <a:p>
               <a:pPr marL="622300" algn="ctr"/>
               <a:r>
-                <a:rPr lang="nl-NL" dirty="0" smtClean="0"/>
+                <a:rPr lang="nl-NL" dirty="0"/>
                 <a:t>model</a:t>
               </a:r>
-              <a:endParaRPr lang="nl-NL" dirty="0"/>
             </a:p>
           </p:txBody>
         </p:sp>
@@ -9466,7 +10449,7 @@
 </p:sld>
 </file>
 
-<file path=ppt/slides/slide16.xml><?xml version="1.0" encoding="utf-8"?>
+<file path=ppt/slides/slide17.xml><?xml version="1.0" encoding="utf-8"?>
 <p:sld xmlns:a="http://schemas.openxmlformats.org/drawingml/2006/main" xmlns:r="http://schemas.openxmlformats.org/officeDocument/2006/relationships" xmlns:p="http://schemas.openxmlformats.org/presentationml/2006/main">
   <p:cSld>
     <p:spTree>
@@ -9557,13 +10540,6 @@
   <p:clrMapOvr>
     <a:masterClrMapping/>
   </p:clrMapOvr>
-  <p:timing>
-    <p:tnLst>
-      <p:par>
-        <p:cTn id="1" dur="indefinite" restart="never" nodeType="tmRoot"/>
-      </p:par>
-    </p:tnLst>
-  </p:timing>
 </p:sld>
 </file>
 
@@ -9618,13 +10594,6 @@
   <p:clrMapOvr>
     <a:masterClrMapping/>
   </p:clrMapOvr>
-  <p:timing>
-    <p:tnLst>
-      <p:par>
-        <p:cTn id="1" dur="indefinite" restart="never" nodeType="tmRoot"/>
-      </p:par>
-    </p:tnLst>
-  </p:timing>
 </p:sld>
 </file>
 
@@ -9679,13 +10648,6 @@
   <p:clrMapOvr>
     <a:masterClrMapping/>
   </p:clrMapOvr>
-  <p:timing>
-    <p:tnLst>
-      <p:par>
-        <p:cTn id="1" dur="indefinite" restart="never" nodeType="tmRoot"/>
-      </p:par>
-    </p:tnLst>
-  </p:timing>
 </p:sld>
 </file>
 
@@ -9740,13 +10702,6 @@
   <p:clrMapOvr>
     <a:masterClrMapping/>
   </p:clrMapOvr>
-  <p:timing>
-    <p:tnLst>
-      <p:par>
-        <p:cTn id="1" dur="indefinite" restart="never" nodeType="tmRoot"/>
-      </p:par>
-    </p:tnLst>
-  </p:timing>
 </p:sld>
 </file>
 
@@ -9849,13 +10804,6 @@
   <p:clrMapOvr>
     <a:masterClrMapping/>
   </p:clrMapOvr>
-  <p:timing>
-    <p:tnLst>
-      <p:par>
-        <p:cTn id="1" dur="indefinite" restart="never" nodeType="tmRoot"/>
-      </p:par>
-    </p:tnLst>
-  </p:timing>
 </p:sld>
 </file>
 
@@ -10023,13 +10971,6 @@
   <p:clrMapOvr>
     <a:masterClrMapping/>
   </p:clrMapOvr>
-  <p:timing>
-    <p:tnLst>
-      <p:par>
-        <p:cTn id="1" dur="indefinite" restart="never" nodeType="tmRoot"/>
-      </p:par>
-    </p:tnLst>
-  </p:timing>
 </p:sld>
 </file>
 
@@ -10155,13 +11096,6 @@
   <p:clrMapOvr>
     <a:masterClrMapping/>
   </p:clrMapOvr>
-  <p:timing>
-    <p:tnLst>
-      <p:par>
-        <p:cTn id="1" dur="indefinite" restart="never" nodeType="tmRoot"/>
-      </p:par>
-    </p:tnLst>
-  </p:timing>
 </p:sld>
 </file>
 
@@ -10224,7 +11158,7 @@
           <a:p>
             <a:pPr algn="ctr"/>
             <a:r>
-              <a:rPr lang="nl-NL" dirty="0" err="1" smtClean="0"/>
+              <a:rPr lang="nl-NL" dirty="0" err="1"/>
               <a:t>skos:Concept</a:t>
             </a:r>
             <a:endParaRPr lang="nl-NL" dirty="0"/>
@@ -10268,7 +11202,7 @@
           <a:p>
             <a:pPr algn="ctr"/>
             <a:r>
-              <a:rPr lang="nl-NL" dirty="0" err="1" smtClean="0"/>
+              <a:rPr lang="nl-NL" dirty="0" err="1"/>
               <a:t>owl:Class</a:t>
             </a:r>
             <a:endParaRPr lang="nl-NL" dirty="0"/>
@@ -10312,7 +11246,7 @@
           <a:p>
             <a:pPr algn="ctr"/>
             <a:r>
-              <a:rPr lang="nl-NL" dirty="0" err="1" smtClean="0"/>
+              <a:rPr lang="nl-NL" dirty="0" err="1"/>
               <a:t>owl:DatatypeProperty</a:t>
             </a:r>
             <a:endParaRPr lang="nl-NL" dirty="0"/>
@@ -10356,7 +11290,7 @@
           <a:p>
             <a:pPr algn="ctr"/>
             <a:r>
-              <a:rPr lang="nl-NL" dirty="0" err="1" smtClean="0"/>
+              <a:rPr lang="nl-NL" dirty="0" err="1"/>
               <a:t>owl:ObjectProperty</a:t>
             </a:r>
             <a:endParaRPr lang="nl-NL" dirty="0"/>
@@ -10403,7 +11337,7 @@
           <a:p>
             <a:pPr algn="ctr"/>
             <a:r>
-              <a:rPr lang="nl-NL" dirty="0" err="1" smtClean="0"/>
+              <a:rPr lang="nl-NL" dirty="0" err="1"/>
               <a:t>sh:NodeShape</a:t>
             </a:r>
             <a:endParaRPr lang="nl-NL" dirty="0"/>
@@ -10450,7 +11384,7 @@
           <a:p>
             <a:pPr algn="ctr"/>
             <a:r>
-              <a:rPr lang="nl-NL" dirty="0" err="1" smtClean="0"/>
+              <a:rPr lang="nl-NL" dirty="0" err="1"/>
               <a:t>sh:PropertyShape</a:t>
             </a:r>
             <a:endParaRPr lang="nl-NL" dirty="0"/>
@@ -10499,7 +11433,7 @@
           <a:p>
             <a:pPr algn="ctr"/>
             <a:r>
-              <a:rPr lang="nl-NL" dirty="0" err="1" smtClean="0"/>
+              <a:rPr lang="nl-NL" dirty="0" err="1"/>
               <a:t>dctypes:Text</a:t>
             </a:r>
             <a:endParaRPr lang="nl-NL" dirty="0"/>
@@ -10548,7 +11482,7 @@
           <a:p>
             <a:pPr algn="ctr"/>
             <a:r>
-              <a:rPr lang="nl-NL" dirty="0" err="1" smtClean="0"/>
+              <a:rPr lang="nl-NL" dirty="0" err="1"/>
               <a:t>skos:Collection</a:t>
             </a:r>
             <a:endParaRPr lang="nl-NL" dirty="0"/>
@@ -10597,7 +11531,7 @@
           <a:p>
             <a:pPr algn="ctr"/>
             <a:r>
-              <a:rPr lang="nl-NL" dirty="0" err="1" smtClean="0"/>
+              <a:rPr lang="nl-NL" dirty="0" err="1"/>
               <a:t>skos:ConceptScheme</a:t>
             </a:r>
             <a:endParaRPr lang="nl-NL" dirty="0"/>
@@ -10644,7 +11578,7 @@
           <a:p>
             <a:pPr algn="ctr"/>
             <a:r>
-              <a:rPr lang="nl-NL" dirty="0" err="1" smtClean="0"/>
+              <a:rPr lang="nl-NL" dirty="0" err="1"/>
               <a:t>prov:Entity</a:t>
             </a:r>
             <a:endParaRPr lang="nl-NL" dirty="0"/>
@@ -10710,7 +11644,7 @@
           <a:lstStyle/>
           <a:p>
             <a:r>
-              <a:rPr lang="nl-NL" dirty="0" err="1" smtClean="0"/>
+              <a:rPr lang="nl-NL" dirty="0" err="1"/>
               <a:t>wdrs:describedby</a:t>
             </a:r>
             <a:endParaRPr lang="nl-NL" dirty="0"/>
@@ -10754,7 +11688,7 @@
           <a:p>
             <a:pPr algn="ctr"/>
             <a:r>
-              <a:rPr lang="nl-NL" dirty="0" err="1" smtClean="0"/>
+              <a:rPr lang="nl-NL" dirty="0" err="1"/>
               <a:t>owl:Ontology</a:t>
             </a:r>
             <a:endParaRPr lang="nl-NL" dirty="0"/>
@@ -10801,7 +11735,7 @@
           <a:p>
             <a:pPr algn="ctr"/>
             <a:r>
-              <a:rPr lang="nl-NL" dirty="0" smtClean="0">
+              <a:rPr lang="nl-NL" dirty="0">
                 <a:solidFill>
                   <a:srgbClr val="002060"/>
                 </a:solidFill>
@@ -10809,7 +11743,7 @@
               <a:t>&lt;</a:t>
             </a:r>
             <a:r>
-              <a:rPr lang="nl-NL" dirty="0" err="1" smtClean="0">
+              <a:rPr lang="nl-NL" dirty="0" err="1">
                 <a:solidFill>
                   <a:srgbClr val="002060"/>
                 </a:solidFill>
@@ -10817,18 +11751,13 @@
               <a:t>someclass</a:t>
             </a:r>
             <a:r>
-              <a:rPr lang="nl-NL" dirty="0" smtClean="0">
+              <a:rPr lang="nl-NL" dirty="0">
                 <a:solidFill>
                   <a:srgbClr val="002060"/>
                 </a:solidFill>
               </a:rPr>
               <a:t>&gt;</a:t>
             </a:r>
-            <a:endParaRPr lang="nl-NL" dirty="0">
-              <a:solidFill>
-                <a:srgbClr val="002060"/>
-              </a:solidFill>
-            </a:endParaRPr>
           </a:p>
         </p:txBody>
       </p:sp>
@@ -10891,7 +11820,7 @@
           <a:lstStyle/>
           <a:p>
             <a:r>
-              <a:rPr lang="nl-NL" dirty="0" err="1" smtClean="0"/>
+              <a:rPr lang="nl-NL" dirty="0" err="1"/>
               <a:t>rdf:type</a:t>
             </a:r>
             <a:endParaRPr lang="nl-NL" dirty="0"/>
@@ -11029,7 +11958,7 @@
           <a:lstStyle/>
           <a:p>
             <a:r>
-              <a:rPr lang="nl-NL" dirty="0" err="1" smtClean="0"/>
+              <a:rPr lang="nl-NL" dirty="0" err="1"/>
               <a:t>rdfs:isDefinedBy</a:t>
             </a:r>
             <a:endParaRPr lang="nl-NL" dirty="0"/>
@@ -11131,7 +12060,7 @@
           <a:lstStyle/>
           <a:p>
             <a:r>
-              <a:rPr lang="nl-NL" dirty="0" err="1" smtClean="0"/>
+              <a:rPr lang="nl-NL" dirty="0" err="1"/>
               <a:t>sh:path</a:t>
             </a:r>
             <a:endParaRPr lang="nl-NL" dirty="0"/>
@@ -11197,7 +12126,7 @@
           <a:lstStyle/>
           <a:p>
             <a:r>
-              <a:rPr lang="nl-NL" dirty="0" err="1" smtClean="0"/>
+              <a:rPr lang="nl-NL" dirty="0" err="1"/>
               <a:t>sh:property</a:t>
             </a:r>
             <a:endParaRPr lang="nl-NL" dirty="0"/>
@@ -11263,7 +12192,7 @@
           <a:lstStyle/>
           <a:p>
             <a:r>
-              <a:rPr lang="nl-NL" dirty="0" err="1" smtClean="0"/>
+              <a:rPr lang="nl-NL" dirty="0" err="1"/>
               <a:t>sh:targetClass</a:t>
             </a:r>
             <a:endParaRPr lang="nl-NL" dirty="0"/>
@@ -11330,11 +12259,7 @@
           <a:p>
             <a:r>
               <a:rPr lang="nl-NL" dirty="0" err="1"/>
-              <a:t>d</a:t>
-            </a:r>
-            <a:r>
-              <a:rPr lang="nl-NL" dirty="0" err="1" smtClean="0"/>
-              <a:t>c:subject</a:t>
+              <a:t>dc:subject</a:t>
             </a:r>
             <a:endParaRPr lang="nl-NL" dirty="0"/>
           </a:p>
@@ -11399,7 +12324,7 @@
           <a:lstStyle/>
           <a:p>
             <a:r>
-              <a:rPr lang="nl-NL" dirty="0" err="1" smtClean="0"/>
+              <a:rPr lang="nl-NL" dirty="0" err="1"/>
               <a:t>skos:inScheme</a:t>
             </a:r>
             <a:endParaRPr lang="nl-NL" dirty="0"/>
@@ -11465,7 +12390,7 @@
           <a:lstStyle/>
           <a:p>
             <a:r>
-              <a:rPr lang="nl-NL" dirty="0" err="1" smtClean="0"/>
+              <a:rPr lang="nl-NL" dirty="0" err="1"/>
               <a:t>skos:member</a:t>
             </a:r>
             <a:endParaRPr lang="nl-NL" dirty="0"/>
@@ -11531,7 +12456,7 @@
           <a:lstStyle/>
           <a:p>
             <a:r>
-              <a:rPr lang="nl-NL" dirty="0" err="1" smtClean="0"/>
+              <a:rPr lang="nl-NL" dirty="0" err="1"/>
               <a:t>dc:source</a:t>
             </a:r>
             <a:endParaRPr lang="nl-NL" dirty="0"/>
@@ -11561,10 +12486,9 @@
           <a:lstStyle/>
           <a:p>
             <a:r>
-              <a:rPr lang="nl-NL" dirty="0" smtClean="0"/>
+              <a:rPr lang="nl-NL" dirty="0"/>
               <a:t>Metamodel</a:t>
             </a:r>
-            <a:endParaRPr lang="nl-NL" dirty="0"/>
           </a:p>
         </p:txBody>
       </p:sp>
@@ -11578,13 +12502,6 @@
   <p:clrMapOvr>
     <a:masterClrMapping/>
   </p:clrMapOvr>
-  <p:timing>
-    <p:tnLst>
-      <p:par>
-        <p:cTn id="1" dur="indefinite" restart="never" nodeType="tmRoot"/>
-      </p:par>
-    </p:tnLst>
-  </p:timing>
 </p:sld>
 </file>
 
